--- a/Reports n such/PDO presentation.pptx
+++ b/Reports n such/PDO presentation.pptx
@@ -5,7 +5,7 @@
     <p:sldMasterId id="2147483756" r:id="rId1"/>
   </p:sldMasterIdLst>
   <p:notesMasterIdLst>
-    <p:notesMasterId r:id="rId16"/>
+    <p:notesMasterId r:id="rId28"/>
   </p:notesMasterIdLst>
   <p:sldIdLst>
     <p:sldId id="256" r:id="rId2"/>
@@ -19,9 +19,21 @@
     <p:sldId id="268" r:id="rId10"/>
     <p:sldId id="269" r:id="rId11"/>
     <p:sldId id="270" r:id="rId12"/>
-    <p:sldId id="263" r:id="rId13"/>
-    <p:sldId id="264" r:id="rId14"/>
-    <p:sldId id="260" r:id="rId15"/>
+    <p:sldId id="271" r:id="rId13"/>
+    <p:sldId id="272" r:id="rId14"/>
+    <p:sldId id="273" r:id="rId15"/>
+    <p:sldId id="274" r:id="rId16"/>
+    <p:sldId id="275" r:id="rId17"/>
+    <p:sldId id="278" r:id="rId18"/>
+    <p:sldId id="279" r:id="rId19"/>
+    <p:sldId id="280" r:id="rId20"/>
+    <p:sldId id="281" r:id="rId21"/>
+    <p:sldId id="282" r:id="rId22"/>
+    <p:sldId id="276" r:id="rId23"/>
+    <p:sldId id="277" r:id="rId24"/>
+    <p:sldId id="263" r:id="rId25"/>
+    <p:sldId id="264" r:id="rId26"/>
+    <p:sldId id="260" r:id="rId27"/>
   </p:sldIdLst>
   <p:sldSz cx="12192000" cy="6858000"/>
   <p:notesSz cx="6858000" cy="9144000"/>
@@ -134,7 +146,7 @@
 <file path=ppt/revisionInfo.xml><?xml version="1.0" encoding="utf-8"?>
 <p1510:revInfo xmlns:a="http://schemas.openxmlformats.org/drawingml/2006/main" xmlns:r="http://schemas.openxmlformats.org/officeDocument/2006/relationships" xmlns:p1510="http://schemas.microsoft.com/office/powerpoint/2015/10/main">
   <p1510:revLst>
-    <p1510:client id="{3A09807C-0A35-43B8-9B58-B1294ABA1295}" v="5299" dt="2021-05-11T17:08:39.913"/>
+    <p1510:client id="{3A09807C-0A35-43B8-9B58-B1294ABA1295}" v="6967" dt="2021-05-12T13:17:48.352"/>
   </p1510:revLst>
 </p1510:revInfo>
 </file>
@@ -144,18 +156,18 @@
   <pc:docChgLst>
     <pc:chgData name="Lowe, Rachel M" userId="93b75d29-27f6-4dab-b540-bade7f33a1ad" providerId="ADAL" clId="{3A09807C-0A35-43B8-9B58-B1294ABA1295}"/>
     <pc:docChg chg="undo redo custSel addSld delSld modSld">
-      <pc:chgData name="Lowe, Rachel M" userId="93b75d29-27f6-4dab-b540-bade7f33a1ad" providerId="ADAL" clId="{3A09807C-0A35-43B8-9B58-B1294ABA1295}" dt="2021-05-11T18:29:27.036" v="15072" actId="20577"/>
+      <pc:chgData name="Lowe, Rachel M" userId="93b75d29-27f6-4dab-b540-bade7f33a1ad" providerId="ADAL" clId="{3A09807C-0A35-43B8-9B58-B1294ABA1295}" dt="2021-05-12T13:17:48.352" v="31387"/>
       <pc:docMkLst>
         <pc:docMk/>
       </pc:docMkLst>
-      <pc:sldChg chg="addSp delSp modSp mod setBg delDesignElem">
-        <pc:chgData name="Lowe, Rachel M" userId="93b75d29-27f6-4dab-b540-bade7f33a1ad" providerId="ADAL" clId="{3A09807C-0A35-43B8-9B58-B1294ABA1295}" dt="2021-05-11T09:27:22.879" v="3293"/>
+      <pc:sldChg chg="addSp delSp modSp mod setBg modAnim delDesignElem">
+        <pc:chgData name="Lowe, Rachel M" userId="93b75d29-27f6-4dab-b540-bade7f33a1ad" providerId="ADAL" clId="{3A09807C-0A35-43B8-9B58-B1294ABA1295}" dt="2021-05-12T13:17:48.352" v="31387"/>
         <pc:sldMkLst>
           <pc:docMk/>
           <pc:sldMk cId="2183879457" sldId="256"/>
         </pc:sldMkLst>
         <pc:spChg chg="mod">
-          <ac:chgData name="Lowe, Rachel M" userId="93b75d29-27f6-4dab-b540-bade7f33a1ad" providerId="ADAL" clId="{3A09807C-0A35-43B8-9B58-B1294ABA1295}" dt="2021-05-11T09:27:22.879" v="3293"/>
+          <ac:chgData name="Lowe, Rachel M" userId="93b75d29-27f6-4dab-b540-bade7f33a1ad" providerId="ADAL" clId="{3A09807C-0A35-43B8-9B58-B1294ABA1295}" dt="2021-05-12T12:59:15.280" v="30683" actId="20577"/>
           <ac:spMkLst>
             <pc:docMk/>
             <pc:sldMk cId="2183879457" sldId="256"/>
@@ -163,7 +175,7 @@
           </ac:spMkLst>
         </pc:spChg>
         <pc:spChg chg="mod">
-          <ac:chgData name="Lowe, Rachel M" userId="93b75d29-27f6-4dab-b540-bade7f33a1ad" providerId="ADAL" clId="{3A09807C-0A35-43B8-9B58-B1294ABA1295}" dt="2021-05-11T09:27:22.879" v="3293"/>
+          <ac:chgData name="Lowe, Rachel M" userId="93b75d29-27f6-4dab-b540-bade7f33a1ad" providerId="ADAL" clId="{3A09807C-0A35-43B8-9B58-B1294ABA1295}" dt="2021-05-12T13:17:39.001" v="31385" actId="20577"/>
           <ac:spMkLst>
             <pc:docMk/>
             <pc:sldMk cId="2183879457" sldId="256"/>
@@ -323,7 +335,7 @@
         </pc:cxnChg>
       </pc:sldChg>
       <pc:sldChg chg="addSp delSp modSp new mod setBg modAnim setClrOvrMap delDesignElem">
-        <pc:chgData name="Lowe, Rachel M" userId="93b75d29-27f6-4dab-b540-bade7f33a1ad" providerId="ADAL" clId="{3A09807C-0A35-43B8-9B58-B1294ABA1295}" dt="2021-05-11T09:31:12.744" v="3578"/>
+        <pc:chgData name="Lowe, Rachel M" userId="93b75d29-27f6-4dab-b540-bade7f33a1ad" providerId="ADAL" clId="{3A09807C-0A35-43B8-9B58-B1294ABA1295}" dt="2021-05-12T09:38:36.710" v="17476"/>
         <pc:sldMkLst>
           <pc:docMk/>
           <pc:sldMk cId="375132531" sldId="258"/>
@@ -337,7 +349,7 @@
           </ac:spMkLst>
         </pc:spChg>
         <pc:spChg chg="mod">
-          <ac:chgData name="Lowe, Rachel M" userId="93b75d29-27f6-4dab-b540-bade7f33a1ad" providerId="ADAL" clId="{3A09807C-0A35-43B8-9B58-B1294ABA1295}" dt="2021-05-11T08:52:30.998" v="349" actId="1076"/>
+          <ac:chgData name="Lowe, Rachel M" userId="93b75d29-27f6-4dab-b540-bade7f33a1ad" providerId="ADAL" clId="{3A09807C-0A35-43B8-9B58-B1294ABA1295}" dt="2021-05-12T09:37:33.135" v="17470" actId="20577"/>
           <ac:spMkLst>
             <pc:docMk/>
             <pc:sldMk cId="375132531" sldId="258"/>
@@ -473,7 +485,7 @@
         </pc:graphicFrameChg>
       </pc:sldChg>
       <pc:sldChg chg="modSp new mod">
-        <pc:chgData name="Lowe, Rachel M" userId="93b75d29-27f6-4dab-b540-bade7f33a1ad" providerId="ADAL" clId="{3A09807C-0A35-43B8-9B58-B1294ABA1295}" dt="2021-05-11T09:27:22.879" v="3293"/>
+        <pc:chgData name="Lowe, Rachel M" userId="93b75d29-27f6-4dab-b540-bade7f33a1ad" providerId="ADAL" clId="{3A09807C-0A35-43B8-9B58-B1294ABA1295}" dt="2021-05-12T09:54:34.616" v="19817" actId="114"/>
         <pc:sldMkLst>
           <pc:docMk/>
           <pc:sldMk cId="2935096448" sldId="260"/>
@@ -487,7 +499,7 @@
           </ac:spMkLst>
         </pc:spChg>
         <pc:spChg chg="mod">
-          <ac:chgData name="Lowe, Rachel M" userId="93b75d29-27f6-4dab-b540-bade7f33a1ad" providerId="ADAL" clId="{3A09807C-0A35-43B8-9B58-B1294ABA1295}" dt="2021-05-11T09:27:22.879" v="3293"/>
+          <ac:chgData name="Lowe, Rachel M" userId="93b75d29-27f6-4dab-b540-bade7f33a1ad" providerId="ADAL" clId="{3A09807C-0A35-43B8-9B58-B1294ABA1295}" dt="2021-05-12T09:54:34.616" v="19817" actId="114"/>
           <ac:spMkLst>
             <pc:docMk/>
             <pc:sldMk cId="2935096448" sldId="260"/>
@@ -704,8 +716,8 @@
           </ac:spMkLst>
         </pc:spChg>
       </pc:sldChg>
-      <pc:sldChg chg="modSp new mod">
-        <pc:chgData name="Lowe, Rachel M" userId="93b75d29-27f6-4dab-b540-bade7f33a1ad" providerId="ADAL" clId="{3A09807C-0A35-43B8-9B58-B1294ABA1295}" dt="2021-05-11T12:35:07.393" v="7686" actId="20577"/>
+      <pc:sldChg chg="modSp new mod modAnim">
+        <pc:chgData name="Lowe, Rachel M" userId="93b75d29-27f6-4dab-b540-bade7f33a1ad" providerId="ADAL" clId="{3A09807C-0A35-43B8-9B58-B1294ABA1295}" dt="2021-05-12T13:09:15.415" v="30959" actId="20577"/>
         <pc:sldMkLst>
           <pc:docMk/>
           <pc:sldMk cId="1816209396" sldId="266"/>
@@ -719,7 +731,7 @@
           </ac:spMkLst>
         </pc:spChg>
         <pc:spChg chg="mod">
-          <ac:chgData name="Lowe, Rachel M" userId="93b75d29-27f6-4dab-b540-bade7f33a1ad" providerId="ADAL" clId="{3A09807C-0A35-43B8-9B58-B1294ABA1295}" dt="2021-05-11T12:35:07.393" v="7686" actId="20577"/>
+          <ac:chgData name="Lowe, Rachel M" userId="93b75d29-27f6-4dab-b540-bade7f33a1ad" providerId="ADAL" clId="{3A09807C-0A35-43B8-9B58-B1294ABA1295}" dt="2021-05-12T13:09:15.415" v="30959" actId="20577"/>
           <ac:spMkLst>
             <pc:docMk/>
             <pc:sldMk cId="1816209396" sldId="266"/>
@@ -775,7 +787,7 @@
         </pc:spChg>
       </pc:sldChg>
       <pc:sldChg chg="modSp add mod modAnim modNotesTx">
-        <pc:chgData name="Lowe, Rachel M" userId="93b75d29-27f6-4dab-b540-bade7f33a1ad" providerId="ADAL" clId="{3A09807C-0A35-43B8-9B58-B1294ABA1295}" dt="2021-05-11T13:13:06.723" v="13004" actId="20577"/>
+        <pc:chgData name="Lowe, Rachel M" userId="93b75d29-27f6-4dab-b540-bade7f33a1ad" providerId="ADAL" clId="{3A09807C-0A35-43B8-9B58-B1294ABA1295}" dt="2021-05-12T10:24:42.474" v="21222"/>
         <pc:sldMkLst>
           <pc:docMk/>
           <pc:sldMk cId="1212409632" sldId="268"/>
@@ -805,8 +817,8 @@
           </ac:spMkLst>
         </pc:spChg>
       </pc:sldChg>
-      <pc:sldChg chg="modSp add mod modAnim">
-        <pc:chgData name="Lowe, Rachel M" userId="93b75d29-27f6-4dab-b540-bade7f33a1ad" providerId="ADAL" clId="{3A09807C-0A35-43B8-9B58-B1294ABA1295}" dt="2021-05-11T17:08:39.913" v="15038"/>
+      <pc:sldChg chg="modSp add mod modAnim modNotesTx">
+        <pc:chgData name="Lowe, Rachel M" userId="93b75d29-27f6-4dab-b540-bade7f33a1ad" providerId="ADAL" clId="{3A09807C-0A35-43B8-9B58-B1294ABA1295}" dt="2021-05-12T08:42:09.284" v="15290" actId="20577"/>
         <pc:sldMkLst>
           <pc:docMk/>
           <pc:sldMk cId="4113758511" sldId="269"/>
@@ -820,7 +832,7 @@
           </ac:spMkLst>
         </pc:spChg>
         <pc:spChg chg="mod">
-          <ac:chgData name="Lowe, Rachel M" userId="93b75d29-27f6-4dab-b540-bade7f33a1ad" providerId="ADAL" clId="{3A09807C-0A35-43B8-9B58-B1294ABA1295}" dt="2021-05-11T17:07:56.025" v="14961" actId="27636"/>
+          <ac:chgData name="Lowe, Rachel M" userId="93b75d29-27f6-4dab-b540-bade7f33a1ad" providerId="ADAL" clId="{3A09807C-0A35-43B8-9B58-B1294ABA1295}" dt="2021-05-12T08:35:30.085" v="15241" actId="27636"/>
           <ac:spMkLst>
             <pc:docMk/>
             <pc:sldMk cId="4113758511" sldId="269"/>
@@ -828,7 +840,7 @@
           </ac:spMkLst>
         </pc:spChg>
         <pc:spChg chg="mod">
-          <ac:chgData name="Lowe, Rachel M" userId="93b75d29-27f6-4dab-b540-bade7f33a1ad" providerId="ADAL" clId="{3A09807C-0A35-43B8-9B58-B1294ABA1295}" dt="2021-05-11T17:08:21.844" v="15036" actId="20577"/>
+          <ac:chgData name="Lowe, Rachel M" userId="93b75d29-27f6-4dab-b540-bade7f33a1ad" providerId="ADAL" clId="{3A09807C-0A35-43B8-9B58-B1294ABA1295}" dt="2021-05-12T08:35:51.693" v="15288" actId="20577"/>
           <ac:spMkLst>
             <pc:docMk/>
             <pc:sldMk cId="4113758511" sldId="269"/>
@@ -836,20 +848,454 @@
           </ac:spMkLst>
         </pc:spChg>
       </pc:sldChg>
-      <pc:sldChg chg="modSp new mod">
-        <pc:chgData name="Lowe, Rachel M" userId="93b75d29-27f6-4dab-b540-bade7f33a1ad" providerId="ADAL" clId="{3A09807C-0A35-43B8-9B58-B1294ABA1295}" dt="2021-05-11T18:29:27.036" v="15072" actId="20577"/>
+      <pc:sldChg chg="addSp delSp modSp new mod modAnim">
+        <pc:chgData name="Lowe, Rachel M" userId="93b75d29-27f6-4dab-b540-bade7f33a1ad" providerId="ADAL" clId="{3A09807C-0A35-43B8-9B58-B1294ABA1295}" dt="2021-05-12T09:36:09.412" v="17387" actId="20577"/>
         <pc:sldMkLst>
           <pc:docMk/>
           <pc:sldMk cId="1169466456" sldId="270"/>
         </pc:sldMkLst>
         <pc:spChg chg="mod">
-          <ac:chgData name="Lowe, Rachel M" userId="93b75d29-27f6-4dab-b540-bade7f33a1ad" providerId="ADAL" clId="{3A09807C-0A35-43B8-9B58-B1294ABA1295}" dt="2021-05-11T18:29:27.036" v="15072" actId="20577"/>
+          <ac:chgData name="Lowe, Rachel M" userId="93b75d29-27f6-4dab-b540-bade7f33a1ad" providerId="ADAL" clId="{3A09807C-0A35-43B8-9B58-B1294ABA1295}" dt="2021-05-12T08:43:38.369" v="15291"/>
           <ac:spMkLst>
             <pc:docMk/>
             <pc:sldMk cId="1169466456" sldId="270"/>
             <ac:spMk id="2" creationId="{56B7104D-0893-4933-8C58-6D4BC7350522}"/>
           </ac:spMkLst>
         </pc:spChg>
+        <pc:spChg chg="del">
+          <ac:chgData name="Lowe, Rachel M" userId="93b75d29-27f6-4dab-b540-bade7f33a1ad" providerId="ADAL" clId="{3A09807C-0A35-43B8-9B58-B1294ABA1295}" dt="2021-05-12T08:43:38.369" v="15291"/>
+          <ac:spMkLst>
+            <pc:docMk/>
+            <pc:sldMk cId="1169466456" sldId="270"/>
+            <ac:spMk id="3" creationId="{DA292337-1B05-4D05-AEA8-78317225EBD2}"/>
+          </ac:spMkLst>
+        </pc:spChg>
+        <pc:spChg chg="add mod">
+          <ac:chgData name="Lowe, Rachel M" userId="93b75d29-27f6-4dab-b540-bade7f33a1ad" providerId="ADAL" clId="{3A09807C-0A35-43B8-9B58-B1294ABA1295}" dt="2021-05-12T08:44:02.256" v="15341" actId="27636"/>
+          <ac:spMkLst>
+            <pc:docMk/>
+            <pc:sldMk cId="1169466456" sldId="270"/>
+            <ac:spMk id="4" creationId="{899F87EE-C203-480F-8640-B86826D07F98}"/>
+          </ac:spMkLst>
+        </pc:spChg>
+        <pc:spChg chg="add mod">
+          <ac:chgData name="Lowe, Rachel M" userId="93b75d29-27f6-4dab-b540-bade7f33a1ad" providerId="ADAL" clId="{3A09807C-0A35-43B8-9B58-B1294ABA1295}" dt="2021-05-12T09:10:59.808" v="16226" actId="27636"/>
+          <ac:spMkLst>
+            <pc:docMk/>
+            <pc:sldMk cId="1169466456" sldId="270"/>
+            <ac:spMk id="5" creationId="{78F7A1A0-72DC-4419-A8FB-22BB105FE871}"/>
+          </ac:spMkLst>
+        </pc:spChg>
+        <pc:spChg chg="add mod">
+          <ac:chgData name="Lowe, Rachel M" userId="93b75d29-27f6-4dab-b540-bade7f33a1ad" providerId="ADAL" clId="{3A09807C-0A35-43B8-9B58-B1294ABA1295}" dt="2021-05-12T08:44:05.663" v="15342" actId="14100"/>
+          <ac:spMkLst>
+            <pc:docMk/>
+            <pc:sldMk cId="1169466456" sldId="270"/>
+            <ac:spMk id="6" creationId="{53713A28-CF7C-42B5-A408-65E0FAB306E7}"/>
+          </ac:spMkLst>
+        </pc:spChg>
+        <pc:spChg chg="add mod">
+          <ac:chgData name="Lowe, Rachel M" userId="93b75d29-27f6-4dab-b540-bade7f33a1ad" providerId="ADAL" clId="{3A09807C-0A35-43B8-9B58-B1294ABA1295}" dt="2021-05-12T09:36:09.412" v="17387" actId="20577"/>
+          <ac:spMkLst>
+            <pc:docMk/>
+            <pc:sldMk cId="1169466456" sldId="270"/>
+            <ac:spMk id="7" creationId="{5545BEEE-D02B-4632-B045-52F822E4BC1D}"/>
+          </ac:spMkLst>
+        </pc:spChg>
+      </pc:sldChg>
+      <pc:sldChg chg="modSp new mod modAnim">
+        <pc:chgData name="Lowe, Rachel M" userId="93b75d29-27f6-4dab-b540-bade7f33a1ad" providerId="ADAL" clId="{3A09807C-0A35-43B8-9B58-B1294ABA1295}" dt="2021-05-12T09:38:53.770" v="17478"/>
+        <pc:sldMkLst>
+          <pc:docMk/>
+          <pc:sldMk cId="3311844949" sldId="271"/>
+        </pc:sldMkLst>
+        <pc:spChg chg="mod">
+          <ac:chgData name="Lowe, Rachel M" userId="93b75d29-27f6-4dab-b540-bade7f33a1ad" providerId="ADAL" clId="{3A09807C-0A35-43B8-9B58-B1294ABA1295}" dt="2021-05-12T09:36:23.530" v="17399" actId="20577"/>
+          <ac:spMkLst>
+            <pc:docMk/>
+            <pc:sldMk cId="3311844949" sldId="271"/>
+            <ac:spMk id="2" creationId="{2EDC90BD-5522-41CD-9814-99C5E76A1A12}"/>
+          </ac:spMkLst>
+        </pc:spChg>
+        <pc:spChg chg="mod">
+          <ac:chgData name="Lowe, Rachel M" userId="93b75d29-27f6-4dab-b540-bade7f33a1ad" providerId="ADAL" clId="{3A09807C-0A35-43B8-9B58-B1294ABA1295}" dt="2021-05-12T09:38:23.991" v="17473"/>
+          <ac:spMkLst>
+            <pc:docMk/>
+            <pc:sldMk cId="3311844949" sldId="271"/>
+            <ac:spMk id="3" creationId="{7BAC4D4B-C729-48C4-816B-5175521A45CA}"/>
+          </ac:spMkLst>
+        </pc:spChg>
+      </pc:sldChg>
+      <pc:sldChg chg="modSp new mod modAnim">
+        <pc:chgData name="Lowe, Rachel M" userId="93b75d29-27f6-4dab-b540-bade7f33a1ad" providerId="ADAL" clId="{3A09807C-0A35-43B8-9B58-B1294ABA1295}" dt="2021-05-12T09:52:05.035" v="19621"/>
+        <pc:sldMkLst>
+          <pc:docMk/>
+          <pc:sldMk cId="62782084" sldId="272"/>
+        </pc:sldMkLst>
+        <pc:spChg chg="mod">
+          <ac:chgData name="Lowe, Rachel M" userId="93b75d29-27f6-4dab-b540-bade7f33a1ad" providerId="ADAL" clId="{3A09807C-0A35-43B8-9B58-B1294ABA1295}" dt="2021-05-12T09:37:07.341" v="17466" actId="20577"/>
+          <ac:spMkLst>
+            <pc:docMk/>
+            <pc:sldMk cId="62782084" sldId="272"/>
+            <ac:spMk id="2" creationId="{E6405E9F-CADD-4740-8367-DC4BC88267E7}"/>
+          </ac:spMkLst>
+        </pc:spChg>
+        <pc:spChg chg="mod">
+          <ac:chgData name="Lowe, Rachel M" userId="93b75d29-27f6-4dab-b540-bade7f33a1ad" providerId="ADAL" clId="{3A09807C-0A35-43B8-9B58-B1294ABA1295}" dt="2021-05-12T09:51:33.649" v="19610" actId="20577"/>
+          <ac:spMkLst>
+            <pc:docMk/>
+            <pc:sldMk cId="62782084" sldId="272"/>
+            <ac:spMk id="3" creationId="{F158F099-7AEF-4BE9-8BE0-A55AE4D18F75}"/>
+          </ac:spMkLst>
+        </pc:spChg>
+      </pc:sldChg>
+      <pc:sldChg chg="modSp new mod modAnim modNotesTx">
+        <pc:chgData name="Lowe, Rachel M" userId="93b75d29-27f6-4dab-b540-bade7f33a1ad" providerId="ADAL" clId="{3A09807C-0A35-43B8-9B58-B1294ABA1295}" dt="2021-05-12T10:31:24.586" v="21339" actId="20577"/>
+        <pc:sldMkLst>
+          <pc:docMk/>
+          <pc:sldMk cId="2042784965" sldId="273"/>
+        </pc:sldMkLst>
+        <pc:spChg chg="mod">
+          <ac:chgData name="Lowe, Rachel M" userId="93b75d29-27f6-4dab-b540-bade7f33a1ad" providerId="ADAL" clId="{3A09807C-0A35-43B8-9B58-B1294ABA1295}" dt="2021-05-12T09:52:15.664" v="19635" actId="20577"/>
+          <ac:spMkLst>
+            <pc:docMk/>
+            <pc:sldMk cId="2042784965" sldId="273"/>
+            <ac:spMk id="2" creationId="{7EB7EB81-8FFB-4B59-8FF0-8C831A31F65E}"/>
+          </ac:spMkLst>
+        </pc:spChg>
+        <pc:spChg chg="mod">
+          <ac:chgData name="Lowe, Rachel M" userId="93b75d29-27f6-4dab-b540-bade7f33a1ad" providerId="ADAL" clId="{3A09807C-0A35-43B8-9B58-B1294ABA1295}" dt="2021-05-12T10:31:24.586" v="21339" actId="20577"/>
+          <ac:spMkLst>
+            <pc:docMk/>
+            <pc:sldMk cId="2042784965" sldId="273"/>
+            <ac:spMk id="3" creationId="{C63F67DE-3A94-4F78-8FDD-49277B0E6DB5}"/>
+          </ac:spMkLst>
+        </pc:spChg>
+      </pc:sldChg>
+      <pc:sldChg chg="addSp delSp modSp new mod modAnim modNotesTx">
+        <pc:chgData name="Lowe, Rachel M" userId="93b75d29-27f6-4dab-b540-bade7f33a1ad" providerId="ADAL" clId="{3A09807C-0A35-43B8-9B58-B1294ABA1295}" dt="2021-05-12T11:45:12.631" v="23013" actId="20577"/>
+        <pc:sldMkLst>
+          <pc:docMk/>
+          <pc:sldMk cId="1118019533" sldId="274"/>
+        </pc:sldMkLst>
+        <pc:spChg chg="mod">
+          <ac:chgData name="Lowe, Rachel M" userId="93b75d29-27f6-4dab-b540-bade7f33a1ad" providerId="ADAL" clId="{3A09807C-0A35-43B8-9B58-B1294ABA1295}" dt="2021-05-12T10:32:38.730" v="21370" actId="20577"/>
+          <ac:spMkLst>
+            <pc:docMk/>
+            <pc:sldMk cId="1118019533" sldId="274"/>
+            <ac:spMk id="2" creationId="{ED6E77FB-CF3C-4F9D-A6B1-95653568990D}"/>
+          </ac:spMkLst>
+        </pc:spChg>
+        <pc:spChg chg="del mod">
+          <ac:chgData name="Lowe, Rachel M" userId="93b75d29-27f6-4dab-b540-bade7f33a1ad" providerId="ADAL" clId="{3A09807C-0A35-43B8-9B58-B1294ABA1295}" dt="2021-05-12T11:36:41.032" v="21454" actId="931"/>
+          <ac:spMkLst>
+            <pc:docMk/>
+            <pc:sldMk cId="1118019533" sldId="274"/>
+            <ac:spMk id="3" creationId="{7EC3333A-FCAA-4B7A-82A1-DB8BA4F2E0E7}"/>
+          </ac:spMkLst>
+        </pc:spChg>
+        <pc:picChg chg="add mod">
+          <ac:chgData name="Lowe, Rachel M" userId="93b75d29-27f6-4dab-b540-bade7f33a1ad" providerId="ADAL" clId="{3A09807C-0A35-43B8-9B58-B1294ABA1295}" dt="2021-05-12T11:36:58.223" v="21457" actId="1076"/>
+          <ac:picMkLst>
+            <pc:docMk/>
+            <pc:sldMk cId="1118019533" sldId="274"/>
+            <ac:picMk id="5" creationId="{3F410F9D-D307-4816-B9AE-8D759D68CDDB}"/>
+          </ac:picMkLst>
+        </pc:picChg>
+      </pc:sldChg>
+      <pc:sldChg chg="new del">
+        <pc:chgData name="Lowe, Rachel M" userId="93b75d29-27f6-4dab-b540-bade7f33a1ad" providerId="ADAL" clId="{3A09807C-0A35-43B8-9B58-B1294ABA1295}" dt="2021-05-12T10:22:41.382" v="21077" actId="2696"/>
+        <pc:sldMkLst>
+          <pc:docMk/>
+          <pc:sldMk cId="2532337803" sldId="274"/>
+        </pc:sldMkLst>
+      </pc:sldChg>
+      <pc:sldChg chg="modSp new mod modAnim modNotesTx">
+        <pc:chgData name="Lowe, Rachel M" userId="93b75d29-27f6-4dab-b540-bade7f33a1ad" providerId="ADAL" clId="{3A09807C-0A35-43B8-9B58-B1294ABA1295}" dt="2021-05-12T12:26:02.451" v="29614" actId="20577"/>
+        <pc:sldMkLst>
+          <pc:docMk/>
+          <pc:sldMk cId="883197457" sldId="275"/>
+        </pc:sldMkLst>
+        <pc:spChg chg="mod">
+          <ac:chgData name="Lowe, Rachel M" userId="93b75d29-27f6-4dab-b540-bade7f33a1ad" providerId="ADAL" clId="{3A09807C-0A35-43B8-9B58-B1294ABA1295}" dt="2021-05-12T11:50:53.652" v="23295" actId="114"/>
+          <ac:spMkLst>
+            <pc:docMk/>
+            <pc:sldMk cId="883197457" sldId="275"/>
+            <ac:spMk id="2" creationId="{3187BEA1-54E0-45DF-9D55-A02A5B89EE73}"/>
+          </ac:spMkLst>
+        </pc:spChg>
+        <pc:spChg chg="mod">
+          <ac:chgData name="Lowe, Rachel M" userId="93b75d29-27f6-4dab-b540-bade7f33a1ad" providerId="ADAL" clId="{3A09807C-0A35-43B8-9B58-B1294ABA1295}" dt="2021-05-12T11:48:32.347" v="23078" actId="14100"/>
+          <ac:spMkLst>
+            <pc:docMk/>
+            <pc:sldMk cId="883197457" sldId="275"/>
+            <ac:spMk id="3" creationId="{71AEC35A-25D8-4AB5-AACC-23037D172636}"/>
+          </ac:spMkLst>
+        </pc:spChg>
+        <pc:spChg chg="mod">
+          <ac:chgData name="Lowe, Rachel M" userId="93b75d29-27f6-4dab-b540-bade7f33a1ad" providerId="ADAL" clId="{3A09807C-0A35-43B8-9B58-B1294ABA1295}" dt="2021-05-12T12:24:54.690" v="29481" actId="20577"/>
+          <ac:spMkLst>
+            <pc:docMk/>
+            <pc:sldMk cId="883197457" sldId="275"/>
+            <ac:spMk id="4" creationId="{334B1E5C-14CE-4DA7-85A9-CDEF3D332FD2}"/>
+          </ac:spMkLst>
+        </pc:spChg>
+        <pc:spChg chg="mod">
+          <ac:chgData name="Lowe, Rachel M" userId="93b75d29-27f6-4dab-b540-bade7f33a1ad" providerId="ADAL" clId="{3A09807C-0A35-43B8-9B58-B1294ABA1295}" dt="2021-05-12T11:48:35.588" v="23079" actId="14100"/>
+          <ac:spMkLst>
+            <pc:docMk/>
+            <pc:sldMk cId="883197457" sldId="275"/>
+            <ac:spMk id="5" creationId="{6F571AB0-E73B-4E1E-9C1D-30898C8EAA14}"/>
+          </ac:spMkLst>
+        </pc:spChg>
+        <pc:spChg chg="mod">
+          <ac:chgData name="Lowe, Rachel M" userId="93b75d29-27f6-4dab-b540-bade7f33a1ad" providerId="ADAL" clId="{3A09807C-0A35-43B8-9B58-B1294ABA1295}" dt="2021-05-12T12:26:02.451" v="29614" actId="20577"/>
+          <ac:spMkLst>
+            <pc:docMk/>
+            <pc:sldMk cId="883197457" sldId="275"/>
+            <ac:spMk id="6" creationId="{DDC38D73-E428-4600-838A-187DAAFDCC93}"/>
+          </ac:spMkLst>
+        </pc:spChg>
+      </pc:sldChg>
+      <pc:sldChg chg="modSp new mod modNotesTx">
+        <pc:chgData name="Lowe, Rachel M" userId="93b75d29-27f6-4dab-b540-bade7f33a1ad" providerId="ADAL" clId="{3A09807C-0A35-43B8-9B58-B1294ABA1295}" dt="2021-05-12T12:58:28.835" v="30580" actId="20577"/>
+        <pc:sldMkLst>
+          <pc:docMk/>
+          <pc:sldMk cId="87653310" sldId="276"/>
+        </pc:sldMkLst>
+        <pc:spChg chg="mod">
+          <ac:chgData name="Lowe, Rachel M" userId="93b75d29-27f6-4dab-b540-bade7f33a1ad" providerId="ADAL" clId="{3A09807C-0A35-43B8-9B58-B1294ABA1295}" dt="2021-05-12T12:27:37.569" v="29741" actId="20577"/>
+          <ac:spMkLst>
+            <pc:docMk/>
+            <pc:sldMk cId="87653310" sldId="276"/>
+            <ac:spMk id="2" creationId="{3A86618B-04AD-4C95-9C7B-9E166C51861E}"/>
+          </ac:spMkLst>
+        </pc:spChg>
+        <pc:spChg chg="mod">
+          <ac:chgData name="Lowe, Rachel M" userId="93b75d29-27f6-4dab-b540-bade7f33a1ad" providerId="ADAL" clId="{3A09807C-0A35-43B8-9B58-B1294ABA1295}" dt="2021-05-12T12:28:23.825" v="29837" actId="20577"/>
+          <ac:spMkLst>
+            <pc:docMk/>
+            <pc:sldMk cId="87653310" sldId="276"/>
+            <ac:spMk id="3" creationId="{BDEEFF70-EB63-41F9-97BC-34DC5869C06A}"/>
+          </ac:spMkLst>
+        </pc:spChg>
+      </pc:sldChg>
+      <pc:sldChg chg="modSp new del mod">
+        <pc:chgData name="Lowe, Rachel M" userId="93b75d29-27f6-4dab-b540-bade7f33a1ad" providerId="ADAL" clId="{3A09807C-0A35-43B8-9B58-B1294ABA1295}" dt="2021-05-12T12:26:35.587" v="29617" actId="2696"/>
+        <pc:sldMkLst>
+          <pc:docMk/>
+          <pc:sldMk cId="757422076" sldId="276"/>
+        </pc:sldMkLst>
+        <pc:spChg chg="mod">
+          <ac:chgData name="Lowe, Rachel M" userId="93b75d29-27f6-4dab-b540-bade7f33a1ad" providerId="ADAL" clId="{3A09807C-0A35-43B8-9B58-B1294ABA1295}" dt="2021-05-12T12:26:32.191" v="29616" actId="20577"/>
+          <ac:spMkLst>
+            <pc:docMk/>
+            <pc:sldMk cId="757422076" sldId="276"/>
+            <ac:spMk id="2" creationId="{34527D29-2C73-403D-8A29-360C7D416E86}"/>
+          </ac:spMkLst>
+        </pc:spChg>
+      </pc:sldChg>
+      <pc:sldChg chg="modSp new mod modNotesTx">
+        <pc:chgData name="Lowe, Rachel M" userId="93b75d29-27f6-4dab-b540-bade7f33a1ad" providerId="ADAL" clId="{3A09807C-0A35-43B8-9B58-B1294ABA1295}" dt="2021-05-12T12:59:02.570" v="30680" actId="20577"/>
+        <pc:sldMkLst>
+          <pc:docMk/>
+          <pc:sldMk cId="1939524378" sldId="277"/>
+        </pc:sldMkLst>
+        <pc:spChg chg="mod">
+          <ac:chgData name="Lowe, Rachel M" userId="93b75d29-27f6-4dab-b540-bade7f33a1ad" providerId="ADAL" clId="{3A09807C-0A35-43B8-9B58-B1294ABA1295}" dt="2021-05-12T12:58:54.580" v="30640" actId="20577"/>
+          <ac:spMkLst>
+            <pc:docMk/>
+            <pc:sldMk cId="1939524378" sldId="277"/>
+            <ac:spMk id="2" creationId="{5632056F-F207-4E15-A455-FB225E2CF16F}"/>
+          </ac:spMkLst>
+        </pc:spChg>
+        <pc:spChg chg="mod">
+          <ac:chgData name="Lowe, Rachel M" userId="93b75d29-27f6-4dab-b540-bade7f33a1ad" providerId="ADAL" clId="{3A09807C-0A35-43B8-9B58-B1294ABA1295}" dt="2021-05-12T12:58:50.028" v="30633" actId="20577"/>
+          <ac:spMkLst>
+            <pc:docMk/>
+            <pc:sldMk cId="1939524378" sldId="277"/>
+            <ac:spMk id="3" creationId="{ECB98B4A-8700-4075-A199-E48C3F3372C5}"/>
+          </ac:spMkLst>
+        </pc:spChg>
+      </pc:sldChg>
+      <pc:sldChg chg="modSp new mod">
+        <pc:chgData name="Lowe, Rachel M" userId="93b75d29-27f6-4dab-b540-bade7f33a1ad" providerId="ADAL" clId="{3A09807C-0A35-43B8-9B58-B1294ABA1295}" dt="2021-05-12T13:16:30.791" v="31375" actId="20577"/>
+        <pc:sldMkLst>
+          <pc:docMk/>
+          <pc:sldMk cId="471429825" sldId="278"/>
+        </pc:sldMkLst>
+        <pc:spChg chg="mod">
+          <ac:chgData name="Lowe, Rachel M" userId="93b75d29-27f6-4dab-b540-bade7f33a1ad" providerId="ADAL" clId="{3A09807C-0A35-43B8-9B58-B1294ABA1295}" dt="2021-05-12T13:01:08.685" v="30864" actId="20577"/>
+          <ac:spMkLst>
+            <pc:docMk/>
+            <pc:sldMk cId="471429825" sldId="278"/>
+            <ac:spMk id="2" creationId="{BB0B9561-0503-4C14-B045-BFCC30F5D0ED}"/>
+          </ac:spMkLst>
+        </pc:spChg>
+        <pc:spChg chg="mod">
+          <ac:chgData name="Lowe, Rachel M" userId="93b75d29-27f6-4dab-b540-bade7f33a1ad" providerId="ADAL" clId="{3A09807C-0A35-43B8-9B58-B1294ABA1295}" dt="2021-05-12T13:16:30.791" v="31375" actId="20577"/>
+          <ac:spMkLst>
+            <pc:docMk/>
+            <pc:sldMk cId="471429825" sldId="278"/>
+            <ac:spMk id="3" creationId="{E64FDFA8-5640-4089-9847-4E55DD100207}"/>
+          </ac:spMkLst>
+        </pc:spChg>
+      </pc:sldChg>
+      <pc:sldChg chg="addSp delSp modSp new mod">
+        <pc:chgData name="Lowe, Rachel M" userId="93b75d29-27f6-4dab-b540-bade7f33a1ad" providerId="ADAL" clId="{3A09807C-0A35-43B8-9B58-B1294ABA1295}" dt="2021-05-12T13:10:32.856" v="31072" actId="20577"/>
+        <pc:sldMkLst>
+          <pc:docMk/>
+          <pc:sldMk cId="3429697425" sldId="279"/>
+        </pc:sldMkLst>
+        <pc:spChg chg="mod">
+          <ac:chgData name="Lowe, Rachel M" userId="93b75d29-27f6-4dab-b540-bade7f33a1ad" providerId="ADAL" clId="{3A09807C-0A35-43B8-9B58-B1294ABA1295}" dt="2021-05-12T13:10:32.856" v="31072" actId="20577"/>
+          <ac:spMkLst>
+            <pc:docMk/>
+            <pc:sldMk cId="3429697425" sldId="279"/>
+            <ac:spMk id="2" creationId="{5270F6DF-B2EC-4574-9FB8-5ACF3D0C734C}"/>
+          </ac:spMkLst>
+        </pc:spChg>
+        <pc:spChg chg="del">
+          <ac:chgData name="Lowe, Rachel M" userId="93b75d29-27f6-4dab-b540-bade7f33a1ad" providerId="ADAL" clId="{3A09807C-0A35-43B8-9B58-B1294ABA1295}" dt="2021-05-12T13:09:36.935" v="30961" actId="931"/>
+          <ac:spMkLst>
+            <pc:docMk/>
+            <pc:sldMk cId="3429697425" sldId="279"/>
+            <ac:spMk id="3" creationId="{0E9DBCEB-3CD9-46A0-861F-5B96928F8FD9}"/>
+          </ac:spMkLst>
+        </pc:spChg>
+        <pc:picChg chg="add mod">
+          <ac:chgData name="Lowe, Rachel M" userId="93b75d29-27f6-4dab-b540-bade7f33a1ad" providerId="ADAL" clId="{3A09807C-0A35-43B8-9B58-B1294ABA1295}" dt="2021-05-12T13:10:14.222" v="31028" actId="14826"/>
+          <ac:picMkLst>
+            <pc:docMk/>
+            <pc:sldMk cId="3429697425" sldId="279"/>
+            <ac:picMk id="5" creationId="{8BEDFB24-19D8-4A88-80ED-625CC9E63A93}"/>
+          </ac:picMkLst>
+        </pc:picChg>
+      </pc:sldChg>
+      <pc:sldChg chg="addSp delSp modSp new mod">
+        <pc:chgData name="Lowe, Rachel M" userId="93b75d29-27f6-4dab-b540-bade7f33a1ad" providerId="ADAL" clId="{3A09807C-0A35-43B8-9B58-B1294ABA1295}" dt="2021-05-12T13:10:48.952" v="31102" actId="20577"/>
+        <pc:sldMkLst>
+          <pc:docMk/>
+          <pc:sldMk cId="3117585319" sldId="280"/>
+        </pc:sldMkLst>
+        <pc:spChg chg="mod">
+          <ac:chgData name="Lowe, Rachel M" userId="93b75d29-27f6-4dab-b540-bade7f33a1ad" providerId="ADAL" clId="{3A09807C-0A35-43B8-9B58-B1294ABA1295}" dt="2021-05-12T13:10:48.952" v="31102" actId="20577"/>
+          <ac:spMkLst>
+            <pc:docMk/>
+            <pc:sldMk cId="3117585319" sldId="280"/>
+            <ac:spMk id="2" creationId="{555AE4A0-52FF-40C1-A628-FB4E55A0F846}"/>
+          </ac:spMkLst>
+        </pc:spChg>
+        <pc:spChg chg="del">
+          <ac:chgData name="Lowe, Rachel M" userId="93b75d29-27f6-4dab-b540-bade7f33a1ad" providerId="ADAL" clId="{3A09807C-0A35-43B8-9B58-B1294ABA1295}" dt="2021-05-12T13:10:42.569" v="31074" actId="931"/>
+          <ac:spMkLst>
+            <pc:docMk/>
+            <pc:sldMk cId="3117585319" sldId="280"/>
+            <ac:spMk id="3" creationId="{A60AC76E-B0C8-495F-B98A-836431F046E9}"/>
+          </ac:spMkLst>
+        </pc:spChg>
+        <pc:picChg chg="add mod">
+          <ac:chgData name="Lowe, Rachel M" userId="93b75d29-27f6-4dab-b540-bade7f33a1ad" providerId="ADAL" clId="{3A09807C-0A35-43B8-9B58-B1294ABA1295}" dt="2021-05-12T13:10:44.062" v="31076" actId="27614"/>
+          <ac:picMkLst>
+            <pc:docMk/>
+            <pc:sldMk cId="3117585319" sldId="280"/>
+            <ac:picMk id="5" creationId="{341EB68C-82C1-43B0-A779-9C8C626E9352}"/>
+          </ac:picMkLst>
+        </pc:picChg>
+      </pc:sldChg>
+      <pc:sldChg chg="addSp delSp modSp new mod">
+        <pc:chgData name="Lowe, Rachel M" userId="93b75d29-27f6-4dab-b540-bade7f33a1ad" providerId="ADAL" clId="{3A09807C-0A35-43B8-9B58-B1294ABA1295}" dt="2021-05-12T13:11:44.947" v="31143" actId="20577"/>
+        <pc:sldMkLst>
+          <pc:docMk/>
+          <pc:sldMk cId="3585529614" sldId="281"/>
+        </pc:sldMkLst>
+        <pc:spChg chg="mod">
+          <ac:chgData name="Lowe, Rachel M" userId="93b75d29-27f6-4dab-b540-bade7f33a1ad" providerId="ADAL" clId="{3A09807C-0A35-43B8-9B58-B1294ABA1295}" dt="2021-05-12T13:11:44.947" v="31143" actId="20577"/>
+          <ac:spMkLst>
+            <pc:docMk/>
+            <pc:sldMk cId="3585529614" sldId="281"/>
+            <ac:spMk id="2" creationId="{893BB3A3-2FFA-4A6E-8AAA-59DE64A2BC58}"/>
+          </ac:spMkLst>
+        </pc:spChg>
+        <pc:spChg chg="del">
+          <ac:chgData name="Lowe, Rachel M" userId="93b75d29-27f6-4dab-b540-bade7f33a1ad" providerId="ADAL" clId="{3A09807C-0A35-43B8-9B58-B1294ABA1295}" dt="2021-05-12T13:11:22.728" v="31104" actId="931"/>
+          <ac:spMkLst>
+            <pc:docMk/>
+            <pc:sldMk cId="3585529614" sldId="281"/>
+            <ac:spMk id="3" creationId="{6D0EE4B6-3C20-4680-8770-CFBA2DB866B4}"/>
+          </ac:spMkLst>
+        </pc:spChg>
+        <pc:picChg chg="add mod">
+          <ac:chgData name="Lowe, Rachel M" userId="93b75d29-27f6-4dab-b540-bade7f33a1ad" providerId="ADAL" clId="{3A09807C-0A35-43B8-9B58-B1294ABA1295}" dt="2021-05-12T13:11:23.791" v="31105" actId="27614"/>
+          <ac:picMkLst>
+            <pc:docMk/>
+            <pc:sldMk cId="3585529614" sldId="281"/>
+            <ac:picMk id="5" creationId="{A0937359-29C4-49FC-A39C-69861468225D}"/>
+          </ac:picMkLst>
+        </pc:picChg>
+      </pc:sldChg>
+      <pc:sldChg chg="addSp delSp modSp new mod modAnim">
+        <pc:chgData name="Lowe, Rachel M" userId="93b75d29-27f6-4dab-b540-bade7f33a1ad" providerId="ADAL" clId="{3A09807C-0A35-43B8-9B58-B1294ABA1295}" dt="2021-05-12T13:15:55.178" v="31339"/>
+        <pc:sldMkLst>
+          <pc:docMk/>
+          <pc:sldMk cId="2797260845" sldId="282"/>
+        </pc:sldMkLst>
+        <pc:spChg chg="mod">
+          <ac:chgData name="Lowe, Rachel M" userId="93b75d29-27f6-4dab-b540-bade7f33a1ad" providerId="ADAL" clId="{3A09807C-0A35-43B8-9B58-B1294ABA1295}" dt="2021-05-12T13:12:49.178" v="31197"/>
+          <ac:spMkLst>
+            <pc:docMk/>
+            <pc:sldMk cId="2797260845" sldId="282"/>
+            <ac:spMk id="2" creationId="{33DAA633-133D-4233-8FA8-E0623A5D0509}"/>
+          </ac:spMkLst>
+        </pc:spChg>
+        <pc:spChg chg="del mod">
+          <ac:chgData name="Lowe, Rachel M" userId="93b75d29-27f6-4dab-b540-bade7f33a1ad" providerId="ADAL" clId="{3A09807C-0A35-43B8-9B58-B1294ABA1295}" dt="2021-05-12T13:12:08.998" v="31184" actId="931"/>
+          <ac:spMkLst>
+            <pc:docMk/>
+            <pc:sldMk cId="2797260845" sldId="282"/>
+            <ac:spMk id="3" creationId="{D6213002-C14D-4421-AAA5-78A48B47A654}"/>
+          </ac:spMkLst>
+        </pc:spChg>
+        <pc:spChg chg="add mod">
+          <ac:chgData name="Lowe, Rachel M" userId="93b75d29-27f6-4dab-b540-bade7f33a1ad" providerId="ADAL" clId="{3A09807C-0A35-43B8-9B58-B1294ABA1295}" dt="2021-05-12T13:15:34.104" v="31332" actId="122"/>
+          <ac:spMkLst>
+            <pc:docMk/>
+            <pc:sldMk cId="2797260845" sldId="282"/>
+            <ac:spMk id="12" creationId="{905EE71F-156F-4A50-B4CF-45E3763E0837}"/>
+          </ac:spMkLst>
+        </pc:spChg>
+        <pc:picChg chg="add mod">
+          <ac:chgData name="Lowe, Rachel M" userId="93b75d29-27f6-4dab-b540-bade7f33a1ad" providerId="ADAL" clId="{3A09807C-0A35-43B8-9B58-B1294ABA1295}" dt="2021-05-12T13:12:49.178" v="31197"/>
+          <ac:picMkLst>
+            <pc:docMk/>
+            <pc:sldMk cId="2797260845" sldId="282"/>
+            <ac:picMk id="5" creationId="{41721309-E53C-4B31-B4CA-92E426B44625}"/>
+          </ac:picMkLst>
+        </pc:picChg>
+        <pc:picChg chg="add mod">
+          <ac:chgData name="Lowe, Rachel M" userId="93b75d29-27f6-4dab-b540-bade7f33a1ad" providerId="ADAL" clId="{3A09807C-0A35-43B8-9B58-B1294ABA1295}" dt="2021-05-12T13:12:49.874" v="31198" actId="1076"/>
+          <ac:picMkLst>
+            <pc:docMk/>
+            <pc:sldMk cId="2797260845" sldId="282"/>
+            <ac:picMk id="7" creationId="{13F59E58-4E67-4C58-A7F3-4CBD8F61579E}"/>
+          </ac:picMkLst>
+        </pc:picChg>
+        <pc:picChg chg="add mod">
+          <ac:chgData name="Lowe, Rachel M" userId="93b75d29-27f6-4dab-b540-bade7f33a1ad" providerId="ADAL" clId="{3A09807C-0A35-43B8-9B58-B1294ABA1295}" dt="2021-05-12T13:12:48.811" v="31196" actId="1076"/>
+          <ac:picMkLst>
+            <pc:docMk/>
+            <pc:sldMk cId="2797260845" sldId="282"/>
+            <ac:picMk id="9" creationId="{1935D36E-F73A-4578-A37F-A96627EB9B68}"/>
+          </ac:picMkLst>
+        </pc:picChg>
+        <pc:picChg chg="add mod">
+          <ac:chgData name="Lowe, Rachel M" userId="93b75d29-27f6-4dab-b540-bade7f33a1ad" providerId="ADAL" clId="{3A09807C-0A35-43B8-9B58-B1294ABA1295}" dt="2021-05-12T13:12:20.064" v="31188" actId="1076"/>
+          <ac:picMkLst>
+            <pc:docMk/>
+            <pc:sldMk cId="2797260845" sldId="282"/>
+            <ac:picMk id="11" creationId="{56488D46-76D5-47C7-8CBA-7E959BCEBE7B}"/>
+          </ac:picMkLst>
+        </pc:picChg>
       </pc:sldChg>
     </pc:docChg>
   </pc:docChgLst>
@@ -6577,7 +7023,7 @@
           <a:p>
             <a:fld id="{129EA2B3-CDAF-40E0-ACDB-8B1419F9CD92}" type="datetimeFigureOut">
               <a:rPr lang="en-GB" smtClean="0"/>
-              <a:t>11/05/2021</a:t>
+              <a:t>12/05/2021</a:t>
             </a:fld>
             <a:endParaRPr lang="en-GB"/>
           </a:p>
@@ -7009,6 +7455,282 @@
 </p:notes>
 </file>
 
+<file path=ppt/notesSlides/notesSlide10.xml><?xml version="1.0" encoding="utf-8"?>
+<p:notes xmlns:a="http://schemas.openxmlformats.org/drawingml/2006/main" xmlns:r="http://schemas.openxmlformats.org/officeDocument/2006/relationships" xmlns:p="http://schemas.openxmlformats.org/presentationml/2006/main">
+  <p:cSld>
+    <p:spTree>
+      <p:nvGrpSpPr>
+        <p:cNvPr id="1" name=""/>
+        <p:cNvGrpSpPr/>
+        <p:nvPr/>
+      </p:nvGrpSpPr>
+      <p:grpSpPr>
+        <a:xfrm>
+          <a:off x="0" y="0"/>
+          <a:ext cx="0" cy="0"/>
+          <a:chOff x="0" y="0"/>
+          <a:chExt cx="0" cy="0"/>
+        </a:xfrm>
+      </p:grpSpPr>
+      <p:sp>
+        <p:nvSpPr>
+          <p:cNvPr id="2" name="Slide Image Placeholder 1"/>
+          <p:cNvSpPr>
+            <a:spLocks noGrp="1" noRot="1" noChangeAspect="1"/>
+          </p:cNvSpPr>
+          <p:nvPr>
+            <p:ph type="sldImg"/>
+          </p:nvPr>
+        </p:nvSpPr>
+        <p:spPr/>
+      </p:sp>
+      <p:sp>
+        <p:nvSpPr>
+          <p:cNvPr id="3" name="Notes Placeholder 2"/>
+          <p:cNvSpPr>
+            <a:spLocks noGrp="1"/>
+          </p:cNvSpPr>
+          <p:nvPr>
+            <p:ph type="body" idx="1"/>
+          </p:nvPr>
+        </p:nvSpPr>
+        <p:spPr/>
+        <p:txBody>
+          <a:bodyPr/>
+          <a:lstStyle/>
+          <a:p>
+            <a:endParaRPr lang="en-GB" dirty="0"/>
+          </a:p>
+        </p:txBody>
+      </p:sp>
+      <p:sp>
+        <p:nvSpPr>
+          <p:cNvPr id="4" name="Slide Number Placeholder 3"/>
+          <p:cNvSpPr>
+            <a:spLocks noGrp="1"/>
+          </p:cNvSpPr>
+          <p:nvPr>
+            <p:ph type="sldNum" sz="quarter" idx="5"/>
+          </p:nvPr>
+        </p:nvSpPr>
+        <p:spPr/>
+        <p:txBody>
+          <a:bodyPr/>
+          <a:lstStyle/>
+          <a:p>
+            <a:fld id="{CB58B834-BB34-4B7C-8D51-42DD0FB40083}" type="slidenum">
+              <a:rPr lang="en-GB" smtClean="0"/>
+              <a:t>19</a:t>
+            </a:fld>
+            <a:endParaRPr lang="en-GB"/>
+          </a:p>
+        </p:txBody>
+      </p:sp>
+    </p:spTree>
+    <p:extLst>
+      <p:ext uri="{BB962C8B-B14F-4D97-AF65-F5344CB8AC3E}">
+        <p14:creationId xmlns:p14="http://schemas.microsoft.com/office/powerpoint/2010/main" val="333950937"/>
+      </p:ext>
+    </p:extLst>
+  </p:cSld>
+  <p:clrMapOvr>
+    <a:masterClrMapping/>
+  </p:clrMapOvr>
+</p:notes>
+</file>
+
+<file path=ppt/notesSlides/notesSlide11.xml><?xml version="1.0" encoding="utf-8"?>
+<p:notes xmlns:a="http://schemas.openxmlformats.org/drawingml/2006/main" xmlns:r="http://schemas.openxmlformats.org/officeDocument/2006/relationships" xmlns:p="http://schemas.openxmlformats.org/presentationml/2006/main">
+  <p:cSld>
+    <p:spTree>
+      <p:nvGrpSpPr>
+        <p:cNvPr id="1" name=""/>
+        <p:cNvGrpSpPr/>
+        <p:nvPr/>
+      </p:nvGrpSpPr>
+      <p:grpSpPr>
+        <a:xfrm>
+          <a:off x="0" y="0"/>
+          <a:ext cx="0" cy="0"/>
+          <a:chOff x="0" y="0"/>
+          <a:chExt cx="0" cy="0"/>
+        </a:xfrm>
+      </p:grpSpPr>
+      <p:sp>
+        <p:nvSpPr>
+          <p:cNvPr id="2" name="Slide Image Placeholder 1"/>
+          <p:cNvSpPr>
+            <a:spLocks noGrp="1" noRot="1" noChangeAspect="1"/>
+          </p:cNvSpPr>
+          <p:nvPr>
+            <p:ph type="sldImg"/>
+          </p:nvPr>
+        </p:nvSpPr>
+        <p:spPr/>
+      </p:sp>
+      <p:sp>
+        <p:nvSpPr>
+          <p:cNvPr id="3" name="Notes Placeholder 2"/>
+          <p:cNvSpPr>
+            <a:spLocks noGrp="1"/>
+          </p:cNvSpPr>
+          <p:nvPr>
+            <p:ph type="body" idx="1"/>
+          </p:nvPr>
+        </p:nvSpPr>
+        <p:spPr/>
+        <p:txBody>
+          <a:bodyPr/>
+          <a:lstStyle/>
+          <a:p>
+            <a:r>
+              <a:rPr lang="en-GB" dirty="0"/>
+              <a:t>I’ll show you how to use OH-HECC to create a .hecc file, add some content to the .hecc file, save it, and show you the saved .hecc file.</a:t>
+            </a:r>
+          </a:p>
+          <a:p>
+            <a:r>
+              <a:rPr lang="en-GB" dirty="0"/>
+              <a:t>Then I’ll open another .hecc file, show you how to open it for editing, make a few changes to it, and then use HECC-UP to edit it and open it in browser.</a:t>
+            </a:r>
+          </a:p>
+          <a:p>
+            <a:r>
+              <a:rPr lang="en-GB" dirty="0"/>
+              <a:t>I’ll also show you how that game works.</a:t>
+            </a:r>
+          </a:p>
+          <a:p>
+            <a:r>
+              <a:rPr lang="en-GB" dirty="0"/>
+              <a:t>And, to end it, I shall show what happens if you attempt giving an invalid .hecc file to HECC-UP, and then show you what happens if you edit a valid .hecc file to make it invalid in OH-HECC.</a:t>
+            </a:r>
+          </a:p>
+        </p:txBody>
+      </p:sp>
+      <p:sp>
+        <p:nvSpPr>
+          <p:cNvPr id="4" name="Slide Number Placeholder 3"/>
+          <p:cNvSpPr>
+            <a:spLocks noGrp="1"/>
+          </p:cNvSpPr>
+          <p:nvPr>
+            <p:ph type="sldNum" sz="quarter" idx="5"/>
+          </p:nvPr>
+        </p:nvSpPr>
+        <p:spPr/>
+        <p:txBody>
+          <a:bodyPr/>
+          <a:lstStyle/>
+          <a:p>
+            <a:fld id="{CB58B834-BB34-4B7C-8D51-42DD0FB40083}" type="slidenum">
+              <a:rPr lang="en-GB" smtClean="0"/>
+              <a:t>22</a:t>
+            </a:fld>
+            <a:endParaRPr lang="en-GB"/>
+          </a:p>
+        </p:txBody>
+      </p:sp>
+    </p:spTree>
+    <p:extLst>
+      <p:ext uri="{BB962C8B-B14F-4D97-AF65-F5344CB8AC3E}">
+        <p14:creationId xmlns:p14="http://schemas.microsoft.com/office/powerpoint/2010/main" val="2402346878"/>
+      </p:ext>
+    </p:extLst>
+  </p:cSld>
+  <p:clrMapOvr>
+    <a:masterClrMapping/>
+  </p:clrMapOvr>
+</p:notes>
+</file>
+
+<file path=ppt/notesSlides/notesSlide12.xml><?xml version="1.0" encoding="utf-8"?>
+<p:notes xmlns:a="http://schemas.openxmlformats.org/drawingml/2006/main" xmlns:r="http://schemas.openxmlformats.org/officeDocument/2006/relationships" xmlns:p="http://schemas.openxmlformats.org/presentationml/2006/main">
+  <p:cSld>
+    <p:spTree>
+      <p:nvGrpSpPr>
+        <p:cNvPr id="1" name=""/>
+        <p:cNvGrpSpPr/>
+        <p:nvPr/>
+      </p:nvGrpSpPr>
+      <p:grpSpPr>
+        <a:xfrm>
+          <a:off x="0" y="0"/>
+          <a:ext cx="0" cy="0"/>
+          <a:chOff x="0" y="0"/>
+          <a:chExt cx="0" cy="0"/>
+        </a:xfrm>
+      </p:grpSpPr>
+      <p:sp>
+        <p:nvSpPr>
+          <p:cNvPr id="2" name="Slide Image Placeholder 1"/>
+          <p:cNvSpPr>
+            <a:spLocks noGrp="1" noRot="1" noChangeAspect="1"/>
+          </p:cNvSpPr>
+          <p:nvPr>
+            <p:ph type="sldImg"/>
+          </p:nvPr>
+        </p:nvSpPr>
+        <p:spPr/>
+      </p:sp>
+      <p:sp>
+        <p:nvSpPr>
+          <p:cNvPr id="3" name="Notes Placeholder 2"/>
+          <p:cNvSpPr>
+            <a:spLocks noGrp="1"/>
+          </p:cNvSpPr>
+          <p:nvPr>
+            <p:ph type="body" idx="1"/>
+          </p:nvPr>
+        </p:nvSpPr>
+        <p:spPr/>
+        <p:txBody>
+          <a:bodyPr/>
+          <a:lstStyle/>
+          <a:p>
+            <a:r>
+              <a:rPr lang="en-GB" dirty="0"/>
+              <a:t>This is the allocated time for questions</a:t>
+            </a:r>
+          </a:p>
+        </p:txBody>
+      </p:sp>
+      <p:sp>
+        <p:nvSpPr>
+          <p:cNvPr id="4" name="Slide Number Placeholder 3"/>
+          <p:cNvSpPr>
+            <a:spLocks noGrp="1"/>
+          </p:cNvSpPr>
+          <p:nvPr>
+            <p:ph type="sldNum" sz="quarter" idx="5"/>
+          </p:nvPr>
+        </p:nvSpPr>
+        <p:spPr/>
+        <p:txBody>
+          <a:bodyPr/>
+          <a:lstStyle/>
+          <a:p>
+            <a:fld id="{CB58B834-BB34-4B7C-8D51-42DD0FB40083}" type="slidenum">
+              <a:rPr lang="en-GB" smtClean="0"/>
+              <a:t>23</a:t>
+            </a:fld>
+            <a:endParaRPr lang="en-GB"/>
+          </a:p>
+        </p:txBody>
+      </p:sp>
+    </p:spTree>
+    <p:extLst>
+      <p:ext uri="{BB962C8B-B14F-4D97-AF65-F5344CB8AC3E}">
+        <p14:creationId xmlns:p14="http://schemas.microsoft.com/office/powerpoint/2010/main" val="1874871199"/>
+      </p:ext>
+    </p:extLst>
+  </p:cSld>
+  <p:clrMapOvr>
+    <a:masterClrMapping/>
+  </p:clrMapOvr>
+</p:notes>
+</file>
+
 <file path=ppt/notesSlides/notesSlide2.xml><?xml version="1.0" encoding="utf-8"?>
 <p:notes xmlns:a="http://schemas.openxmlformats.org/drawingml/2006/main" xmlns:r="http://schemas.openxmlformats.org/officeDocument/2006/relationships" xmlns:p="http://schemas.openxmlformats.org/presentationml/2006/main">
   <p:cSld>
@@ -7418,27 +8140,7 @@
           <a:bodyPr/>
           <a:lstStyle/>
           <a:p>
-            <a:r>
-              <a:rPr lang="en-GB" dirty="0"/>
-              <a:t>Proper variables were considered, did not get around to implementing them</a:t>
-            </a:r>
-          </a:p>
-          <a:p>
-            <a:r>
-              <a:rPr lang="en-GB" dirty="0"/>
-              <a:t>Conditional logic: it works. I am planning to work out how to remove the eval abuse, but that’ll be a job for after I’m done with exams and moving the codebase to my personal </a:t>
-            </a:r>
-            <a:r>
-              <a:rPr lang="en-GB" dirty="0" err="1"/>
-              <a:t>github</a:t>
-            </a:r>
             <a:endParaRPr lang="en-GB" dirty="0"/>
-          </a:p>
-          <a:p>
-            <a:r>
-              <a:rPr lang="en-GB" dirty="0"/>
-              <a:t>Stretch goals: variables. Saving/loading games whilst playing them.</a:t>
-            </a:r>
           </a:p>
         </p:txBody>
       </p:sp>
@@ -7469,6 +8171,569 @@
     <p:extLst>
       <p:ext uri="{BB962C8B-B14F-4D97-AF65-F5344CB8AC3E}">
         <p14:creationId xmlns:p14="http://schemas.microsoft.com/office/powerpoint/2010/main" val="3591751566"/>
+      </p:ext>
+    </p:extLst>
+  </p:cSld>
+  <p:clrMapOvr>
+    <a:masterClrMapping/>
+  </p:clrMapOvr>
+</p:notes>
+</file>
+
+<file path=ppt/notesSlides/notesSlide7.xml><?xml version="1.0" encoding="utf-8"?>
+<p:notes xmlns:a="http://schemas.openxmlformats.org/drawingml/2006/main" xmlns:r="http://schemas.openxmlformats.org/officeDocument/2006/relationships" xmlns:p="http://schemas.openxmlformats.org/presentationml/2006/main">
+  <p:cSld>
+    <p:spTree>
+      <p:nvGrpSpPr>
+        <p:cNvPr id="1" name=""/>
+        <p:cNvGrpSpPr/>
+        <p:nvPr/>
+      </p:nvGrpSpPr>
+      <p:grpSpPr>
+        <a:xfrm>
+          <a:off x="0" y="0"/>
+          <a:ext cx="0" cy="0"/>
+          <a:chOff x="0" y="0"/>
+          <a:chExt cx="0" cy="0"/>
+        </a:xfrm>
+      </p:grpSpPr>
+      <p:sp>
+        <p:nvSpPr>
+          <p:cNvPr id="2" name="Slide Image Placeholder 1"/>
+          <p:cNvSpPr>
+            <a:spLocks noGrp="1" noRot="1" noChangeAspect="1"/>
+          </p:cNvSpPr>
+          <p:nvPr>
+            <p:ph type="sldImg"/>
+          </p:nvPr>
+        </p:nvSpPr>
+        <p:spPr/>
+      </p:sp>
+      <p:sp>
+        <p:nvSpPr>
+          <p:cNvPr id="3" name="Notes Placeholder 2"/>
+          <p:cNvSpPr>
+            <a:spLocks noGrp="1"/>
+          </p:cNvSpPr>
+          <p:nvPr>
+            <p:ph type="body" idx="1"/>
+          </p:nvPr>
+        </p:nvSpPr>
+        <p:spPr/>
+        <p:txBody>
+          <a:bodyPr/>
+          <a:lstStyle/>
+          <a:p>
+            <a:r>
+              <a:rPr lang="en-GB" dirty="0"/>
+              <a:t>[3] </a:t>
+            </a:r>
+            <a:r>
+              <a:rPr lang="en-US" sz="1200" kern="1200" dirty="0">
+                <a:solidFill>
+                  <a:schemeClr val="tx1"/>
+                </a:solidFill>
+                <a:effectLst/>
+                <a:latin typeface="+mn-lt"/>
+                <a:ea typeface="+mn-ea"/>
+                <a:cs typeface="+mn-cs"/>
+              </a:rPr>
+              <a:t>M. Bernstein, "On hypertext narrative," in </a:t>
+            </a:r>
+            <a:r>
+              <a:rPr lang="en-US" sz="1200" i="1" kern="1200" dirty="0">
+                <a:solidFill>
+                  <a:schemeClr val="tx1"/>
+                </a:solidFill>
+                <a:effectLst/>
+                <a:latin typeface="+mn-lt"/>
+                <a:ea typeface="+mn-ea"/>
+                <a:cs typeface="+mn-cs"/>
+              </a:rPr>
+              <a:t>HT '09: Proceedings of the 20th ACM conference on Hypertext and hypermedia</a:t>
+            </a:r>
+            <a:r>
+              <a:rPr lang="en-US" sz="1200" kern="1200" dirty="0">
+                <a:solidFill>
+                  <a:schemeClr val="tx1"/>
+                </a:solidFill>
+                <a:effectLst/>
+                <a:latin typeface="+mn-lt"/>
+                <a:ea typeface="+mn-ea"/>
+                <a:cs typeface="+mn-cs"/>
+              </a:rPr>
+              <a:t>, Torino, 2009. </a:t>
+            </a:r>
+            <a:endParaRPr lang="en-GB" dirty="0"/>
+          </a:p>
+        </p:txBody>
+      </p:sp>
+      <p:sp>
+        <p:nvSpPr>
+          <p:cNvPr id="4" name="Slide Number Placeholder 3"/>
+          <p:cNvSpPr>
+            <a:spLocks noGrp="1"/>
+          </p:cNvSpPr>
+          <p:nvPr>
+            <p:ph type="sldNum" sz="quarter" idx="5"/>
+          </p:nvPr>
+        </p:nvSpPr>
+        <p:spPr/>
+        <p:txBody>
+          <a:bodyPr/>
+          <a:lstStyle/>
+          <a:p>
+            <a:fld id="{CB58B834-BB34-4B7C-8D51-42DD0FB40083}" type="slidenum">
+              <a:rPr lang="en-GB" smtClean="0"/>
+              <a:t>14</a:t>
+            </a:fld>
+            <a:endParaRPr lang="en-GB"/>
+          </a:p>
+        </p:txBody>
+      </p:sp>
+    </p:spTree>
+    <p:extLst>
+      <p:ext uri="{BB962C8B-B14F-4D97-AF65-F5344CB8AC3E}">
+        <p14:creationId xmlns:p14="http://schemas.microsoft.com/office/powerpoint/2010/main" val="144523880"/>
+      </p:ext>
+    </p:extLst>
+  </p:cSld>
+  <p:clrMapOvr>
+    <a:masterClrMapping/>
+  </p:clrMapOvr>
+</p:notes>
+</file>
+
+<file path=ppt/notesSlides/notesSlide8.xml><?xml version="1.0" encoding="utf-8"?>
+<p:notes xmlns:a="http://schemas.openxmlformats.org/drawingml/2006/main" xmlns:r="http://schemas.openxmlformats.org/officeDocument/2006/relationships" xmlns:p="http://schemas.openxmlformats.org/presentationml/2006/main">
+  <p:cSld>
+    <p:spTree>
+      <p:nvGrpSpPr>
+        <p:cNvPr id="1" name=""/>
+        <p:cNvGrpSpPr/>
+        <p:nvPr/>
+      </p:nvGrpSpPr>
+      <p:grpSpPr>
+        <a:xfrm>
+          <a:off x="0" y="0"/>
+          <a:ext cx="0" cy="0"/>
+          <a:chOff x="0" y="0"/>
+          <a:chExt cx="0" cy="0"/>
+        </a:xfrm>
+      </p:grpSpPr>
+      <p:sp>
+        <p:nvSpPr>
+          <p:cNvPr id="2" name="Slide Image Placeholder 1"/>
+          <p:cNvSpPr>
+            <a:spLocks noGrp="1" noRot="1" noChangeAspect="1"/>
+          </p:cNvSpPr>
+          <p:nvPr>
+            <p:ph type="sldImg"/>
+          </p:nvPr>
+        </p:nvSpPr>
+        <p:spPr/>
+      </p:sp>
+      <p:sp>
+        <p:nvSpPr>
+          <p:cNvPr id="3" name="Notes Placeholder 2"/>
+          <p:cNvSpPr>
+            <a:spLocks noGrp="1"/>
+          </p:cNvSpPr>
+          <p:nvPr>
+            <p:ph type="body" idx="1"/>
+          </p:nvPr>
+        </p:nvSpPr>
+        <p:spPr/>
+        <p:txBody>
+          <a:bodyPr/>
+          <a:lstStyle/>
+          <a:p>
+            <a:r>
+              <a:rPr lang="en-GB" dirty="0"/>
+              <a:t>Letter about a mysterious opportunity from some ‘Dr Albert’ person, given an option to accept it or reject it</a:t>
+            </a:r>
+          </a:p>
+          <a:p>
+            <a:r>
+              <a:rPr lang="en-GB" dirty="0"/>
+              <a:t>	reject: that’s an ending</a:t>
+            </a:r>
+          </a:p>
+          <a:p>
+            <a:r>
+              <a:rPr lang="en-GB" dirty="0"/>
+              <a:t>	accept: continues to the rest of the game (kidnapped)</a:t>
+            </a:r>
+          </a:p>
+          <a:p>
+            <a:r>
+              <a:rPr lang="en-GB" dirty="0"/>
+              <a:t>Eventually goes to the first ‘death’</a:t>
+            </a:r>
+          </a:p>
+          <a:p>
+            <a:r>
+              <a:rPr lang="en-GB" dirty="0"/>
+              <a:t>	Wake up in an unfamiliar room</a:t>
+            </a:r>
+          </a:p>
+          <a:p>
+            <a:r>
+              <a:rPr lang="en-GB" dirty="0"/>
+              <a:t>	Introduced to Percival</a:t>
+            </a:r>
+          </a:p>
+          <a:p>
+            <a:r>
+              <a:rPr lang="en-GB" dirty="0"/>
+              <a:t>	You die</a:t>
+            </a:r>
+          </a:p>
+          <a:p>
+            <a:r>
+              <a:rPr lang="en-GB" dirty="0"/>
+              <a:t>Revisiting that first ‘death’</a:t>
+            </a:r>
+          </a:p>
+          <a:p>
+            <a:r>
+              <a:rPr lang="en-GB" dirty="0"/>
+              <a:t>	Can eventually opt to run away, find a ‘secret ending’ where it’s just a prank bro</a:t>
+            </a:r>
+          </a:p>
+          <a:p>
+            <a:r>
+              <a:rPr lang="en-GB" dirty="0"/>
+              <a:t>	Otherwise go back to the place where you first died, and then avoid dying this time</a:t>
+            </a:r>
+          </a:p>
+          <a:p>
+            <a:r>
+              <a:rPr lang="en-GB" dirty="0"/>
+              <a:t>	Ask Percival what’s going on</a:t>
+            </a:r>
+          </a:p>
+          <a:p>
+            <a:r>
+              <a:rPr lang="en-GB" dirty="0"/>
+              <a:t>Main ‘loop’</a:t>
+            </a:r>
+          </a:p>
+          <a:p>
+            <a:r>
+              <a:rPr lang="en-GB" dirty="0"/>
+              <a:t>	You die 3 more times</a:t>
+            </a:r>
+          </a:p>
+          <a:p>
+            <a:r>
+              <a:rPr lang="en-GB" dirty="0"/>
+              <a:t>	Meet Dr </a:t>
+            </a:r>
+            <a:r>
+              <a:rPr lang="en-GB" dirty="0" err="1"/>
+              <a:t>Spreewald</a:t>
+            </a:r>
+            <a:endParaRPr lang="en-GB" dirty="0"/>
+          </a:p>
+          <a:p>
+            <a:r>
+              <a:rPr lang="en-GB" dirty="0"/>
+              <a:t>	Could potentially find out some useful information</a:t>
+            </a:r>
+          </a:p>
+          <a:p>
+            <a:r>
+              <a:rPr lang="en-GB" dirty="0"/>
+              <a:t>The start of the endings</a:t>
+            </a:r>
+          </a:p>
+          <a:p>
+            <a:r>
+              <a:rPr lang="en-GB" dirty="0"/>
+              <a:t>	Option of accusing </a:t>
+            </a:r>
+            <a:r>
+              <a:rPr lang="en-GB" dirty="0" err="1"/>
+              <a:t>Spreewald</a:t>
+            </a:r>
+            <a:r>
+              <a:rPr lang="en-GB" dirty="0"/>
+              <a:t> is always there</a:t>
+            </a:r>
+          </a:p>
+          <a:p>
+            <a:r>
+              <a:rPr lang="en-GB" dirty="0"/>
+              <a:t>	Option of accusing Dr Albert not always there (only there if you made some certain choices)</a:t>
+            </a:r>
+          </a:p>
+          <a:p>
+            <a:r>
+              <a:rPr lang="en-GB" dirty="0"/>
+              <a:t>First accusation always wrong (</a:t>
+            </a:r>
+            <a:r>
+              <a:rPr lang="en-GB" dirty="0" err="1"/>
+              <a:t>ngl</a:t>
+            </a:r>
+            <a:r>
+              <a:rPr lang="en-GB" dirty="0"/>
+              <a:t> this is where the ‘mystery’ aspect falls apart)</a:t>
+            </a:r>
+          </a:p>
+          <a:p>
+            <a:r>
+              <a:rPr lang="en-GB" dirty="0"/>
+              <a:t>	Eventually have to accuse the other person</a:t>
+            </a:r>
+          </a:p>
+          <a:p>
+            <a:r>
+              <a:rPr lang="en-GB" dirty="0"/>
+              <a:t>	Depending on choices from earlier, may have the option of accusing Percival</a:t>
+            </a:r>
+          </a:p>
+          <a:p>
+            <a:r>
+              <a:rPr lang="en-GB" dirty="0"/>
+              <a:t>		Will need to actually remember the suspicious thing Percival did</a:t>
+            </a:r>
+          </a:p>
+          <a:p>
+            <a:endParaRPr lang="en-GB" dirty="0"/>
+          </a:p>
+        </p:txBody>
+      </p:sp>
+      <p:sp>
+        <p:nvSpPr>
+          <p:cNvPr id="4" name="Slide Number Placeholder 3"/>
+          <p:cNvSpPr>
+            <a:spLocks noGrp="1"/>
+          </p:cNvSpPr>
+          <p:nvPr>
+            <p:ph type="sldNum" sz="quarter" idx="5"/>
+          </p:nvPr>
+        </p:nvSpPr>
+        <p:spPr/>
+        <p:txBody>
+          <a:bodyPr/>
+          <a:lstStyle/>
+          <a:p>
+            <a:fld id="{CB58B834-BB34-4B7C-8D51-42DD0FB40083}" type="slidenum">
+              <a:rPr lang="en-GB" smtClean="0"/>
+              <a:t>15</a:t>
+            </a:fld>
+            <a:endParaRPr lang="en-GB"/>
+          </a:p>
+        </p:txBody>
+      </p:sp>
+    </p:spTree>
+    <p:extLst>
+      <p:ext uri="{BB962C8B-B14F-4D97-AF65-F5344CB8AC3E}">
+        <p14:creationId xmlns:p14="http://schemas.microsoft.com/office/powerpoint/2010/main" val="2486714008"/>
+      </p:ext>
+    </p:extLst>
+  </p:cSld>
+  <p:clrMapOvr>
+    <a:masterClrMapping/>
+  </p:clrMapOvr>
+</p:notes>
+</file>
+
+<file path=ppt/notesSlides/notesSlide9.xml><?xml version="1.0" encoding="utf-8"?>
+<p:notes xmlns:a="http://schemas.openxmlformats.org/drawingml/2006/main" xmlns:r="http://schemas.openxmlformats.org/officeDocument/2006/relationships" xmlns:p="http://schemas.openxmlformats.org/presentationml/2006/main">
+  <p:cSld>
+    <p:spTree>
+      <p:nvGrpSpPr>
+        <p:cNvPr id="1" name=""/>
+        <p:cNvGrpSpPr/>
+        <p:nvPr/>
+      </p:nvGrpSpPr>
+      <p:grpSpPr>
+        <a:xfrm>
+          <a:off x="0" y="0"/>
+          <a:ext cx="0" cy="0"/>
+          <a:chOff x="0" y="0"/>
+          <a:chExt cx="0" cy="0"/>
+        </a:xfrm>
+      </p:grpSpPr>
+      <p:sp>
+        <p:nvSpPr>
+          <p:cNvPr id="2" name="Slide Image Placeholder 1"/>
+          <p:cNvSpPr>
+            <a:spLocks noGrp="1" noRot="1" noChangeAspect="1"/>
+          </p:cNvSpPr>
+          <p:nvPr>
+            <p:ph type="sldImg"/>
+          </p:nvPr>
+        </p:nvSpPr>
+        <p:spPr/>
+      </p:sp>
+      <p:sp>
+        <p:nvSpPr>
+          <p:cNvPr id="3" name="Notes Placeholder 2"/>
+          <p:cNvSpPr>
+            <a:spLocks noGrp="1"/>
+          </p:cNvSpPr>
+          <p:nvPr>
+            <p:ph type="body" idx="1"/>
+          </p:nvPr>
+        </p:nvSpPr>
+        <p:spPr/>
+        <p:txBody>
+          <a:bodyPr/>
+          <a:lstStyle/>
+          <a:p>
+            <a:r>
+              <a:rPr lang="en-GB" dirty="0"/>
+              <a:t>THE GOOD</a:t>
+            </a:r>
+          </a:p>
+          <a:p>
+            <a:r>
+              <a:rPr lang="en-GB" dirty="0"/>
+              <a:t>It’s a hypertext game!</a:t>
+            </a:r>
+          </a:p>
+          <a:p>
+            <a:endParaRPr lang="en-GB" dirty="0"/>
+          </a:p>
+          <a:p>
+            <a:r>
+              <a:rPr lang="en-GB" dirty="0"/>
+              <a:t>THE BAD</a:t>
+            </a:r>
+          </a:p>
+          <a:p>
+            <a:r>
+              <a:rPr lang="en-GB" dirty="0"/>
+              <a:t>Linear design: not very ‘hypertextual’</a:t>
+            </a:r>
+          </a:p>
+          <a:p>
+            <a:r>
+              <a:rPr lang="en-GB" dirty="0"/>
+              <a:t>Poor design:</a:t>
+            </a:r>
+          </a:p>
+          <a:p>
+            <a:r>
+              <a:rPr lang="en-GB" dirty="0"/>
+              <a:t>	The intro had some design behind it</a:t>
+            </a:r>
+          </a:p>
+          <a:p>
+            <a:r>
+              <a:rPr lang="en-GB" dirty="0"/>
+              <a:t>	The end had some design behind that</a:t>
+            </a:r>
+          </a:p>
+          <a:p>
+            <a:r>
+              <a:rPr lang="en-GB" dirty="0"/>
+              <a:t>	But the middle was basically played by ear, and the start/end aren’t really consistent with each other</a:t>
+            </a:r>
+          </a:p>
+          <a:p>
+            <a:r>
+              <a:rPr lang="en-GB" dirty="0"/>
+              <a:t>Endings</a:t>
+            </a:r>
+          </a:p>
+          <a:p>
+            <a:r>
+              <a:rPr lang="en-GB" dirty="0"/>
+              <a:t>	Yeah the player’s initial accusation is wrong all the time; what’s the point of a murder mystery if the player’s one chance of ‘solving’ it is made redundant</a:t>
+            </a:r>
+          </a:p>
+          <a:p>
+            <a:r>
+              <a:rPr lang="en-GB" dirty="0"/>
+              <a:t>Lack of a statement</a:t>
+            </a:r>
+          </a:p>
+          <a:p>
+            <a:r>
+              <a:rPr lang="en-GB" dirty="0"/>
+              <a:t>	There was one other game I did attempt making, called ‘Assigned’. Basically the point about that one was frustration about assigned genders etc.</a:t>
+            </a:r>
+          </a:p>
+          <a:p>
+            <a:r>
+              <a:rPr lang="en-GB" dirty="0"/>
+              <a:t>		Put on hiatus/cancelled because it felt too much like bashing the player’s skull in with the intended message</a:t>
+            </a:r>
+          </a:p>
+          <a:p>
+            <a:r>
+              <a:rPr lang="en-GB" dirty="0"/>
+              <a:t>	I have been in a </a:t>
+            </a:r>
+            <a:r>
+              <a:rPr lang="en-GB" dirty="0" err="1"/>
+              <a:t>kinda</a:t>
+            </a:r>
+            <a:r>
+              <a:rPr lang="en-GB" dirty="0"/>
+              <a:t> shit state mentally over the past few months though, and I guess that the depressing nature of the </a:t>
+            </a:r>
+            <a:r>
+              <a:rPr lang="en-GB" dirty="0" err="1"/>
+              <a:t>Spreewald</a:t>
+            </a:r>
+            <a:r>
+              <a:rPr lang="en-GB" dirty="0"/>
+              <a:t> and Subject A endings were a consequence of that.</a:t>
+            </a:r>
+          </a:p>
+          <a:p>
+            <a:r>
+              <a:rPr lang="en-GB" dirty="0"/>
+              <a:t>‘point of no return’ passages</a:t>
+            </a:r>
+          </a:p>
+          <a:p>
+            <a:r>
+              <a:rPr lang="en-GB" dirty="0"/>
+              <a:t>	Wanted to make the player feel more ‘stuck’ in certain points (cornered/unable to escape/made a very regrettable choice with consequences that cannot be escaped)</a:t>
+            </a:r>
+          </a:p>
+          <a:p>
+            <a:r>
+              <a:rPr lang="en-GB" dirty="0"/>
+              <a:t>	But the intention probably didn’t make itself felt correctly.</a:t>
+            </a:r>
+          </a:p>
+        </p:txBody>
+      </p:sp>
+      <p:sp>
+        <p:nvSpPr>
+          <p:cNvPr id="4" name="Slide Number Placeholder 3"/>
+          <p:cNvSpPr>
+            <a:spLocks noGrp="1"/>
+          </p:cNvSpPr>
+          <p:nvPr>
+            <p:ph type="sldNum" sz="quarter" idx="5"/>
+          </p:nvPr>
+        </p:nvSpPr>
+        <p:spPr/>
+        <p:txBody>
+          <a:bodyPr/>
+          <a:lstStyle/>
+          <a:p>
+            <a:fld id="{CB58B834-BB34-4B7C-8D51-42DD0FB40083}" type="slidenum">
+              <a:rPr lang="en-GB" smtClean="0"/>
+              <a:t>16</a:t>
+            </a:fld>
+            <a:endParaRPr lang="en-GB"/>
+          </a:p>
+        </p:txBody>
+      </p:sp>
+    </p:spTree>
+    <p:extLst>
+      <p:ext uri="{BB962C8B-B14F-4D97-AF65-F5344CB8AC3E}">
+        <p14:creationId xmlns:p14="http://schemas.microsoft.com/office/powerpoint/2010/main" val="3706658644"/>
       </p:ext>
     </p:extLst>
   </p:cSld>
@@ -7609,7 +8874,7 @@
           <a:p>
             <a:fld id="{EFADF8B9-0282-4439-84B0-AC6848C9FC53}" type="datetimeFigureOut">
               <a:rPr lang="en-GB" smtClean="0"/>
-              <a:t>11/05/2021</a:t>
+              <a:t>12/05/2021</a:t>
             </a:fld>
             <a:endParaRPr lang="en-GB"/>
           </a:p>
@@ -7779,7 +9044,7 @@
           <a:p>
             <a:fld id="{EFADF8B9-0282-4439-84B0-AC6848C9FC53}" type="datetimeFigureOut">
               <a:rPr lang="en-GB" smtClean="0"/>
-              <a:t>11/05/2021</a:t>
+              <a:t>12/05/2021</a:t>
             </a:fld>
             <a:endParaRPr lang="en-GB"/>
           </a:p>
@@ -7959,7 +9224,7 @@
           <a:p>
             <a:fld id="{EFADF8B9-0282-4439-84B0-AC6848C9FC53}" type="datetimeFigureOut">
               <a:rPr lang="en-GB" smtClean="0"/>
-              <a:t>11/05/2021</a:t>
+              <a:t>12/05/2021</a:t>
             </a:fld>
             <a:endParaRPr lang="en-GB"/>
           </a:p>
@@ -8129,7 +9394,7 @@
           <a:p>
             <a:fld id="{EFADF8B9-0282-4439-84B0-AC6848C9FC53}" type="datetimeFigureOut">
               <a:rPr lang="en-GB" smtClean="0"/>
-              <a:t>11/05/2021</a:t>
+              <a:t>12/05/2021</a:t>
             </a:fld>
             <a:endParaRPr lang="en-GB"/>
           </a:p>
@@ -8375,7 +9640,7 @@
           <a:p>
             <a:fld id="{EFADF8B9-0282-4439-84B0-AC6848C9FC53}" type="datetimeFigureOut">
               <a:rPr lang="en-GB" smtClean="0"/>
-              <a:t>11/05/2021</a:t>
+              <a:t>12/05/2021</a:t>
             </a:fld>
             <a:endParaRPr lang="en-GB"/>
           </a:p>
@@ -8607,7 +9872,7 @@
           <a:p>
             <a:fld id="{EFADF8B9-0282-4439-84B0-AC6848C9FC53}" type="datetimeFigureOut">
               <a:rPr lang="en-GB" smtClean="0"/>
-              <a:t>11/05/2021</a:t>
+              <a:t>12/05/2021</a:t>
             </a:fld>
             <a:endParaRPr lang="en-GB"/>
           </a:p>
@@ -8974,7 +10239,7 @@
           <a:p>
             <a:fld id="{EFADF8B9-0282-4439-84B0-AC6848C9FC53}" type="datetimeFigureOut">
               <a:rPr lang="en-GB" smtClean="0"/>
-              <a:t>11/05/2021</a:t>
+              <a:t>12/05/2021</a:t>
             </a:fld>
             <a:endParaRPr lang="en-GB"/>
           </a:p>
@@ -9092,7 +10357,7 @@
           <a:p>
             <a:fld id="{EFADF8B9-0282-4439-84B0-AC6848C9FC53}" type="datetimeFigureOut">
               <a:rPr lang="en-GB" smtClean="0"/>
-              <a:t>11/05/2021</a:t>
+              <a:t>12/05/2021</a:t>
             </a:fld>
             <a:endParaRPr lang="en-GB"/>
           </a:p>
@@ -9187,7 +10452,7 @@
           <a:p>
             <a:fld id="{EFADF8B9-0282-4439-84B0-AC6848C9FC53}" type="datetimeFigureOut">
               <a:rPr lang="en-GB" smtClean="0"/>
-              <a:t>11/05/2021</a:t>
+              <a:t>12/05/2021</a:t>
             </a:fld>
             <a:endParaRPr lang="en-GB"/>
           </a:p>
@@ -9464,7 +10729,7 @@
           <a:p>
             <a:fld id="{EFADF8B9-0282-4439-84B0-AC6848C9FC53}" type="datetimeFigureOut">
               <a:rPr lang="en-GB" smtClean="0"/>
-              <a:t>11/05/2021</a:t>
+              <a:t>12/05/2021</a:t>
             </a:fld>
             <a:endParaRPr lang="en-GB"/>
           </a:p>
@@ -9721,7 +10986,7 @@
           <a:p>
             <a:fld id="{EFADF8B9-0282-4439-84B0-AC6848C9FC53}" type="datetimeFigureOut">
               <a:rPr lang="en-GB" smtClean="0"/>
-              <a:t>11/05/2021</a:t>
+              <a:t>12/05/2021</a:t>
             </a:fld>
             <a:endParaRPr lang="en-GB"/>
           </a:p>
@@ -9934,7 +11199,7 @@
           <a:p>
             <a:fld id="{EFADF8B9-0282-4439-84B0-AC6848C9FC53}" type="datetimeFigureOut">
               <a:rPr lang="en-GB" smtClean="0"/>
-              <a:t>11/05/2021</a:t>
+              <a:t>12/05/2021</a:t>
             </a:fld>
             <a:endParaRPr lang="en-GB"/>
           </a:p>
@@ -10358,13 +11623,20 @@
         <p:spPr/>
         <p:txBody>
           <a:bodyPr>
-            <a:normAutofit fontScale="90000"/>
+            <a:normAutofit/>
           </a:bodyPr>
           <a:lstStyle/>
           <a:p>
             <a:r>
               <a:rPr lang="en-GB" dirty="0"/>
-              <a:t>A presentation about HECC-IT and some hypertext games that have been produced with it</a:t>
+              <a:t>A presentation about</a:t>
+            </a:r>
+            <a:br>
+              <a:rPr lang="en-GB" dirty="0"/>
+            </a:br>
+            <a:r>
+              <a:rPr lang="en-GB" dirty="0"/>
+              <a:t>HECC-IT and Backblast</a:t>
             </a:r>
           </a:p>
         </p:txBody>
@@ -10387,13 +11659,41 @@
         </p:nvSpPr>
         <p:spPr/>
         <p:txBody>
-          <a:bodyPr/>
+          <a:bodyPr>
+            <a:normAutofit lnSpcReduction="10000"/>
+          </a:bodyPr>
           <a:lstStyle/>
           <a:p>
             <a:r>
-              <a:rPr lang="en-GB"/>
-              <a:t>A presentation by Rachel Lowe</a:t>
-            </a:r>
+              <a:rPr lang="en-GB" dirty="0"/>
+              <a:t>A presentation/demonstration by Rachel Lowe</a:t>
+            </a:r>
+          </a:p>
+          <a:p>
+            <a:r>
+              <a:rPr lang="en-GB" dirty="0"/>
+              <a:t>(and I guess promptly followed by some sort of oral interview)</a:t>
+            </a:r>
+          </a:p>
+          <a:p>
+            <a:r>
+              <a:rPr lang="en-GB" dirty="0">
+                <a:hlinkClick r:id="rId2"/>
+              </a:rPr>
+              <a:t>https://cseegit.essex.ac.uk/ce301_2020/ce301_lowe_richard_m</a:t>
+            </a:r>
+            <a:endParaRPr lang="en-GB" dirty="0"/>
+          </a:p>
+          <a:p>
+            <a:r>
+              <a:rPr lang="en-GB" dirty="0">
+                <a:hlinkClick r:id="rId3"/>
+              </a:rPr>
+              <a:t>https://cseejira.essex.ac.uk/projects/A301034</a:t>
+            </a:r>
+            <a:endParaRPr lang="en-GB" dirty="0"/>
+          </a:p>
+          <a:p>
             <a:endParaRPr lang="en-GB" dirty="0"/>
           </a:p>
         </p:txBody>
@@ -10408,6 +11708,280 @@
   <p:clrMapOvr>
     <a:masterClrMapping/>
   </p:clrMapOvr>
+  <p:timing>
+    <p:tnLst>
+      <p:par>
+        <p:cTn id="1" dur="indefinite" restart="never" nodeType="tmRoot">
+          <p:childTnLst>
+            <p:seq concurrent="1" nextAc="seek">
+              <p:cTn id="2" dur="indefinite" nodeType="mainSeq">
+                <p:childTnLst>
+                  <p:par>
+                    <p:cTn id="3" fill="hold">
+                      <p:stCondLst>
+                        <p:cond delay="indefinite"/>
+                      </p:stCondLst>
+                      <p:childTnLst>
+                        <p:par>
+                          <p:cTn id="4" fill="hold">
+                            <p:stCondLst>
+                              <p:cond delay="0"/>
+                            </p:stCondLst>
+                            <p:childTnLst>
+                              <p:par>
+                                <p:cTn id="5" presetID="1" presetClass="entr" presetSubtype="0" fill="hold" grpId="0" nodeType="clickEffect">
+                                  <p:stCondLst>
+                                    <p:cond delay="0"/>
+                                  </p:stCondLst>
+                                  <p:childTnLst>
+                                    <p:set>
+                                      <p:cBhvr>
+                                        <p:cTn id="6" dur="1" fill="hold">
+                                          <p:stCondLst>
+                                            <p:cond delay="0"/>
+                                          </p:stCondLst>
+                                        </p:cTn>
+                                        <p:tgtEl>
+                                          <p:spTgt spid="2"/>
+                                        </p:tgtEl>
+                                        <p:attrNameLst>
+                                          <p:attrName>style.visibility</p:attrName>
+                                        </p:attrNameLst>
+                                      </p:cBhvr>
+                                      <p:to>
+                                        <p:strVal val="visible"/>
+                                      </p:to>
+                                    </p:set>
+                                  </p:childTnLst>
+                                </p:cTn>
+                              </p:par>
+                            </p:childTnLst>
+                          </p:cTn>
+                        </p:par>
+                      </p:childTnLst>
+                    </p:cTn>
+                  </p:par>
+                  <p:par>
+                    <p:cTn id="7" fill="hold">
+                      <p:stCondLst>
+                        <p:cond delay="indefinite"/>
+                      </p:stCondLst>
+                      <p:childTnLst>
+                        <p:par>
+                          <p:cTn id="8" fill="hold">
+                            <p:stCondLst>
+                              <p:cond delay="0"/>
+                            </p:stCondLst>
+                            <p:childTnLst>
+                              <p:par>
+                                <p:cTn id="9" presetID="1" presetClass="entr" presetSubtype="0" fill="hold" nodeType="clickEffect">
+                                  <p:stCondLst>
+                                    <p:cond delay="0"/>
+                                  </p:stCondLst>
+                                  <p:childTnLst>
+                                    <p:set>
+                                      <p:cBhvr>
+                                        <p:cTn id="10" dur="1" fill="hold">
+                                          <p:stCondLst>
+                                            <p:cond delay="0"/>
+                                          </p:stCondLst>
+                                        </p:cTn>
+                                        <p:tgtEl>
+                                          <p:spTgt spid="3">
+                                            <p:txEl>
+                                              <p:pRg st="0" end="0"/>
+                                            </p:txEl>
+                                          </p:spTgt>
+                                        </p:tgtEl>
+                                        <p:attrNameLst>
+                                          <p:attrName>style.visibility</p:attrName>
+                                        </p:attrNameLst>
+                                      </p:cBhvr>
+                                      <p:to>
+                                        <p:strVal val="visible"/>
+                                      </p:to>
+                                    </p:set>
+                                  </p:childTnLst>
+                                </p:cTn>
+                              </p:par>
+                            </p:childTnLst>
+                          </p:cTn>
+                        </p:par>
+                      </p:childTnLst>
+                    </p:cTn>
+                  </p:par>
+                  <p:par>
+                    <p:cTn id="11" fill="hold">
+                      <p:stCondLst>
+                        <p:cond delay="indefinite"/>
+                      </p:stCondLst>
+                      <p:childTnLst>
+                        <p:par>
+                          <p:cTn id="12" fill="hold">
+                            <p:stCondLst>
+                              <p:cond delay="0"/>
+                            </p:stCondLst>
+                            <p:childTnLst>
+                              <p:par>
+                                <p:cTn id="13" presetID="1" presetClass="entr" presetSubtype="0" fill="hold" nodeType="clickEffect">
+                                  <p:stCondLst>
+                                    <p:cond delay="0"/>
+                                  </p:stCondLst>
+                                  <p:childTnLst>
+                                    <p:set>
+                                      <p:cBhvr>
+                                        <p:cTn id="14" dur="1" fill="hold">
+                                          <p:stCondLst>
+                                            <p:cond delay="0"/>
+                                          </p:stCondLst>
+                                        </p:cTn>
+                                        <p:tgtEl>
+                                          <p:spTgt spid="3">
+                                            <p:txEl>
+                                              <p:pRg st="1" end="1"/>
+                                            </p:txEl>
+                                          </p:spTgt>
+                                        </p:tgtEl>
+                                        <p:attrNameLst>
+                                          <p:attrName>style.visibility</p:attrName>
+                                        </p:attrNameLst>
+                                      </p:cBhvr>
+                                      <p:to>
+                                        <p:strVal val="visible"/>
+                                      </p:to>
+                                    </p:set>
+                                  </p:childTnLst>
+                                </p:cTn>
+                              </p:par>
+                            </p:childTnLst>
+                          </p:cTn>
+                        </p:par>
+                      </p:childTnLst>
+                    </p:cTn>
+                  </p:par>
+                  <p:par>
+                    <p:cTn id="15" fill="hold">
+                      <p:stCondLst>
+                        <p:cond delay="indefinite"/>
+                      </p:stCondLst>
+                      <p:childTnLst>
+                        <p:par>
+                          <p:cTn id="16" fill="hold">
+                            <p:stCondLst>
+                              <p:cond delay="0"/>
+                            </p:stCondLst>
+                            <p:childTnLst>
+                              <p:par>
+                                <p:cTn id="17" presetID="1" presetClass="entr" presetSubtype="0" fill="hold" nodeType="clickEffect">
+                                  <p:stCondLst>
+                                    <p:cond delay="0"/>
+                                  </p:stCondLst>
+                                  <p:childTnLst>
+                                    <p:set>
+                                      <p:cBhvr>
+                                        <p:cTn id="18" dur="1" fill="hold">
+                                          <p:stCondLst>
+                                            <p:cond delay="0"/>
+                                          </p:stCondLst>
+                                        </p:cTn>
+                                        <p:tgtEl>
+                                          <p:spTgt spid="3">
+                                            <p:txEl>
+                                              <p:pRg st="2" end="2"/>
+                                            </p:txEl>
+                                          </p:spTgt>
+                                        </p:tgtEl>
+                                        <p:attrNameLst>
+                                          <p:attrName>style.visibility</p:attrName>
+                                        </p:attrNameLst>
+                                      </p:cBhvr>
+                                      <p:to>
+                                        <p:strVal val="visible"/>
+                                      </p:to>
+                                    </p:set>
+                                  </p:childTnLst>
+                                </p:cTn>
+                              </p:par>
+                            </p:childTnLst>
+                          </p:cTn>
+                        </p:par>
+                      </p:childTnLst>
+                    </p:cTn>
+                  </p:par>
+                  <p:par>
+                    <p:cTn id="19" fill="hold">
+                      <p:stCondLst>
+                        <p:cond delay="indefinite"/>
+                      </p:stCondLst>
+                      <p:childTnLst>
+                        <p:par>
+                          <p:cTn id="20" fill="hold">
+                            <p:stCondLst>
+                              <p:cond delay="0"/>
+                            </p:stCondLst>
+                            <p:childTnLst>
+                              <p:par>
+                                <p:cTn id="21" presetID="1" presetClass="entr" presetSubtype="0" fill="hold" nodeType="clickEffect">
+                                  <p:stCondLst>
+                                    <p:cond delay="0"/>
+                                  </p:stCondLst>
+                                  <p:childTnLst>
+                                    <p:set>
+                                      <p:cBhvr>
+                                        <p:cTn id="22" dur="1" fill="hold">
+                                          <p:stCondLst>
+                                            <p:cond delay="0"/>
+                                          </p:stCondLst>
+                                        </p:cTn>
+                                        <p:tgtEl>
+                                          <p:spTgt spid="3">
+                                            <p:txEl>
+                                              <p:pRg st="3" end="3"/>
+                                            </p:txEl>
+                                          </p:spTgt>
+                                        </p:tgtEl>
+                                        <p:attrNameLst>
+                                          <p:attrName>style.visibility</p:attrName>
+                                        </p:attrNameLst>
+                                      </p:cBhvr>
+                                      <p:to>
+                                        <p:strVal val="visible"/>
+                                      </p:to>
+                                    </p:set>
+                                  </p:childTnLst>
+                                </p:cTn>
+                              </p:par>
+                            </p:childTnLst>
+                          </p:cTn>
+                        </p:par>
+                      </p:childTnLst>
+                    </p:cTn>
+                  </p:par>
+                </p:childTnLst>
+              </p:cTn>
+              <p:prevCondLst>
+                <p:cond evt="onPrev" delay="0">
+                  <p:tgtEl>
+                    <p:sldTgt/>
+                  </p:tgtEl>
+                </p:cond>
+              </p:prevCondLst>
+              <p:nextCondLst>
+                <p:cond evt="onNext" delay="0">
+                  <p:tgtEl>
+                    <p:sldTgt/>
+                  </p:tgtEl>
+                </p:cond>
+              </p:nextCondLst>
+            </p:seq>
+          </p:childTnLst>
+        </p:cTn>
+      </p:par>
+    </p:tnLst>
+    <p:bldLst>
+      <p:bldP spid="2" grpId="0"/>
+    </p:bldLst>
+  </p:timing>
 </p:sld>
 </file>
 
@@ -10515,7 +12089,7 @@
         </p:spPr>
         <p:txBody>
           <a:bodyPr>
-            <a:normAutofit fontScale="92500" lnSpcReduction="20000"/>
+            <a:normAutofit fontScale="77500" lnSpcReduction="20000"/>
           </a:bodyPr>
           <a:lstStyle/>
           <a:p>
@@ -10552,6 +12126,12 @@
             <a:r>
               <a:rPr lang="en-GB" dirty="0"/>
               <a:t>Letting author ‘drag’ passages and the viewable area</a:t>
+            </a:r>
+          </a:p>
+          <a:p>
+            <a:r>
+              <a:rPr lang="en-GB" dirty="0"/>
+              <a:t>Saving .hecc files</a:t>
             </a:r>
           </a:p>
         </p:txBody>
@@ -10615,7 +12195,7 @@
         </p:spPr>
         <p:txBody>
           <a:bodyPr>
-            <a:normAutofit fontScale="92500" lnSpcReduction="20000"/>
+            <a:normAutofit fontScale="77500" lnSpcReduction="20000"/>
           </a:bodyPr>
           <a:lstStyle/>
           <a:p>
@@ -10652,6 +12232,20 @@
             <a:r>
               <a:rPr lang="en-GB" dirty="0"/>
               <a:t>Find difference in mouse position between each event as vector, apply that vector to the scroll offset/position of that passage</a:t>
+            </a:r>
+          </a:p>
+          <a:p>
+            <a:r>
+              <a:rPr lang="en-GB" dirty="0"/>
+              <a:t>‘</a:t>
+            </a:r>
+            <a:r>
+              <a:rPr lang="en-GB" dirty="0" err="1"/>
+              <a:t>toHecc</a:t>
+            </a:r>
+            <a:r>
+              <a:rPr lang="en-GB" dirty="0"/>
+              <a:t>’ methods to produce .hecc code</a:t>
             </a:r>
           </a:p>
         </p:txBody>
@@ -11262,6 +12856,104 @@
                       </p:childTnLst>
                     </p:cTn>
                   </p:par>
+                  <p:par>
+                    <p:cTn id="51" fill="hold">
+                      <p:stCondLst>
+                        <p:cond delay="indefinite"/>
+                      </p:stCondLst>
+                      <p:childTnLst>
+                        <p:par>
+                          <p:cTn id="52" fill="hold">
+                            <p:stCondLst>
+                              <p:cond delay="0"/>
+                            </p:stCondLst>
+                            <p:childTnLst>
+                              <p:par>
+                                <p:cTn id="53" presetID="1" presetClass="entr" presetSubtype="0" fill="hold" nodeType="clickEffect">
+                                  <p:stCondLst>
+                                    <p:cond delay="0"/>
+                                  </p:stCondLst>
+                                  <p:childTnLst>
+                                    <p:set>
+                                      <p:cBhvr>
+                                        <p:cTn id="54" dur="1" fill="hold">
+                                          <p:stCondLst>
+                                            <p:cond delay="0"/>
+                                          </p:stCondLst>
+                                        </p:cTn>
+                                        <p:tgtEl>
+                                          <p:spTgt spid="4">
+                                            <p:txEl>
+                                              <p:pRg st="6" end="6"/>
+                                            </p:txEl>
+                                          </p:spTgt>
+                                        </p:tgtEl>
+                                        <p:attrNameLst>
+                                          <p:attrName>style.visibility</p:attrName>
+                                        </p:attrNameLst>
+                                      </p:cBhvr>
+                                      <p:to>
+                                        <p:strVal val="visible"/>
+                                      </p:to>
+                                    </p:set>
+                                  </p:childTnLst>
+                                </p:cTn>
+                              </p:par>
+                            </p:childTnLst>
+                          </p:cTn>
+                        </p:par>
+                      </p:childTnLst>
+                    </p:cTn>
+                  </p:par>
+                  <p:par>
+                    <p:cTn id="55" fill="hold">
+                      <p:stCondLst>
+                        <p:cond delay="indefinite"/>
+                      </p:stCondLst>
+                      <p:childTnLst>
+                        <p:par>
+                          <p:cTn id="56" fill="hold">
+                            <p:stCondLst>
+                              <p:cond delay="0"/>
+                            </p:stCondLst>
+                            <p:childTnLst>
+                              <p:par>
+                                <p:cTn id="57" presetID="1" presetClass="entr" presetSubtype="0" fill="hold" nodeType="clickEffect">
+                                  <p:stCondLst>
+                                    <p:cond delay="0"/>
+                                  </p:stCondLst>
+                                  <p:childTnLst>
+                                    <p:set>
+                                      <p:cBhvr>
+                                        <p:cTn id="58" dur="1" fill="hold">
+                                          <p:stCondLst>
+                                            <p:cond delay="0"/>
+                                          </p:stCondLst>
+                                        </p:cTn>
+                                        <p:tgtEl>
+                                          <p:spTgt spid="6">
+                                            <p:txEl>
+                                              <p:pRg st="6" end="6"/>
+                                            </p:txEl>
+                                          </p:spTgt>
+                                        </p:tgtEl>
+                                        <p:attrNameLst>
+                                          <p:attrName>style.visibility</p:attrName>
+                                        </p:attrNameLst>
+                                      </p:cBhvr>
+                                      <p:to>
+                                        <p:strVal val="visible"/>
+                                      </p:to>
+                                    </p:set>
+                                  </p:childTnLst>
+                                </p:cTn>
+                              </p:par>
+                            </p:childTnLst>
+                          </p:cTn>
+                        </p:par>
+                      </p:childTnLst>
+                    </p:cTn>
+                  </p:par>
                 </p:childTnLst>
               </p:cTn>
               <p:prevCondLst>
@@ -11334,10 +13026,10 @@
       </p:sp>
       <p:sp>
         <p:nvSpPr>
-          <p:cNvPr id="3" name="Content Placeholder 2">
+          <p:cNvPr id="4" name="Text Placeholder 3">
             <a:extLst>
               <a:ext uri="{FF2B5EF4-FFF2-40B4-BE49-F238E27FC236}">
-                <a16:creationId xmlns:a16="http://schemas.microsoft.com/office/drawing/2014/main" id="{DA292337-1B05-4D05-AEA8-78317225EBD2}"/>
+                <a16:creationId xmlns:a16="http://schemas.microsoft.com/office/drawing/2014/main" id="{899F87EE-C203-480F-8640-B86826D07F98}"/>
               </a:ext>
             </a:extLst>
           </p:cNvPr>
@@ -11345,15 +13037,194 @@
             <a:spLocks noGrp="1"/>
           </p:cNvSpPr>
           <p:nvPr>
-            <p:ph idx="1"/>
+            <p:ph type="body" idx="1"/>
           </p:nvPr>
         </p:nvSpPr>
-        <p:spPr/>
+        <p:spPr>
+          <a:xfrm>
+            <a:off x="839788" y="1681163"/>
+            <a:ext cx="5157787" cy="432772"/>
+          </a:xfrm>
+        </p:spPr>
         <p:txBody>
-          <a:bodyPr/>
+          <a:bodyPr>
+            <a:normAutofit/>
+          </a:bodyPr>
           <a:lstStyle/>
           <a:p>
-            <a:endParaRPr lang="en-GB"/>
+            <a:r>
+              <a:rPr lang="en-GB" dirty="0"/>
+              <a:t>Successes</a:t>
+            </a:r>
+          </a:p>
+        </p:txBody>
+      </p:sp>
+      <p:sp>
+        <p:nvSpPr>
+          <p:cNvPr id="5" name="Content Placeholder 4">
+            <a:extLst>
+              <a:ext uri="{FF2B5EF4-FFF2-40B4-BE49-F238E27FC236}">
+                <a16:creationId xmlns:a16="http://schemas.microsoft.com/office/drawing/2014/main" id="{78F7A1A0-72DC-4419-A8FB-22BB105FE871}"/>
+              </a:ext>
+            </a:extLst>
+          </p:cNvPr>
+          <p:cNvSpPr>
+            <a:spLocks noGrp="1"/>
+          </p:cNvSpPr>
+          <p:nvPr>
+            <p:ph sz="half" idx="2"/>
+          </p:nvPr>
+        </p:nvSpPr>
+        <p:spPr>
+          <a:xfrm>
+            <a:off x="839788" y="2113935"/>
+            <a:ext cx="5157787" cy="4075728"/>
+          </a:xfrm>
+        </p:spPr>
+        <p:txBody>
+          <a:bodyPr>
+            <a:normAutofit lnSpcReduction="10000"/>
+          </a:bodyPr>
+          <a:lstStyle/>
+          <a:p>
+            <a:r>
+              <a:rPr lang="en-GB" dirty="0"/>
+              <a:t>It can produce hypertext games</a:t>
+            </a:r>
+          </a:p>
+          <a:p>
+            <a:r>
+              <a:rPr lang="en-GB" dirty="0"/>
+              <a:t>Games are playable via browser</a:t>
+            </a:r>
+          </a:p>
+          <a:p>
+            <a:r>
+              <a:rPr lang="en-GB" dirty="0"/>
+              <a:t>Author is free to edit their WIP games however they want</a:t>
+            </a:r>
+          </a:p>
+          <a:p>
+            <a:r>
+              <a:rPr lang="en-GB" dirty="0"/>
+              <a:t>Conditional logic may be used</a:t>
+            </a:r>
+          </a:p>
+          <a:p>
+            <a:r>
+              <a:rPr lang="en-GB" dirty="0"/>
+              <a:t>OH-HECC assists in producing valid .hecc code</a:t>
+            </a:r>
+          </a:p>
+          <a:p>
+            <a:r>
+              <a:rPr lang="en-GB" dirty="0"/>
+              <a:t>HECC-UP explains problems with an invalid .hecc file</a:t>
+            </a:r>
+          </a:p>
+          <a:p>
+            <a:endParaRPr lang="en-GB" dirty="0"/>
+          </a:p>
+        </p:txBody>
+      </p:sp>
+      <p:sp>
+        <p:nvSpPr>
+          <p:cNvPr id="6" name="Text Placeholder 5">
+            <a:extLst>
+              <a:ext uri="{FF2B5EF4-FFF2-40B4-BE49-F238E27FC236}">
+                <a16:creationId xmlns:a16="http://schemas.microsoft.com/office/drawing/2014/main" id="{53713A28-CF7C-42B5-A408-65E0FAB306E7}"/>
+              </a:ext>
+            </a:extLst>
+          </p:cNvPr>
+          <p:cNvSpPr>
+            <a:spLocks noGrp="1"/>
+          </p:cNvSpPr>
+          <p:nvPr>
+            <p:ph type="body" sz="quarter" idx="3"/>
+          </p:nvPr>
+        </p:nvSpPr>
+        <p:spPr>
+          <a:xfrm>
+            <a:off x="6172200" y="1681163"/>
+            <a:ext cx="5183188" cy="432772"/>
+          </a:xfrm>
+        </p:spPr>
+        <p:txBody>
+          <a:bodyPr>
+            <a:normAutofit/>
+          </a:bodyPr>
+          <a:lstStyle/>
+          <a:p>
+            <a:r>
+              <a:rPr lang="en-GB" dirty="0"/>
+              <a:t>Stretch Goals</a:t>
+            </a:r>
+          </a:p>
+        </p:txBody>
+      </p:sp>
+      <p:sp>
+        <p:nvSpPr>
+          <p:cNvPr id="7" name="Content Placeholder 6">
+            <a:extLst>
+              <a:ext uri="{FF2B5EF4-FFF2-40B4-BE49-F238E27FC236}">
+                <a16:creationId xmlns:a16="http://schemas.microsoft.com/office/drawing/2014/main" id="{5545BEEE-D02B-4632-B045-52F822E4BC1D}"/>
+              </a:ext>
+            </a:extLst>
+          </p:cNvPr>
+          <p:cNvSpPr>
+            <a:spLocks noGrp="1"/>
+          </p:cNvSpPr>
+          <p:nvPr>
+            <p:ph sz="quarter" idx="4"/>
+          </p:nvPr>
+        </p:nvSpPr>
+        <p:spPr>
+          <a:xfrm>
+            <a:off x="6172200" y="2113935"/>
+            <a:ext cx="5183188" cy="4075728"/>
+          </a:xfrm>
+        </p:spPr>
+        <p:txBody>
+          <a:bodyPr>
+            <a:normAutofit lnSpcReduction="10000"/>
+          </a:bodyPr>
+          <a:lstStyle/>
+          <a:p>
+            <a:r>
+              <a:rPr lang="en-GB" dirty="0"/>
+              <a:t>Implementing variables into the game’s conditional logic</a:t>
+            </a:r>
+          </a:p>
+          <a:p>
+            <a:r>
+              <a:rPr lang="en-GB" dirty="0"/>
+              <a:t>Refactoring out the eval abuse</a:t>
+            </a:r>
+          </a:p>
+          <a:p>
+            <a:r>
+              <a:rPr lang="en-GB" dirty="0"/>
+              <a:t>Migrate HECC-IT codebase to a more recent version of Java</a:t>
+            </a:r>
+          </a:p>
+          <a:p>
+            <a:pPr lvl="1"/>
+            <a:r>
+              <a:rPr lang="en-GB" dirty="0"/>
+              <a:t>Would need to export a separate executable for each OS though</a:t>
+            </a:r>
+          </a:p>
+          <a:p>
+            <a:r>
+              <a:rPr lang="en-GB" dirty="0"/>
+              <a:t>Custom CSS options</a:t>
+            </a:r>
+          </a:p>
+          <a:p>
+            <a:r>
+              <a:rPr lang="en-GB" dirty="0"/>
+              <a:t>More options for the game’s runtime behaviour</a:t>
+            </a:r>
           </a:p>
         </p:txBody>
       </p:sp>
@@ -11367,11 +13238,727 @@
   <p:clrMapOvr>
     <a:masterClrMapping/>
   </p:clrMapOvr>
+  <p:timing>
+    <p:tnLst>
+      <p:par>
+        <p:cTn id="1" dur="indefinite" restart="never" nodeType="tmRoot">
+          <p:childTnLst>
+            <p:seq concurrent="1" nextAc="seek">
+              <p:cTn id="2" dur="indefinite" nodeType="mainSeq">
+                <p:childTnLst>
+                  <p:par>
+                    <p:cTn id="3" fill="hold">
+                      <p:stCondLst>
+                        <p:cond delay="indefinite"/>
+                      </p:stCondLst>
+                      <p:childTnLst>
+                        <p:par>
+                          <p:cTn id="4" fill="hold">
+                            <p:stCondLst>
+                              <p:cond delay="0"/>
+                            </p:stCondLst>
+                            <p:childTnLst>
+                              <p:par>
+                                <p:cTn id="5" presetID="1" presetClass="entr" presetSubtype="0" fill="hold" nodeType="clickEffect">
+                                  <p:stCondLst>
+                                    <p:cond delay="0"/>
+                                  </p:stCondLst>
+                                  <p:childTnLst>
+                                    <p:set>
+                                      <p:cBhvr>
+                                        <p:cTn id="6" dur="1" fill="hold">
+                                          <p:stCondLst>
+                                            <p:cond delay="0"/>
+                                          </p:stCondLst>
+                                        </p:cTn>
+                                        <p:tgtEl>
+                                          <p:spTgt spid="4">
+                                            <p:txEl>
+                                              <p:pRg st="0" end="0"/>
+                                            </p:txEl>
+                                          </p:spTgt>
+                                        </p:tgtEl>
+                                        <p:attrNameLst>
+                                          <p:attrName>style.visibility</p:attrName>
+                                        </p:attrNameLst>
+                                      </p:cBhvr>
+                                      <p:to>
+                                        <p:strVal val="visible"/>
+                                      </p:to>
+                                    </p:set>
+                                  </p:childTnLst>
+                                </p:cTn>
+                              </p:par>
+                            </p:childTnLst>
+                          </p:cTn>
+                        </p:par>
+                      </p:childTnLst>
+                    </p:cTn>
+                  </p:par>
+                  <p:par>
+                    <p:cTn id="7" fill="hold">
+                      <p:stCondLst>
+                        <p:cond delay="indefinite"/>
+                      </p:stCondLst>
+                      <p:childTnLst>
+                        <p:par>
+                          <p:cTn id="8" fill="hold">
+                            <p:stCondLst>
+                              <p:cond delay="0"/>
+                            </p:stCondLst>
+                            <p:childTnLst>
+                              <p:par>
+                                <p:cTn id="9" presetID="1" presetClass="entr" presetSubtype="0" fill="hold" nodeType="clickEffect">
+                                  <p:stCondLst>
+                                    <p:cond delay="0"/>
+                                  </p:stCondLst>
+                                  <p:childTnLst>
+                                    <p:set>
+                                      <p:cBhvr>
+                                        <p:cTn id="10" dur="1" fill="hold">
+                                          <p:stCondLst>
+                                            <p:cond delay="0"/>
+                                          </p:stCondLst>
+                                        </p:cTn>
+                                        <p:tgtEl>
+                                          <p:spTgt spid="5">
+                                            <p:txEl>
+                                              <p:pRg st="0" end="0"/>
+                                            </p:txEl>
+                                          </p:spTgt>
+                                        </p:tgtEl>
+                                        <p:attrNameLst>
+                                          <p:attrName>style.visibility</p:attrName>
+                                        </p:attrNameLst>
+                                      </p:cBhvr>
+                                      <p:to>
+                                        <p:strVal val="visible"/>
+                                      </p:to>
+                                    </p:set>
+                                  </p:childTnLst>
+                                </p:cTn>
+                              </p:par>
+                            </p:childTnLst>
+                          </p:cTn>
+                        </p:par>
+                      </p:childTnLst>
+                    </p:cTn>
+                  </p:par>
+                  <p:par>
+                    <p:cTn id="11" fill="hold">
+                      <p:stCondLst>
+                        <p:cond delay="indefinite"/>
+                      </p:stCondLst>
+                      <p:childTnLst>
+                        <p:par>
+                          <p:cTn id="12" fill="hold">
+                            <p:stCondLst>
+                              <p:cond delay="0"/>
+                            </p:stCondLst>
+                            <p:childTnLst>
+                              <p:par>
+                                <p:cTn id="13" presetID="1" presetClass="entr" presetSubtype="0" fill="hold" nodeType="clickEffect">
+                                  <p:stCondLst>
+                                    <p:cond delay="0"/>
+                                  </p:stCondLst>
+                                  <p:childTnLst>
+                                    <p:set>
+                                      <p:cBhvr>
+                                        <p:cTn id="14" dur="1" fill="hold">
+                                          <p:stCondLst>
+                                            <p:cond delay="0"/>
+                                          </p:stCondLst>
+                                        </p:cTn>
+                                        <p:tgtEl>
+                                          <p:spTgt spid="5">
+                                            <p:txEl>
+                                              <p:pRg st="1" end="1"/>
+                                            </p:txEl>
+                                          </p:spTgt>
+                                        </p:tgtEl>
+                                        <p:attrNameLst>
+                                          <p:attrName>style.visibility</p:attrName>
+                                        </p:attrNameLst>
+                                      </p:cBhvr>
+                                      <p:to>
+                                        <p:strVal val="visible"/>
+                                      </p:to>
+                                    </p:set>
+                                  </p:childTnLst>
+                                </p:cTn>
+                              </p:par>
+                            </p:childTnLst>
+                          </p:cTn>
+                        </p:par>
+                      </p:childTnLst>
+                    </p:cTn>
+                  </p:par>
+                  <p:par>
+                    <p:cTn id="15" fill="hold">
+                      <p:stCondLst>
+                        <p:cond delay="indefinite"/>
+                      </p:stCondLst>
+                      <p:childTnLst>
+                        <p:par>
+                          <p:cTn id="16" fill="hold">
+                            <p:stCondLst>
+                              <p:cond delay="0"/>
+                            </p:stCondLst>
+                            <p:childTnLst>
+                              <p:par>
+                                <p:cTn id="17" presetID="1" presetClass="entr" presetSubtype="0" fill="hold" nodeType="clickEffect">
+                                  <p:stCondLst>
+                                    <p:cond delay="0"/>
+                                  </p:stCondLst>
+                                  <p:childTnLst>
+                                    <p:set>
+                                      <p:cBhvr>
+                                        <p:cTn id="18" dur="1" fill="hold">
+                                          <p:stCondLst>
+                                            <p:cond delay="0"/>
+                                          </p:stCondLst>
+                                        </p:cTn>
+                                        <p:tgtEl>
+                                          <p:spTgt spid="5">
+                                            <p:txEl>
+                                              <p:pRg st="2" end="2"/>
+                                            </p:txEl>
+                                          </p:spTgt>
+                                        </p:tgtEl>
+                                        <p:attrNameLst>
+                                          <p:attrName>style.visibility</p:attrName>
+                                        </p:attrNameLst>
+                                      </p:cBhvr>
+                                      <p:to>
+                                        <p:strVal val="visible"/>
+                                      </p:to>
+                                    </p:set>
+                                  </p:childTnLst>
+                                </p:cTn>
+                              </p:par>
+                            </p:childTnLst>
+                          </p:cTn>
+                        </p:par>
+                      </p:childTnLst>
+                    </p:cTn>
+                  </p:par>
+                  <p:par>
+                    <p:cTn id="19" fill="hold">
+                      <p:stCondLst>
+                        <p:cond delay="indefinite"/>
+                      </p:stCondLst>
+                      <p:childTnLst>
+                        <p:par>
+                          <p:cTn id="20" fill="hold">
+                            <p:stCondLst>
+                              <p:cond delay="0"/>
+                            </p:stCondLst>
+                            <p:childTnLst>
+                              <p:par>
+                                <p:cTn id="21" presetID="1" presetClass="entr" presetSubtype="0" fill="hold" nodeType="clickEffect">
+                                  <p:stCondLst>
+                                    <p:cond delay="0"/>
+                                  </p:stCondLst>
+                                  <p:childTnLst>
+                                    <p:set>
+                                      <p:cBhvr>
+                                        <p:cTn id="22" dur="1" fill="hold">
+                                          <p:stCondLst>
+                                            <p:cond delay="0"/>
+                                          </p:stCondLst>
+                                        </p:cTn>
+                                        <p:tgtEl>
+                                          <p:spTgt spid="5">
+                                            <p:txEl>
+                                              <p:pRg st="3" end="3"/>
+                                            </p:txEl>
+                                          </p:spTgt>
+                                        </p:tgtEl>
+                                        <p:attrNameLst>
+                                          <p:attrName>style.visibility</p:attrName>
+                                        </p:attrNameLst>
+                                      </p:cBhvr>
+                                      <p:to>
+                                        <p:strVal val="visible"/>
+                                      </p:to>
+                                    </p:set>
+                                  </p:childTnLst>
+                                </p:cTn>
+                              </p:par>
+                            </p:childTnLst>
+                          </p:cTn>
+                        </p:par>
+                      </p:childTnLst>
+                    </p:cTn>
+                  </p:par>
+                  <p:par>
+                    <p:cTn id="23" fill="hold">
+                      <p:stCondLst>
+                        <p:cond delay="indefinite"/>
+                      </p:stCondLst>
+                      <p:childTnLst>
+                        <p:par>
+                          <p:cTn id="24" fill="hold">
+                            <p:stCondLst>
+                              <p:cond delay="0"/>
+                            </p:stCondLst>
+                            <p:childTnLst>
+                              <p:par>
+                                <p:cTn id="25" presetID="1" presetClass="entr" presetSubtype="0" fill="hold" nodeType="clickEffect">
+                                  <p:stCondLst>
+                                    <p:cond delay="0"/>
+                                  </p:stCondLst>
+                                  <p:childTnLst>
+                                    <p:set>
+                                      <p:cBhvr>
+                                        <p:cTn id="26" dur="1" fill="hold">
+                                          <p:stCondLst>
+                                            <p:cond delay="0"/>
+                                          </p:stCondLst>
+                                        </p:cTn>
+                                        <p:tgtEl>
+                                          <p:spTgt spid="5">
+                                            <p:txEl>
+                                              <p:pRg st="4" end="4"/>
+                                            </p:txEl>
+                                          </p:spTgt>
+                                        </p:tgtEl>
+                                        <p:attrNameLst>
+                                          <p:attrName>style.visibility</p:attrName>
+                                        </p:attrNameLst>
+                                      </p:cBhvr>
+                                      <p:to>
+                                        <p:strVal val="visible"/>
+                                      </p:to>
+                                    </p:set>
+                                  </p:childTnLst>
+                                </p:cTn>
+                              </p:par>
+                            </p:childTnLst>
+                          </p:cTn>
+                        </p:par>
+                      </p:childTnLst>
+                    </p:cTn>
+                  </p:par>
+                  <p:par>
+                    <p:cTn id="27" fill="hold">
+                      <p:stCondLst>
+                        <p:cond delay="indefinite"/>
+                      </p:stCondLst>
+                      <p:childTnLst>
+                        <p:par>
+                          <p:cTn id="28" fill="hold">
+                            <p:stCondLst>
+                              <p:cond delay="0"/>
+                            </p:stCondLst>
+                            <p:childTnLst>
+                              <p:par>
+                                <p:cTn id="29" presetID="1" presetClass="entr" presetSubtype="0" fill="hold" nodeType="clickEffect">
+                                  <p:stCondLst>
+                                    <p:cond delay="0"/>
+                                  </p:stCondLst>
+                                  <p:childTnLst>
+                                    <p:set>
+                                      <p:cBhvr>
+                                        <p:cTn id="30" dur="1" fill="hold">
+                                          <p:stCondLst>
+                                            <p:cond delay="0"/>
+                                          </p:stCondLst>
+                                        </p:cTn>
+                                        <p:tgtEl>
+                                          <p:spTgt spid="5">
+                                            <p:txEl>
+                                              <p:pRg st="5" end="5"/>
+                                            </p:txEl>
+                                          </p:spTgt>
+                                        </p:tgtEl>
+                                        <p:attrNameLst>
+                                          <p:attrName>style.visibility</p:attrName>
+                                        </p:attrNameLst>
+                                      </p:cBhvr>
+                                      <p:to>
+                                        <p:strVal val="visible"/>
+                                      </p:to>
+                                    </p:set>
+                                  </p:childTnLst>
+                                </p:cTn>
+                              </p:par>
+                            </p:childTnLst>
+                          </p:cTn>
+                        </p:par>
+                      </p:childTnLst>
+                    </p:cTn>
+                  </p:par>
+                  <p:par>
+                    <p:cTn id="31" fill="hold">
+                      <p:stCondLst>
+                        <p:cond delay="indefinite"/>
+                      </p:stCondLst>
+                      <p:childTnLst>
+                        <p:par>
+                          <p:cTn id="32" fill="hold">
+                            <p:stCondLst>
+                              <p:cond delay="0"/>
+                            </p:stCondLst>
+                            <p:childTnLst>
+                              <p:par>
+                                <p:cTn id="33" presetID="1" presetClass="entr" presetSubtype="0" fill="hold" nodeType="clickEffect">
+                                  <p:stCondLst>
+                                    <p:cond delay="0"/>
+                                  </p:stCondLst>
+                                  <p:childTnLst>
+                                    <p:set>
+                                      <p:cBhvr>
+                                        <p:cTn id="34" dur="1" fill="hold">
+                                          <p:stCondLst>
+                                            <p:cond delay="0"/>
+                                          </p:stCondLst>
+                                        </p:cTn>
+                                        <p:tgtEl>
+                                          <p:spTgt spid="6">
+                                            <p:txEl>
+                                              <p:pRg st="0" end="0"/>
+                                            </p:txEl>
+                                          </p:spTgt>
+                                        </p:tgtEl>
+                                        <p:attrNameLst>
+                                          <p:attrName>style.visibility</p:attrName>
+                                        </p:attrNameLst>
+                                      </p:cBhvr>
+                                      <p:to>
+                                        <p:strVal val="visible"/>
+                                      </p:to>
+                                    </p:set>
+                                  </p:childTnLst>
+                                </p:cTn>
+                              </p:par>
+                            </p:childTnLst>
+                          </p:cTn>
+                        </p:par>
+                      </p:childTnLst>
+                    </p:cTn>
+                  </p:par>
+                  <p:par>
+                    <p:cTn id="35" fill="hold">
+                      <p:stCondLst>
+                        <p:cond delay="indefinite"/>
+                      </p:stCondLst>
+                      <p:childTnLst>
+                        <p:par>
+                          <p:cTn id="36" fill="hold">
+                            <p:stCondLst>
+                              <p:cond delay="0"/>
+                            </p:stCondLst>
+                            <p:childTnLst>
+                              <p:par>
+                                <p:cTn id="37" presetID="1" presetClass="entr" presetSubtype="0" fill="hold" nodeType="clickEffect">
+                                  <p:stCondLst>
+                                    <p:cond delay="0"/>
+                                  </p:stCondLst>
+                                  <p:childTnLst>
+                                    <p:set>
+                                      <p:cBhvr>
+                                        <p:cTn id="38" dur="1" fill="hold">
+                                          <p:stCondLst>
+                                            <p:cond delay="0"/>
+                                          </p:stCondLst>
+                                        </p:cTn>
+                                        <p:tgtEl>
+                                          <p:spTgt spid="7">
+                                            <p:txEl>
+                                              <p:pRg st="0" end="0"/>
+                                            </p:txEl>
+                                          </p:spTgt>
+                                        </p:tgtEl>
+                                        <p:attrNameLst>
+                                          <p:attrName>style.visibility</p:attrName>
+                                        </p:attrNameLst>
+                                      </p:cBhvr>
+                                      <p:to>
+                                        <p:strVal val="visible"/>
+                                      </p:to>
+                                    </p:set>
+                                  </p:childTnLst>
+                                </p:cTn>
+                              </p:par>
+                            </p:childTnLst>
+                          </p:cTn>
+                        </p:par>
+                      </p:childTnLst>
+                    </p:cTn>
+                  </p:par>
+                  <p:par>
+                    <p:cTn id="39" fill="hold">
+                      <p:stCondLst>
+                        <p:cond delay="indefinite"/>
+                      </p:stCondLst>
+                      <p:childTnLst>
+                        <p:par>
+                          <p:cTn id="40" fill="hold">
+                            <p:stCondLst>
+                              <p:cond delay="0"/>
+                            </p:stCondLst>
+                            <p:childTnLst>
+                              <p:par>
+                                <p:cTn id="41" presetID="1" presetClass="entr" presetSubtype="0" fill="hold" nodeType="clickEffect">
+                                  <p:stCondLst>
+                                    <p:cond delay="0"/>
+                                  </p:stCondLst>
+                                  <p:childTnLst>
+                                    <p:set>
+                                      <p:cBhvr>
+                                        <p:cTn id="42" dur="1" fill="hold">
+                                          <p:stCondLst>
+                                            <p:cond delay="0"/>
+                                          </p:stCondLst>
+                                        </p:cTn>
+                                        <p:tgtEl>
+                                          <p:spTgt spid="7">
+                                            <p:txEl>
+                                              <p:pRg st="1" end="1"/>
+                                            </p:txEl>
+                                          </p:spTgt>
+                                        </p:tgtEl>
+                                        <p:attrNameLst>
+                                          <p:attrName>style.visibility</p:attrName>
+                                        </p:attrNameLst>
+                                      </p:cBhvr>
+                                      <p:to>
+                                        <p:strVal val="visible"/>
+                                      </p:to>
+                                    </p:set>
+                                  </p:childTnLst>
+                                </p:cTn>
+                              </p:par>
+                            </p:childTnLst>
+                          </p:cTn>
+                        </p:par>
+                      </p:childTnLst>
+                    </p:cTn>
+                  </p:par>
+                  <p:par>
+                    <p:cTn id="43" fill="hold">
+                      <p:stCondLst>
+                        <p:cond delay="indefinite"/>
+                      </p:stCondLst>
+                      <p:childTnLst>
+                        <p:par>
+                          <p:cTn id="44" fill="hold">
+                            <p:stCondLst>
+                              <p:cond delay="0"/>
+                            </p:stCondLst>
+                            <p:childTnLst>
+                              <p:par>
+                                <p:cTn id="45" presetID="1" presetClass="entr" presetSubtype="0" fill="hold" nodeType="clickEffect">
+                                  <p:stCondLst>
+                                    <p:cond delay="0"/>
+                                  </p:stCondLst>
+                                  <p:childTnLst>
+                                    <p:set>
+                                      <p:cBhvr>
+                                        <p:cTn id="46" dur="1" fill="hold">
+                                          <p:stCondLst>
+                                            <p:cond delay="0"/>
+                                          </p:stCondLst>
+                                        </p:cTn>
+                                        <p:tgtEl>
+                                          <p:spTgt spid="7">
+                                            <p:txEl>
+                                              <p:pRg st="2" end="2"/>
+                                            </p:txEl>
+                                          </p:spTgt>
+                                        </p:tgtEl>
+                                        <p:attrNameLst>
+                                          <p:attrName>style.visibility</p:attrName>
+                                        </p:attrNameLst>
+                                      </p:cBhvr>
+                                      <p:to>
+                                        <p:strVal val="visible"/>
+                                      </p:to>
+                                    </p:set>
+                                  </p:childTnLst>
+                                </p:cTn>
+                              </p:par>
+                            </p:childTnLst>
+                          </p:cTn>
+                        </p:par>
+                      </p:childTnLst>
+                    </p:cTn>
+                  </p:par>
+                  <p:par>
+                    <p:cTn id="47" fill="hold">
+                      <p:stCondLst>
+                        <p:cond delay="indefinite"/>
+                      </p:stCondLst>
+                      <p:childTnLst>
+                        <p:par>
+                          <p:cTn id="48" fill="hold">
+                            <p:stCondLst>
+                              <p:cond delay="0"/>
+                            </p:stCondLst>
+                            <p:childTnLst>
+                              <p:par>
+                                <p:cTn id="49" presetID="1" presetClass="entr" presetSubtype="0" fill="hold" nodeType="clickEffect">
+                                  <p:stCondLst>
+                                    <p:cond delay="0"/>
+                                  </p:stCondLst>
+                                  <p:childTnLst>
+                                    <p:set>
+                                      <p:cBhvr>
+                                        <p:cTn id="50" dur="1" fill="hold">
+                                          <p:stCondLst>
+                                            <p:cond delay="0"/>
+                                          </p:stCondLst>
+                                        </p:cTn>
+                                        <p:tgtEl>
+                                          <p:spTgt spid="7">
+                                            <p:txEl>
+                                              <p:pRg st="3" end="3"/>
+                                            </p:txEl>
+                                          </p:spTgt>
+                                        </p:tgtEl>
+                                        <p:attrNameLst>
+                                          <p:attrName>style.visibility</p:attrName>
+                                        </p:attrNameLst>
+                                      </p:cBhvr>
+                                      <p:to>
+                                        <p:strVal val="visible"/>
+                                      </p:to>
+                                    </p:set>
+                                  </p:childTnLst>
+                                </p:cTn>
+                              </p:par>
+                            </p:childTnLst>
+                          </p:cTn>
+                        </p:par>
+                      </p:childTnLst>
+                    </p:cTn>
+                  </p:par>
+                  <p:par>
+                    <p:cTn id="51" fill="hold">
+                      <p:stCondLst>
+                        <p:cond delay="indefinite"/>
+                      </p:stCondLst>
+                      <p:childTnLst>
+                        <p:par>
+                          <p:cTn id="52" fill="hold">
+                            <p:stCondLst>
+                              <p:cond delay="0"/>
+                            </p:stCondLst>
+                            <p:childTnLst>
+                              <p:par>
+                                <p:cTn id="53" presetID="1" presetClass="entr" presetSubtype="0" fill="hold" nodeType="clickEffect">
+                                  <p:stCondLst>
+                                    <p:cond delay="0"/>
+                                  </p:stCondLst>
+                                  <p:childTnLst>
+                                    <p:set>
+                                      <p:cBhvr>
+                                        <p:cTn id="54" dur="1" fill="hold">
+                                          <p:stCondLst>
+                                            <p:cond delay="0"/>
+                                          </p:stCondLst>
+                                        </p:cTn>
+                                        <p:tgtEl>
+                                          <p:spTgt spid="7">
+                                            <p:txEl>
+                                              <p:pRg st="4" end="4"/>
+                                            </p:txEl>
+                                          </p:spTgt>
+                                        </p:tgtEl>
+                                        <p:attrNameLst>
+                                          <p:attrName>style.visibility</p:attrName>
+                                        </p:attrNameLst>
+                                      </p:cBhvr>
+                                      <p:to>
+                                        <p:strVal val="visible"/>
+                                      </p:to>
+                                    </p:set>
+                                  </p:childTnLst>
+                                </p:cTn>
+                              </p:par>
+                            </p:childTnLst>
+                          </p:cTn>
+                        </p:par>
+                      </p:childTnLst>
+                    </p:cTn>
+                  </p:par>
+                  <p:par>
+                    <p:cTn id="55" fill="hold">
+                      <p:stCondLst>
+                        <p:cond delay="indefinite"/>
+                      </p:stCondLst>
+                      <p:childTnLst>
+                        <p:par>
+                          <p:cTn id="56" fill="hold">
+                            <p:stCondLst>
+                              <p:cond delay="0"/>
+                            </p:stCondLst>
+                            <p:childTnLst>
+                              <p:par>
+                                <p:cTn id="57" presetID="1" presetClass="entr" presetSubtype="0" fill="hold" nodeType="clickEffect">
+                                  <p:stCondLst>
+                                    <p:cond delay="0"/>
+                                  </p:stCondLst>
+                                  <p:childTnLst>
+                                    <p:set>
+                                      <p:cBhvr>
+                                        <p:cTn id="58" dur="1" fill="hold">
+                                          <p:stCondLst>
+                                            <p:cond delay="0"/>
+                                          </p:stCondLst>
+                                        </p:cTn>
+                                        <p:tgtEl>
+                                          <p:spTgt spid="7">
+                                            <p:txEl>
+                                              <p:pRg st="5" end="5"/>
+                                            </p:txEl>
+                                          </p:spTgt>
+                                        </p:tgtEl>
+                                        <p:attrNameLst>
+                                          <p:attrName>style.visibility</p:attrName>
+                                        </p:attrNameLst>
+                                      </p:cBhvr>
+                                      <p:to>
+                                        <p:strVal val="visible"/>
+                                      </p:to>
+                                    </p:set>
+                                  </p:childTnLst>
+                                </p:cTn>
+                              </p:par>
+                            </p:childTnLst>
+                          </p:cTn>
+                        </p:par>
+                      </p:childTnLst>
+                    </p:cTn>
+                  </p:par>
+                </p:childTnLst>
+              </p:cTn>
+              <p:prevCondLst>
+                <p:cond evt="onPrev" delay="0">
+                  <p:tgtEl>
+                    <p:sldTgt/>
+                  </p:tgtEl>
+                </p:cond>
+              </p:prevCondLst>
+              <p:nextCondLst>
+                <p:cond evt="onNext" delay="0">
+                  <p:tgtEl>
+                    <p:sldTgt/>
+                  </p:tgtEl>
+                </p:cond>
+              </p:nextCondLst>
+            </p:seq>
+          </p:childTnLst>
+        </p:cTn>
+      </p:par>
+    </p:tnLst>
+  </p:timing>
 </p:sld>
 </file>
 
 <file path=ppt/slides/slide12.xml><?xml version="1.0" encoding="utf-8"?>
-<p:sld xmlns:a="http://schemas.openxmlformats.org/drawingml/2006/main" xmlns:r="http://schemas.openxmlformats.org/officeDocument/2006/relationships" xmlns:p="http://schemas.openxmlformats.org/presentationml/2006/main" show="0">
+<p:sld xmlns:a="http://schemas.openxmlformats.org/drawingml/2006/main" xmlns:r="http://schemas.openxmlformats.org/officeDocument/2006/relationships" xmlns:p="http://schemas.openxmlformats.org/presentationml/2006/main">
   <p:cSld>
     <p:spTree>
       <p:nvGrpSpPr>
@@ -11392,7 +13979,7 @@
           <p:cNvPr id="2" name="Title 1">
             <a:extLst>
               <a:ext uri="{FF2B5EF4-FFF2-40B4-BE49-F238E27FC236}">
-                <a16:creationId xmlns:a16="http://schemas.microsoft.com/office/drawing/2014/main" id="{1CBD2EC7-4DDD-4034-A081-AF827E0F6F9A}"/>
+                <a16:creationId xmlns:a16="http://schemas.microsoft.com/office/drawing/2014/main" id="{2EDC90BD-5522-41CD-9814-99C5E76A1A12}"/>
               </a:ext>
             </a:extLst>
           </p:cNvPr>
@@ -11410,17 +13997,17 @@
           <a:p>
             <a:r>
               <a:rPr lang="en-GB" dirty="0"/>
-              <a:t>Summer 2020/Challenge Week</a:t>
+              <a:t>Backblast</a:t>
             </a:r>
           </a:p>
         </p:txBody>
       </p:sp>
       <p:sp>
         <p:nvSpPr>
-          <p:cNvPr id="4" name="Text Placeholder 3">
+          <p:cNvPr id="3" name="Text Placeholder 2">
             <a:extLst>
               <a:ext uri="{FF2B5EF4-FFF2-40B4-BE49-F238E27FC236}">
-                <a16:creationId xmlns:a16="http://schemas.microsoft.com/office/drawing/2014/main" id="{272F1756-B285-4597-ACD2-E010B97560D6}"/>
+                <a16:creationId xmlns:a16="http://schemas.microsoft.com/office/drawing/2014/main" id="{7BAC4D4B-C729-48C4-816B-5175521A45CA}"/>
               </a:ext>
             </a:extLst>
           </p:cNvPr>
@@ -11438,184 +14025,13 @@
           <a:p>
             <a:r>
               <a:rPr lang="en-GB" dirty="0"/>
-              <a:t>Challenges</a:t>
-            </a:r>
-          </a:p>
-        </p:txBody>
-      </p:sp>
-      <p:sp>
-        <p:nvSpPr>
-          <p:cNvPr id="5" name="Content Placeholder 4">
-            <a:extLst>
-              <a:ext uri="{FF2B5EF4-FFF2-40B4-BE49-F238E27FC236}">
-                <a16:creationId xmlns:a16="http://schemas.microsoft.com/office/drawing/2014/main" id="{713414E6-8EC6-42D8-8286-8EC4A6D1C79F}"/>
-              </a:ext>
-            </a:extLst>
-          </p:cNvPr>
-          <p:cNvSpPr>
-            <a:spLocks noGrp="1"/>
-          </p:cNvSpPr>
-          <p:nvPr>
-            <p:ph sz="half" idx="2"/>
-          </p:nvPr>
-        </p:nvSpPr>
-        <p:spPr/>
-        <p:txBody>
-          <a:bodyPr>
-            <a:normAutofit lnSpcReduction="10000"/>
-          </a:bodyPr>
-          <a:lstStyle/>
+              <a:t>A murder mystery where you are the victim!</a:t>
+            </a:r>
+          </a:p>
           <a:p>
             <a:r>
               <a:rPr lang="en-GB" dirty="0"/>
-              <a:t>Designing the </a:t>
-            </a:r>
-            <a:r>
-              <a:rPr lang="en-GB" i="1" dirty="0"/>
-              <a:t>HECCIN’ Game </a:t>
-            </a:r>
-            <a:r>
-              <a:rPr lang="en-GB" dirty="0"/>
-              <a:t>engine</a:t>
-            </a:r>
-          </a:p>
-          <a:p>
-            <a:r>
-              <a:rPr lang="en-GB" dirty="0"/>
-              <a:t>Learning JavaScript for the </a:t>
-            </a:r>
-            <a:r>
-              <a:rPr lang="en-GB" i="1" dirty="0"/>
-              <a:t>HECCIN’ Game</a:t>
-            </a:r>
-            <a:r>
-              <a:rPr lang="en-GB" dirty="0"/>
-              <a:t> engine</a:t>
-            </a:r>
-          </a:p>
-          <a:p>
-            <a:r>
-              <a:rPr lang="en-GB" dirty="0"/>
-              <a:t>Designing the .hecc language</a:t>
-            </a:r>
-          </a:p>
-          <a:p>
-            <a:r>
-              <a:rPr lang="en-GB" dirty="0"/>
-              <a:t>Creating a parser for .hecc</a:t>
-            </a:r>
-          </a:p>
-          <a:p>
-            <a:r>
-              <a:rPr lang="en-GB" dirty="0"/>
-              <a:t>Making a parsing utility program</a:t>
-            </a:r>
-          </a:p>
-          <a:p>
-            <a:r>
-              <a:rPr lang="en-GB" dirty="0"/>
-              <a:t>Creating an example game</a:t>
-            </a:r>
-          </a:p>
-        </p:txBody>
-      </p:sp>
-      <p:sp>
-        <p:nvSpPr>
-          <p:cNvPr id="6" name="Text Placeholder 5">
-            <a:extLst>
-              <a:ext uri="{FF2B5EF4-FFF2-40B4-BE49-F238E27FC236}">
-                <a16:creationId xmlns:a16="http://schemas.microsoft.com/office/drawing/2014/main" id="{095DC788-F807-4619-9B3C-A192422F0428}"/>
-              </a:ext>
-            </a:extLst>
-          </p:cNvPr>
-          <p:cNvSpPr>
-            <a:spLocks noGrp="1"/>
-          </p:cNvSpPr>
-          <p:nvPr>
-            <p:ph type="body" sz="quarter" idx="3"/>
-          </p:nvPr>
-        </p:nvSpPr>
-        <p:spPr/>
-        <p:txBody>
-          <a:bodyPr/>
-          <a:lstStyle/>
-          <a:p>
-            <a:r>
-              <a:rPr lang="en-GB" dirty="0"/>
-              <a:t>Successes</a:t>
-            </a:r>
-          </a:p>
-        </p:txBody>
-      </p:sp>
-      <p:sp>
-        <p:nvSpPr>
-          <p:cNvPr id="7" name="Content Placeholder 6">
-            <a:extLst>
-              <a:ext uri="{FF2B5EF4-FFF2-40B4-BE49-F238E27FC236}">
-                <a16:creationId xmlns:a16="http://schemas.microsoft.com/office/drawing/2014/main" id="{E4678507-B980-4AB8-B09C-A25520954CD2}"/>
-              </a:ext>
-            </a:extLst>
-          </p:cNvPr>
-          <p:cNvSpPr>
-            <a:spLocks noGrp="1"/>
-          </p:cNvSpPr>
-          <p:nvPr>
-            <p:ph sz="quarter" idx="4"/>
-          </p:nvPr>
-        </p:nvSpPr>
-        <p:spPr/>
-        <p:txBody>
-          <a:bodyPr>
-            <a:normAutofit lnSpcReduction="10000"/>
-          </a:bodyPr>
-          <a:lstStyle/>
-          <a:p>
-            <a:r>
-              <a:rPr lang="en-GB" dirty="0"/>
-              <a:t>I went with a state machine design, also storing ‘previous’ states on a stack.</a:t>
-            </a:r>
-          </a:p>
-          <a:p>
-            <a:r>
-              <a:rPr lang="en-GB" dirty="0"/>
-              <a:t>I was able to learn and use it.</a:t>
-            </a:r>
-          </a:p>
-          <a:p>
-            <a:r>
-              <a:rPr lang="en-GB" dirty="0"/>
-              <a:t>Created the </a:t>
-            </a:r>
-            <a:r>
-              <a:rPr lang="en-GB" i="1" dirty="0"/>
-              <a:t>HECC-SPECC</a:t>
-            </a:r>
-            <a:endParaRPr lang="en-GB" dirty="0"/>
-          </a:p>
-          <a:p>
-            <a:r>
-              <a:rPr lang="en-GB" dirty="0"/>
-              <a:t>Created a prototype of HECC-UP</a:t>
-            </a:r>
-          </a:p>
-          <a:p>
-            <a:r>
-              <a:rPr lang="en-GB" dirty="0"/>
-              <a:t>Refined it further, it had a GUI</a:t>
-            </a:r>
-          </a:p>
-          <a:p>
-            <a:r>
-              <a:rPr lang="en-GB" dirty="0"/>
-              <a:t>Produced ‘</a:t>
-            </a:r>
-            <a:r>
-              <a:rPr lang="en-GB" i="1" dirty="0"/>
-              <a:t>A Conversation</a:t>
-            </a:r>
-            <a:r>
-              <a:rPr lang="en-GB" dirty="0"/>
-              <a:t>’</a:t>
+              <a:t>https://11belowstudio.itch.io/backblast</a:t>
             </a:r>
           </a:p>
         </p:txBody>
@@ -11623,18 +14039,146 @@
     </p:spTree>
     <p:extLst>
       <p:ext uri="{BB962C8B-B14F-4D97-AF65-F5344CB8AC3E}">
-        <p14:creationId xmlns:p14="http://schemas.microsoft.com/office/powerpoint/2010/main" val="1425234950"/>
+        <p14:creationId xmlns:p14="http://schemas.microsoft.com/office/powerpoint/2010/main" val="3311844949"/>
       </p:ext>
     </p:extLst>
   </p:cSld>
   <p:clrMapOvr>
     <a:masterClrMapping/>
   </p:clrMapOvr>
+  <p:timing>
+    <p:tnLst>
+      <p:par>
+        <p:cTn id="1" dur="indefinite" restart="never" nodeType="tmRoot">
+          <p:childTnLst>
+            <p:seq concurrent="1" nextAc="seek">
+              <p:cTn id="2" dur="indefinite" nodeType="mainSeq">
+                <p:childTnLst>
+                  <p:par>
+                    <p:cTn id="3" fill="hold">
+                      <p:stCondLst>
+                        <p:cond delay="indefinite"/>
+                      </p:stCondLst>
+                      <p:childTnLst>
+                        <p:par>
+                          <p:cTn id="4" fill="hold">
+                            <p:stCondLst>
+                              <p:cond delay="0"/>
+                            </p:stCondLst>
+                            <p:childTnLst>
+                              <p:par>
+                                <p:cTn id="5" presetID="1" presetClass="entr" presetSubtype="0" fill="hold" nodeType="clickEffect">
+                                  <p:stCondLst>
+                                    <p:cond delay="0"/>
+                                  </p:stCondLst>
+                                  <p:childTnLst>
+                                    <p:set>
+                                      <p:cBhvr>
+                                        <p:cTn id="6" dur="1" fill="hold">
+                                          <p:stCondLst>
+                                            <p:cond delay="0"/>
+                                          </p:stCondLst>
+                                        </p:cTn>
+                                        <p:tgtEl>
+                                          <p:spTgt spid="3">
+                                            <p:txEl>
+                                              <p:pRg st="0" end="0"/>
+                                            </p:txEl>
+                                          </p:spTgt>
+                                        </p:tgtEl>
+                                        <p:attrNameLst>
+                                          <p:attrName>style.visibility</p:attrName>
+                                        </p:attrNameLst>
+                                      </p:cBhvr>
+                                      <p:to>
+                                        <p:strVal val="visible"/>
+                                      </p:to>
+                                    </p:set>
+                                  </p:childTnLst>
+                                </p:cTn>
+                              </p:par>
+                            </p:childTnLst>
+                          </p:cTn>
+                        </p:par>
+                      </p:childTnLst>
+                    </p:cTn>
+                  </p:par>
+                  <p:par>
+                    <p:cTn id="7" fill="hold">
+                      <p:stCondLst>
+                        <p:cond delay="indefinite"/>
+                      </p:stCondLst>
+                      <p:childTnLst>
+                        <p:par>
+                          <p:cTn id="8" fill="hold">
+                            <p:stCondLst>
+                              <p:cond delay="0"/>
+                            </p:stCondLst>
+                            <p:childTnLst>
+                              <p:par>
+                                <p:cTn id="9" presetID="1" presetClass="entr" presetSubtype="0" fill="hold" nodeType="clickEffect">
+                                  <p:stCondLst>
+                                    <p:cond delay="0"/>
+                                  </p:stCondLst>
+                                  <p:childTnLst>
+                                    <p:set>
+                                      <p:cBhvr>
+                                        <p:cTn id="10" dur="1" fill="hold">
+                                          <p:stCondLst>
+                                            <p:cond delay="0"/>
+                                          </p:stCondLst>
+                                        </p:cTn>
+                                        <p:tgtEl>
+                                          <p:spTgt spid="3">
+                                            <p:txEl>
+                                              <p:pRg st="1" end="1"/>
+                                            </p:txEl>
+                                          </p:spTgt>
+                                        </p:tgtEl>
+                                        <p:attrNameLst>
+                                          <p:attrName>style.visibility</p:attrName>
+                                        </p:attrNameLst>
+                                      </p:cBhvr>
+                                      <p:to>
+                                        <p:strVal val="visible"/>
+                                      </p:to>
+                                    </p:set>
+                                  </p:childTnLst>
+                                </p:cTn>
+                              </p:par>
+                            </p:childTnLst>
+                          </p:cTn>
+                        </p:par>
+                      </p:childTnLst>
+                    </p:cTn>
+                  </p:par>
+                </p:childTnLst>
+              </p:cTn>
+              <p:prevCondLst>
+                <p:cond evt="onPrev" delay="0">
+                  <p:tgtEl>
+                    <p:sldTgt/>
+                  </p:tgtEl>
+                </p:cond>
+              </p:prevCondLst>
+              <p:nextCondLst>
+                <p:cond evt="onNext" delay="0">
+                  <p:tgtEl>
+                    <p:sldTgt/>
+                  </p:tgtEl>
+                </p:cond>
+              </p:nextCondLst>
+            </p:seq>
+          </p:childTnLst>
+        </p:cTn>
+      </p:par>
+    </p:tnLst>
+  </p:timing>
 </p:sld>
 </file>
 
 <file path=ppt/slides/slide13.xml><?xml version="1.0" encoding="utf-8"?>
-<p:sld xmlns:a="http://schemas.openxmlformats.org/drawingml/2006/main" xmlns:r="http://schemas.openxmlformats.org/officeDocument/2006/relationships" xmlns:p="http://schemas.openxmlformats.org/presentationml/2006/main" show="0">
+<p:sld xmlns:a="http://schemas.openxmlformats.org/drawingml/2006/main" xmlns:r="http://schemas.openxmlformats.org/officeDocument/2006/relationships" xmlns:p="http://schemas.openxmlformats.org/presentationml/2006/main">
   <p:cSld>
     <p:spTree>
       <p:nvGrpSpPr>
@@ -11655,7 +14199,7 @@
           <p:cNvPr id="2" name="Title 1">
             <a:extLst>
               <a:ext uri="{FF2B5EF4-FFF2-40B4-BE49-F238E27FC236}">
-                <a16:creationId xmlns:a16="http://schemas.microsoft.com/office/drawing/2014/main" id="{9FFE3338-B166-4A9F-ADF4-F2A4A3F7B8CD}"/>
+                <a16:creationId xmlns:a16="http://schemas.microsoft.com/office/drawing/2014/main" id="{E6405E9F-CADD-4740-8367-DC4BC88267E7}"/>
               </a:ext>
             </a:extLst>
           </p:cNvPr>
@@ -11673,17 +14217,26 @@
           <a:p>
             <a:r>
               <a:rPr lang="en-GB" dirty="0"/>
-              <a:t>Winter 2020</a:t>
-            </a:r>
+              <a:t>What is </a:t>
+            </a:r>
+            <a:r>
+              <a:rPr lang="en-GB" i="1" dirty="0"/>
+              <a:t>Backblast</a:t>
+            </a:r>
+            <a:r>
+              <a:rPr lang="en-GB" dirty="0"/>
+              <a:t>?</a:t>
+            </a:r>
+            <a:endParaRPr lang="en-GB" i="1" dirty="0"/>
           </a:p>
         </p:txBody>
       </p:sp>
       <p:sp>
         <p:nvSpPr>
-          <p:cNvPr id="3" name="Text Placeholder 2">
+          <p:cNvPr id="3" name="Content Placeholder 2">
             <a:extLst>
               <a:ext uri="{FF2B5EF4-FFF2-40B4-BE49-F238E27FC236}">
-                <a16:creationId xmlns:a16="http://schemas.microsoft.com/office/drawing/2014/main" id="{363F2CCC-8697-4697-8DDE-2C03BF21DB6F}"/>
+                <a16:creationId xmlns:a16="http://schemas.microsoft.com/office/drawing/2014/main" id="{F158F099-7AEF-4BE9-8BE0-A55AE4D18F75}"/>
               </a:ext>
             </a:extLst>
           </p:cNvPr>
@@ -11691,149 +14244,677 @@
             <a:spLocks noGrp="1"/>
           </p:cNvSpPr>
           <p:nvPr>
-            <p:ph type="body" idx="1"/>
+            <p:ph idx="1"/>
           </p:nvPr>
         </p:nvSpPr>
         <p:spPr/>
         <p:txBody>
-          <a:bodyPr/>
+          <a:bodyPr>
+            <a:normAutofit lnSpcReduction="10000"/>
+          </a:bodyPr>
           <a:lstStyle/>
           <a:p>
             <a:r>
               <a:rPr lang="en-GB" dirty="0"/>
-              <a:t>Challenges</a:t>
-            </a:r>
-          </a:p>
-        </p:txBody>
-      </p:sp>
-      <p:sp>
-        <p:nvSpPr>
-          <p:cNvPr id="4" name="Content Placeholder 3">
-            <a:extLst>
-              <a:ext uri="{FF2B5EF4-FFF2-40B4-BE49-F238E27FC236}">
-                <a16:creationId xmlns:a16="http://schemas.microsoft.com/office/drawing/2014/main" id="{8D62D7F0-A7E9-466A-BB95-D361A550C3C5}"/>
-              </a:ext>
-            </a:extLst>
-          </p:cNvPr>
-          <p:cNvSpPr>
-            <a:spLocks noGrp="1"/>
-          </p:cNvSpPr>
-          <p:nvPr>
-            <p:ph sz="half" idx="2"/>
-          </p:nvPr>
-        </p:nvSpPr>
-        <p:spPr/>
-        <p:txBody>
-          <a:bodyPr/>
-          <a:lstStyle/>
-          <a:p>
+              <a:t>A hypertext game, produced with HECC-IT</a:t>
+            </a:r>
+          </a:p>
+          <a:p>
+            <a:pPr lvl="1"/>
             <a:r>
               <a:rPr lang="en-GB" dirty="0"/>
-              <a:t>Designing the </a:t>
-            </a:r>
-            <a:r>
-              <a:rPr lang="en-GB" i="1" dirty="0"/>
-              <a:t>OH-HECC </a:t>
-            </a:r>
+              <a:t>Demonstrating that HECC-IT is usable to produce hypertext games</a:t>
+            </a:r>
+          </a:p>
+          <a:p>
+            <a:pPr lvl="1"/>
             <a:r>
               <a:rPr lang="en-GB" dirty="0"/>
-              <a:t>editor</a:t>
+              <a:t>Showing that HECC-IT can be used to produce larger games as well</a:t>
             </a:r>
           </a:p>
           <a:p>
             <a:r>
               <a:rPr lang="en-GB" dirty="0"/>
-              <a:t>Redesigning </a:t>
-            </a:r>
-            <a:r>
-              <a:rPr lang="en-GB" i="1" dirty="0"/>
-              <a:t>OH-HECC</a:t>
-            </a:r>
+              <a:t>Overall structure mostly reminiscent of a ‘branching novel’</a:t>
+            </a:r>
+          </a:p>
+          <a:p>
+            <a:pPr lvl="1"/>
             <a:r>
               <a:rPr lang="en-GB" dirty="0"/>
-              <a:t> to remove a redundant passive update loop</a:t>
-            </a:r>
-          </a:p>
-          <a:p>
+              <a:t>Second-person narrative, addressing player directly</a:t>
+            </a:r>
+          </a:p>
+          <a:p>
+            <a:pPr lvl="1"/>
             <a:r>
               <a:rPr lang="en-GB" dirty="0"/>
-              <a:t>Ensuring that all edits </a:t>
-            </a:r>
-          </a:p>
-        </p:txBody>
-      </p:sp>
-      <p:sp>
-        <p:nvSpPr>
-          <p:cNvPr id="5" name="Text Placeholder 4">
-            <a:extLst>
-              <a:ext uri="{FF2B5EF4-FFF2-40B4-BE49-F238E27FC236}">
-                <a16:creationId xmlns:a16="http://schemas.microsoft.com/office/drawing/2014/main" id="{94DFB98A-C055-44AC-9FB1-D7BEF9DEA704}"/>
-              </a:ext>
-            </a:extLst>
-          </p:cNvPr>
-          <p:cNvSpPr>
-            <a:spLocks noGrp="1"/>
-          </p:cNvSpPr>
-          <p:nvPr>
-            <p:ph type="body" sz="quarter" idx="3"/>
-          </p:nvPr>
-        </p:nvSpPr>
-        <p:spPr/>
-        <p:txBody>
-          <a:bodyPr/>
-          <a:lstStyle/>
-          <a:p>
+              <a:t>Most links are at the end of each passage</a:t>
+            </a:r>
+          </a:p>
+          <a:p>
+            <a:pPr lvl="1"/>
             <a:r>
               <a:rPr lang="en-GB" dirty="0"/>
-              <a:t>Successes</a:t>
-            </a:r>
-          </a:p>
-        </p:txBody>
-      </p:sp>
-      <p:sp>
-        <p:nvSpPr>
-          <p:cNvPr id="6" name="Content Placeholder 5">
-            <a:extLst>
-              <a:ext uri="{FF2B5EF4-FFF2-40B4-BE49-F238E27FC236}">
-                <a16:creationId xmlns:a16="http://schemas.microsoft.com/office/drawing/2014/main" id="{C283C8B2-7C8F-41E7-84D7-692DE4CE181C}"/>
-              </a:ext>
-            </a:extLst>
-          </p:cNvPr>
-          <p:cNvSpPr>
-            <a:spLocks noGrp="1"/>
-          </p:cNvSpPr>
-          <p:nvPr>
-            <p:ph sz="quarter" idx="4"/>
-          </p:nvPr>
-        </p:nvSpPr>
-        <p:spPr/>
-        <p:txBody>
-          <a:bodyPr/>
-          <a:lstStyle/>
+              <a:t>However, the structure is intentionally somewhat cyclical</a:t>
+            </a:r>
+          </a:p>
           <a:p>
             <a:r>
               <a:rPr lang="en-GB" dirty="0"/>
-              <a:t>Used an MVC architecture</a:t>
-            </a:r>
-          </a:p>
-          <a:p>
+              <a:t>‘Game’ elements</a:t>
+            </a:r>
+          </a:p>
+          <a:p>
+            <a:pPr lvl="1"/>
             <a:r>
               <a:rPr lang="en-GB" dirty="0"/>
-              <a:t>Completely refactored that out, simply using event handling.</a:t>
-            </a:r>
+              <a:t>Several choices made along the way will affect which endings are available</a:t>
+            </a:r>
+          </a:p>
+          <a:p>
+            <a:pPr lvl="2"/>
+            <a:r>
+              <a:rPr lang="en-GB" dirty="0"/>
+              <a:t>Player is never explicitly informed about which choices are/are not meaningful</a:t>
+            </a:r>
+          </a:p>
+          <a:p>
+            <a:pPr lvl="1"/>
+            <a:r>
+              <a:rPr lang="en-GB" dirty="0"/>
+              <a:t>Player is trying to work out who is killing them, and why</a:t>
+            </a:r>
+          </a:p>
+          <a:p>
+            <a:pPr lvl="1"/>
+            <a:endParaRPr lang="en-GB" dirty="0"/>
+          </a:p>
+          <a:p>
+            <a:endParaRPr lang="en-GB" dirty="0"/>
           </a:p>
         </p:txBody>
       </p:sp>
     </p:spTree>
     <p:extLst>
       <p:ext uri="{BB962C8B-B14F-4D97-AF65-F5344CB8AC3E}">
-        <p14:creationId xmlns:p14="http://schemas.microsoft.com/office/powerpoint/2010/main" val="2724480725"/>
+        <p14:creationId xmlns:p14="http://schemas.microsoft.com/office/powerpoint/2010/main" val="62782084"/>
       </p:ext>
     </p:extLst>
   </p:cSld>
   <p:clrMapOvr>
     <a:masterClrMapping/>
   </p:clrMapOvr>
+  <p:timing>
+    <p:tnLst>
+      <p:par>
+        <p:cTn id="1" dur="indefinite" restart="never" nodeType="tmRoot">
+          <p:childTnLst>
+            <p:seq concurrent="1" nextAc="seek">
+              <p:cTn id="2" dur="indefinite" nodeType="mainSeq">
+                <p:childTnLst>
+                  <p:par>
+                    <p:cTn id="3" fill="hold">
+                      <p:stCondLst>
+                        <p:cond delay="indefinite"/>
+                      </p:stCondLst>
+                      <p:childTnLst>
+                        <p:par>
+                          <p:cTn id="4" fill="hold">
+                            <p:stCondLst>
+                              <p:cond delay="0"/>
+                            </p:stCondLst>
+                            <p:childTnLst>
+                              <p:par>
+                                <p:cTn id="5" presetID="1" presetClass="entr" presetSubtype="0" fill="hold" nodeType="clickEffect">
+                                  <p:stCondLst>
+                                    <p:cond delay="0"/>
+                                  </p:stCondLst>
+                                  <p:childTnLst>
+                                    <p:set>
+                                      <p:cBhvr>
+                                        <p:cTn id="6" dur="1" fill="hold">
+                                          <p:stCondLst>
+                                            <p:cond delay="0"/>
+                                          </p:stCondLst>
+                                        </p:cTn>
+                                        <p:tgtEl>
+                                          <p:spTgt spid="3">
+                                            <p:txEl>
+                                              <p:pRg st="0" end="0"/>
+                                            </p:txEl>
+                                          </p:spTgt>
+                                        </p:tgtEl>
+                                        <p:attrNameLst>
+                                          <p:attrName>style.visibility</p:attrName>
+                                        </p:attrNameLst>
+                                      </p:cBhvr>
+                                      <p:to>
+                                        <p:strVal val="visible"/>
+                                      </p:to>
+                                    </p:set>
+                                  </p:childTnLst>
+                                </p:cTn>
+                              </p:par>
+                            </p:childTnLst>
+                          </p:cTn>
+                        </p:par>
+                      </p:childTnLst>
+                    </p:cTn>
+                  </p:par>
+                  <p:par>
+                    <p:cTn id="7" fill="hold">
+                      <p:stCondLst>
+                        <p:cond delay="indefinite"/>
+                      </p:stCondLst>
+                      <p:childTnLst>
+                        <p:par>
+                          <p:cTn id="8" fill="hold">
+                            <p:stCondLst>
+                              <p:cond delay="0"/>
+                            </p:stCondLst>
+                            <p:childTnLst>
+                              <p:par>
+                                <p:cTn id="9" presetID="1" presetClass="entr" presetSubtype="0" fill="hold" nodeType="clickEffect">
+                                  <p:stCondLst>
+                                    <p:cond delay="0"/>
+                                  </p:stCondLst>
+                                  <p:childTnLst>
+                                    <p:set>
+                                      <p:cBhvr>
+                                        <p:cTn id="10" dur="1" fill="hold">
+                                          <p:stCondLst>
+                                            <p:cond delay="0"/>
+                                          </p:stCondLst>
+                                        </p:cTn>
+                                        <p:tgtEl>
+                                          <p:spTgt spid="3">
+                                            <p:txEl>
+                                              <p:pRg st="1" end="1"/>
+                                            </p:txEl>
+                                          </p:spTgt>
+                                        </p:tgtEl>
+                                        <p:attrNameLst>
+                                          <p:attrName>style.visibility</p:attrName>
+                                        </p:attrNameLst>
+                                      </p:cBhvr>
+                                      <p:to>
+                                        <p:strVal val="visible"/>
+                                      </p:to>
+                                    </p:set>
+                                  </p:childTnLst>
+                                </p:cTn>
+                              </p:par>
+                            </p:childTnLst>
+                          </p:cTn>
+                        </p:par>
+                      </p:childTnLst>
+                    </p:cTn>
+                  </p:par>
+                  <p:par>
+                    <p:cTn id="11" fill="hold">
+                      <p:stCondLst>
+                        <p:cond delay="indefinite"/>
+                      </p:stCondLst>
+                      <p:childTnLst>
+                        <p:par>
+                          <p:cTn id="12" fill="hold">
+                            <p:stCondLst>
+                              <p:cond delay="0"/>
+                            </p:stCondLst>
+                            <p:childTnLst>
+                              <p:par>
+                                <p:cTn id="13" presetID="1" presetClass="entr" presetSubtype="0" fill="hold" nodeType="clickEffect">
+                                  <p:stCondLst>
+                                    <p:cond delay="0"/>
+                                  </p:stCondLst>
+                                  <p:childTnLst>
+                                    <p:set>
+                                      <p:cBhvr>
+                                        <p:cTn id="14" dur="1" fill="hold">
+                                          <p:stCondLst>
+                                            <p:cond delay="0"/>
+                                          </p:stCondLst>
+                                        </p:cTn>
+                                        <p:tgtEl>
+                                          <p:spTgt spid="3">
+                                            <p:txEl>
+                                              <p:pRg st="2" end="2"/>
+                                            </p:txEl>
+                                          </p:spTgt>
+                                        </p:tgtEl>
+                                        <p:attrNameLst>
+                                          <p:attrName>style.visibility</p:attrName>
+                                        </p:attrNameLst>
+                                      </p:cBhvr>
+                                      <p:to>
+                                        <p:strVal val="visible"/>
+                                      </p:to>
+                                    </p:set>
+                                  </p:childTnLst>
+                                </p:cTn>
+                              </p:par>
+                            </p:childTnLst>
+                          </p:cTn>
+                        </p:par>
+                      </p:childTnLst>
+                    </p:cTn>
+                  </p:par>
+                  <p:par>
+                    <p:cTn id="15" fill="hold">
+                      <p:stCondLst>
+                        <p:cond delay="indefinite"/>
+                      </p:stCondLst>
+                      <p:childTnLst>
+                        <p:par>
+                          <p:cTn id="16" fill="hold">
+                            <p:stCondLst>
+                              <p:cond delay="0"/>
+                            </p:stCondLst>
+                            <p:childTnLst>
+                              <p:par>
+                                <p:cTn id="17" presetID="1" presetClass="entr" presetSubtype="0" fill="hold" nodeType="clickEffect">
+                                  <p:stCondLst>
+                                    <p:cond delay="0"/>
+                                  </p:stCondLst>
+                                  <p:childTnLst>
+                                    <p:set>
+                                      <p:cBhvr>
+                                        <p:cTn id="18" dur="1" fill="hold">
+                                          <p:stCondLst>
+                                            <p:cond delay="0"/>
+                                          </p:stCondLst>
+                                        </p:cTn>
+                                        <p:tgtEl>
+                                          <p:spTgt spid="3">
+                                            <p:txEl>
+                                              <p:pRg st="3" end="3"/>
+                                            </p:txEl>
+                                          </p:spTgt>
+                                        </p:tgtEl>
+                                        <p:attrNameLst>
+                                          <p:attrName>style.visibility</p:attrName>
+                                        </p:attrNameLst>
+                                      </p:cBhvr>
+                                      <p:to>
+                                        <p:strVal val="visible"/>
+                                      </p:to>
+                                    </p:set>
+                                  </p:childTnLst>
+                                </p:cTn>
+                              </p:par>
+                            </p:childTnLst>
+                          </p:cTn>
+                        </p:par>
+                      </p:childTnLst>
+                    </p:cTn>
+                  </p:par>
+                  <p:par>
+                    <p:cTn id="19" fill="hold">
+                      <p:stCondLst>
+                        <p:cond delay="indefinite"/>
+                      </p:stCondLst>
+                      <p:childTnLst>
+                        <p:par>
+                          <p:cTn id="20" fill="hold">
+                            <p:stCondLst>
+                              <p:cond delay="0"/>
+                            </p:stCondLst>
+                            <p:childTnLst>
+                              <p:par>
+                                <p:cTn id="21" presetID="1" presetClass="entr" presetSubtype="0" fill="hold" nodeType="clickEffect">
+                                  <p:stCondLst>
+                                    <p:cond delay="0"/>
+                                  </p:stCondLst>
+                                  <p:childTnLst>
+                                    <p:set>
+                                      <p:cBhvr>
+                                        <p:cTn id="22" dur="1" fill="hold">
+                                          <p:stCondLst>
+                                            <p:cond delay="0"/>
+                                          </p:stCondLst>
+                                        </p:cTn>
+                                        <p:tgtEl>
+                                          <p:spTgt spid="3">
+                                            <p:txEl>
+                                              <p:pRg st="4" end="4"/>
+                                            </p:txEl>
+                                          </p:spTgt>
+                                        </p:tgtEl>
+                                        <p:attrNameLst>
+                                          <p:attrName>style.visibility</p:attrName>
+                                        </p:attrNameLst>
+                                      </p:cBhvr>
+                                      <p:to>
+                                        <p:strVal val="visible"/>
+                                      </p:to>
+                                    </p:set>
+                                  </p:childTnLst>
+                                </p:cTn>
+                              </p:par>
+                            </p:childTnLst>
+                          </p:cTn>
+                        </p:par>
+                      </p:childTnLst>
+                    </p:cTn>
+                  </p:par>
+                  <p:par>
+                    <p:cTn id="23" fill="hold">
+                      <p:stCondLst>
+                        <p:cond delay="indefinite"/>
+                      </p:stCondLst>
+                      <p:childTnLst>
+                        <p:par>
+                          <p:cTn id="24" fill="hold">
+                            <p:stCondLst>
+                              <p:cond delay="0"/>
+                            </p:stCondLst>
+                            <p:childTnLst>
+                              <p:par>
+                                <p:cTn id="25" presetID="1" presetClass="entr" presetSubtype="0" fill="hold" nodeType="clickEffect">
+                                  <p:stCondLst>
+                                    <p:cond delay="0"/>
+                                  </p:stCondLst>
+                                  <p:childTnLst>
+                                    <p:set>
+                                      <p:cBhvr>
+                                        <p:cTn id="26" dur="1" fill="hold">
+                                          <p:stCondLst>
+                                            <p:cond delay="0"/>
+                                          </p:stCondLst>
+                                        </p:cTn>
+                                        <p:tgtEl>
+                                          <p:spTgt spid="3">
+                                            <p:txEl>
+                                              <p:pRg st="5" end="5"/>
+                                            </p:txEl>
+                                          </p:spTgt>
+                                        </p:tgtEl>
+                                        <p:attrNameLst>
+                                          <p:attrName>style.visibility</p:attrName>
+                                        </p:attrNameLst>
+                                      </p:cBhvr>
+                                      <p:to>
+                                        <p:strVal val="visible"/>
+                                      </p:to>
+                                    </p:set>
+                                  </p:childTnLst>
+                                </p:cTn>
+                              </p:par>
+                            </p:childTnLst>
+                          </p:cTn>
+                        </p:par>
+                      </p:childTnLst>
+                    </p:cTn>
+                  </p:par>
+                  <p:par>
+                    <p:cTn id="27" fill="hold">
+                      <p:stCondLst>
+                        <p:cond delay="indefinite"/>
+                      </p:stCondLst>
+                      <p:childTnLst>
+                        <p:par>
+                          <p:cTn id="28" fill="hold">
+                            <p:stCondLst>
+                              <p:cond delay="0"/>
+                            </p:stCondLst>
+                            <p:childTnLst>
+                              <p:par>
+                                <p:cTn id="29" presetID="1" presetClass="entr" presetSubtype="0" fill="hold" nodeType="clickEffect">
+                                  <p:stCondLst>
+                                    <p:cond delay="0"/>
+                                  </p:stCondLst>
+                                  <p:childTnLst>
+                                    <p:set>
+                                      <p:cBhvr>
+                                        <p:cTn id="30" dur="1" fill="hold">
+                                          <p:stCondLst>
+                                            <p:cond delay="0"/>
+                                          </p:stCondLst>
+                                        </p:cTn>
+                                        <p:tgtEl>
+                                          <p:spTgt spid="3">
+                                            <p:txEl>
+                                              <p:pRg st="6" end="6"/>
+                                            </p:txEl>
+                                          </p:spTgt>
+                                        </p:tgtEl>
+                                        <p:attrNameLst>
+                                          <p:attrName>style.visibility</p:attrName>
+                                        </p:attrNameLst>
+                                      </p:cBhvr>
+                                      <p:to>
+                                        <p:strVal val="visible"/>
+                                      </p:to>
+                                    </p:set>
+                                  </p:childTnLst>
+                                </p:cTn>
+                              </p:par>
+                            </p:childTnLst>
+                          </p:cTn>
+                        </p:par>
+                      </p:childTnLst>
+                    </p:cTn>
+                  </p:par>
+                  <p:par>
+                    <p:cTn id="31" fill="hold">
+                      <p:stCondLst>
+                        <p:cond delay="indefinite"/>
+                      </p:stCondLst>
+                      <p:childTnLst>
+                        <p:par>
+                          <p:cTn id="32" fill="hold">
+                            <p:stCondLst>
+                              <p:cond delay="0"/>
+                            </p:stCondLst>
+                            <p:childTnLst>
+                              <p:par>
+                                <p:cTn id="33" presetID="1" presetClass="entr" presetSubtype="0" fill="hold" nodeType="clickEffect">
+                                  <p:stCondLst>
+                                    <p:cond delay="0"/>
+                                  </p:stCondLst>
+                                  <p:childTnLst>
+                                    <p:set>
+                                      <p:cBhvr>
+                                        <p:cTn id="34" dur="1" fill="hold">
+                                          <p:stCondLst>
+                                            <p:cond delay="0"/>
+                                          </p:stCondLst>
+                                        </p:cTn>
+                                        <p:tgtEl>
+                                          <p:spTgt spid="3">
+                                            <p:txEl>
+                                              <p:pRg st="7" end="7"/>
+                                            </p:txEl>
+                                          </p:spTgt>
+                                        </p:tgtEl>
+                                        <p:attrNameLst>
+                                          <p:attrName>style.visibility</p:attrName>
+                                        </p:attrNameLst>
+                                      </p:cBhvr>
+                                      <p:to>
+                                        <p:strVal val="visible"/>
+                                      </p:to>
+                                    </p:set>
+                                  </p:childTnLst>
+                                </p:cTn>
+                              </p:par>
+                            </p:childTnLst>
+                          </p:cTn>
+                        </p:par>
+                      </p:childTnLst>
+                    </p:cTn>
+                  </p:par>
+                  <p:par>
+                    <p:cTn id="35" fill="hold">
+                      <p:stCondLst>
+                        <p:cond delay="indefinite"/>
+                      </p:stCondLst>
+                      <p:childTnLst>
+                        <p:par>
+                          <p:cTn id="36" fill="hold">
+                            <p:stCondLst>
+                              <p:cond delay="0"/>
+                            </p:stCondLst>
+                            <p:childTnLst>
+                              <p:par>
+                                <p:cTn id="37" presetID="1" presetClass="entr" presetSubtype="0" fill="hold" nodeType="clickEffect">
+                                  <p:stCondLst>
+                                    <p:cond delay="0"/>
+                                  </p:stCondLst>
+                                  <p:childTnLst>
+                                    <p:set>
+                                      <p:cBhvr>
+                                        <p:cTn id="38" dur="1" fill="hold">
+                                          <p:stCondLst>
+                                            <p:cond delay="0"/>
+                                          </p:stCondLst>
+                                        </p:cTn>
+                                        <p:tgtEl>
+                                          <p:spTgt spid="3">
+                                            <p:txEl>
+                                              <p:pRg st="8" end="8"/>
+                                            </p:txEl>
+                                          </p:spTgt>
+                                        </p:tgtEl>
+                                        <p:attrNameLst>
+                                          <p:attrName>style.visibility</p:attrName>
+                                        </p:attrNameLst>
+                                      </p:cBhvr>
+                                      <p:to>
+                                        <p:strVal val="visible"/>
+                                      </p:to>
+                                    </p:set>
+                                  </p:childTnLst>
+                                </p:cTn>
+                              </p:par>
+                            </p:childTnLst>
+                          </p:cTn>
+                        </p:par>
+                      </p:childTnLst>
+                    </p:cTn>
+                  </p:par>
+                  <p:par>
+                    <p:cTn id="39" fill="hold">
+                      <p:stCondLst>
+                        <p:cond delay="indefinite"/>
+                      </p:stCondLst>
+                      <p:childTnLst>
+                        <p:par>
+                          <p:cTn id="40" fill="hold">
+                            <p:stCondLst>
+                              <p:cond delay="0"/>
+                            </p:stCondLst>
+                            <p:childTnLst>
+                              <p:par>
+                                <p:cTn id="41" presetID="1" presetClass="entr" presetSubtype="0" fill="hold" nodeType="clickEffect">
+                                  <p:stCondLst>
+                                    <p:cond delay="0"/>
+                                  </p:stCondLst>
+                                  <p:childTnLst>
+                                    <p:set>
+                                      <p:cBhvr>
+                                        <p:cTn id="42" dur="1" fill="hold">
+                                          <p:stCondLst>
+                                            <p:cond delay="0"/>
+                                          </p:stCondLst>
+                                        </p:cTn>
+                                        <p:tgtEl>
+                                          <p:spTgt spid="3">
+                                            <p:txEl>
+                                              <p:pRg st="9" end="9"/>
+                                            </p:txEl>
+                                          </p:spTgt>
+                                        </p:tgtEl>
+                                        <p:attrNameLst>
+                                          <p:attrName>style.visibility</p:attrName>
+                                        </p:attrNameLst>
+                                      </p:cBhvr>
+                                      <p:to>
+                                        <p:strVal val="visible"/>
+                                      </p:to>
+                                    </p:set>
+                                  </p:childTnLst>
+                                </p:cTn>
+                              </p:par>
+                            </p:childTnLst>
+                          </p:cTn>
+                        </p:par>
+                      </p:childTnLst>
+                    </p:cTn>
+                  </p:par>
+                  <p:par>
+                    <p:cTn id="43" fill="hold">
+                      <p:stCondLst>
+                        <p:cond delay="indefinite"/>
+                      </p:stCondLst>
+                      <p:childTnLst>
+                        <p:par>
+                          <p:cTn id="44" fill="hold">
+                            <p:stCondLst>
+                              <p:cond delay="0"/>
+                            </p:stCondLst>
+                            <p:childTnLst>
+                              <p:par>
+                                <p:cTn id="45" presetID="1" presetClass="entr" presetSubtype="0" fill="hold" nodeType="clickEffect">
+                                  <p:stCondLst>
+                                    <p:cond delay="0"/>
+                                  </p:stCondLst>
+                                  <p:childTnLst>
+                                    <p:set>
+                                      <p:cBhvr>
+                                        <p:cTn id="46" dur="1" fill="hold">
+                                          <p:stCondLst>
+                                            <p:cond delay="0"/>
+                                          </p:stCondLst>
+                                        </p:cTn>
+                                        <p:tgtEl>
+                                          <p:spTgt spid="3">
+                                            <p:txEl>
+                                              <p:pRg st="10" end="10"/>
+                                            </p:txEl>
+                                          </p:spTgt>
+                                        </p:tgtEl>
+                                        <p:attrNameLst>
+                                          <p:attrName>style.visibility</p:attrName>
+                                        </p:attrNameLst>
+                                      </p:cBhvr>
+                                      <p:to>
+                                        <p:strVal val="visible"/>
+                                      </p:to>
+                                    </p:set>
+                                  </p:childTnLst>
+                                </p:cTn>
+                              </p:par>
+                            </p:childTnLst>
+                          </p:cTn>
+                        </p:par>
+                      </p:childTnLst>
+                    </p:cTn>
+                  </p:par>
+                </p:childTnLst>
+              </p:cTn>
+              <p:prevCondLst>
+                <p:cond evt="onPrev" delay="0">
+                  <p:tgtEl>
+                    <p:sldTgt/>
+                  </p:tgtEl>
+                </p:cond>
+              </p:prevCondLst>
+              <p:nextCondLst>
+                <p:cond evt="onNext" delay="0">
+                  <p:tgtEl>
+                    <p:sldTgt/>
+                  </p:tgtEl>
+                </p:cond>
+              </p:nextCondLst>
+            </p:seq>
+          </p:childTnLst>
+        </p:cTn>
+      </p:par>
+    </p:tnLst>
+  </p:timing>
 </p:sld>
 </file>
 
@@ -11859,7 +14940,7 @@
           <p:cNvPr id="2" name="Title 1">
             <a:extLst>
               <a:ext uri="{FF2B5EF4-FFF2-40B4-BE49-F238E27FC236}">
-                <a16:creationId xmlns:a16="http://schemas.microsoft.com/office/drawing/2014/main" id="{39935921-97A0-432D-840E-BB90ADDAA761}"/>
+                <a16:creationId xmlns:a16="http://schemas.microsoft.com/office/drawing/2014/main" id="{7EB7EB81-8FFB-4B59-8FF0-8C831A31F65E}"/>
               </a:ext>
             </a:extLst>
           </p:cNvPr>
@@ -11877,7 +14958,7 @@
           <a:p>
             <a:r>
               <a:rPr lang="en-GB" dirty="0"/>
-              <a:t>Bibliography</a:t>
+              <a:t>Initial ideas</a:t>
             </a:r>
           </a:p>
         </p:txBody>
@@ -11887,7 +14968,7 @@
           <p:cNvPr id="3" name="Content Placeholder 2">
             <a:extLst>
               <a:ext uri="{FF2B5EF4-FFF2-40B4-BE49-F238E27FC236}">
-                <a16:creationId xmlns:a16="http://schemas.microsoft.com/office/drawing/2014/main" id="{7FC6D601-1E5D-4448-93DE-F5BCD3ECCC27}"/>
+                <a16:creationId xmlns:a16="http://schemas.microsoft.com/office/drawing/2014/main" id="{C63F67DE-3A94-4F78-8FDD-49277B0E6DB5}"/>
               </a:ext>
             </a:extLst>
           </p:cNvPr>
@@ -11901,45 +14982,64 @@
         <p:spPr/>
         <p:txBody>
           <a:bodyPr>
-            <a:normAutofit/>
+            <a:normAutofit lnSpcReduction="10000"/>
           </a:bodyPr>
           <a:lstStyle/>
           <a:p>
-            <a:pPr marL="0" indent="0">
-              <a:buNone/>
-            </a:pPr>
-            <a:r>
-              <a:rPr lang="en-US" sz="1800" dirty="0"/>
-              <a:t>[1] T. H. Nelson, "Complex information processing: a file structure for the complex, the changing and the indeterminate," in </a:t>
-            </a:r>
-            <a:r>
-              <a:rPr lang="en-US" sz="1800" i="1" dirty="0"/>
-              <a:t>ACM '65: Proceedings of the 1965 20th national conference</a:t>
-            </a:r>
-            <a:r>
-              <a:rPr lang="en-US" sz="1800" dirty="0"/>
-              <a:t>, New York, NY, 1965.</a:t>
-            </a:r>
-          </a:p>
-          <a:p>
-            <a:pPr marL="0" indent="0">
-              <a:buNone/>
-            </a:pPr>
-            <a:r>
-              <a:rPr lang="en-US" sz="1800" dirty="0"/>
-              <a:t>[2] </a:t>
-            </a:r>
-            <a:r>
-              <a:rPr lang="en-GB" sz="1800" dirty="0"/>
-              <a:t>D. E. Millard, "Games/Hypertext," in </a:t>
-            </a:r>
-            <a:r>
-              <a:rPr lang="en-GB" sz="1800" i="1" dirty="0"/>
-              <a:t>Proceedings of the 31st ACM Conference on Hypertext and Social Media</a:t>
-            </a:r>
-            <a:r>
-              <a:rPr lang="en-GB" sz="1800" dirty="0"/>
-              <a:t>, Virtual Event, 2020</a:t>
+            <a:r>
+              <a:rPr lang="en-GB" dirty="0"/>
+              <a:t>During research, found out that ‘</a:t>
+            </a:r>
+            <a:r>
+              <a:rPr lang="en-US" dirty="0"/>
+              <a:t>the cycle, … is the central hypertext structure’[3]</a:t>
+            </a:r>
+          </a:p>
+          <a:p>
+            <a:pPr lvl="1"/>
+            <a:r>
+              <a:rPr lang="en-US" dirty="0"/>
+              <a:t>Considered making a game with an overall cyclical structure</a:t>
+            </a:r>
+          </a:p>
+          <a:p>
+            <a:pPr lvl="1"/>
+            <a:r>
+              <a:rPr lang="en-US" dirty="0"/>
+              <a:t>‘Stuck in a time loop’ trope seemed appropriate</a:t>
+            </a:r>
+          </a:p>
+          <a:p>
+            <a:pPr lvl="1"/>
+            <a:r>
+              <a:rPr lang="en-US" dirty="0"/>
+              <a:t>Ideas of parallel universes and a time bomb felt like a good fit for that</a:t>
+            </a:r>
+          </a:p>
+          <a:p>
+            <a:r>
+              <a:rPr lang="en-US" dirty="0"/>
+              <a:t>Initially considered having a cast of potential suspects, player would have to eliminate each suspect one by one (dying multiple times) to find the culprit</a:t>
+            </a:r>
+          </a:p>
+          <a:p>
+            <a:pPr lvl="1"/>
+            <a:r>
+              <a:rPr lang="en-US" dirty="0"/>
+              <a:t>End result was somewhat different</a:t>
+            </a:r>
+          </a:p>
+          <a:p>
+            <a:r>
+              <a:rPr lang="en-US" dirty="0"/>
+              <a:t>Invited to a secret pseudoscience-y research lab as a test subject.</a:t>
+            </a:r>
+          </a:p>
+          <a:p>
+            <a:pPr lvl="1"/>
+            <a:r>
+              <a:rPr lang="en-US" dirty="0"/>
+              <a:t>Chaos ensues.</a:t>
             </a:r>
           </a:p>
         </p:txBody>
@@ -11947,7 +15047,2021 @@
     </p:spTree>
     <p:extLst>
       <p:ext uri="{BB962C8B-B14F-4D97-AF65-F5344CB8AC3E}">
-        <p14:creationId xmlns:p14="http://schemas.microsoft.com/office/powerpoint/2010/main" val="2935096448"/>
+        <p14:creationId xmlns:p14="http://schemas.microsoft.com/office/powerpoint/2010/main" val="2042784965"/>
+      </p:ext>
+    </p:extLst>
+  </p:cSld>
+  <p:clrMapOvr>
+    <a:masterClrMapping/>
+  </p:clrMapOvr>
+  <p:timing>
+    <p:tnLst>
+      <p:par>
+        <p:cTn id="1" dur="indefinite" restart="never" nodeType="tmRoot">
+          <p:childTnLst>
+            <p:seq concurrent="1" nextAc="seek">
+              <p:cTn id="2" dur="indefinite" nodeType="mainSeq">
+                <p:childTnLst>
+                  <p:par>
+                    <p:cTn id="3" fill="hold">
+                      <p:stCondLst>
+                        <p:cond delay="indefinite"/>
+                      </p:stCondLst>
+                      <p:childTnLst>
+                        <p:par>
+                          <p:cTn id="4" fill="hold">
+                            <p:stCondLst>
+                              <p:cond delay="0"/>
+                            </p:stCondLst>
+                            <p:childTnLst>
+                              <p:par>
+                                <p:cTn id="5" presetID="1" presetClass="entr" presetSubtype="0" fill="hold" nodeType="clickEffect">
+                                  <p:stCondLst>
+                                    <p:cond delay="0"/>
+                                  </p:stCondLst>
+                                  <p:childTnLst>
+                                    <p:set>
+                                      <p:cBhvr>
+                                        <p:cTn id="6" dur="1" fill="hold">
+                                          <p:stCondLst>
+                                            <p:cond delay="0"/>
+                                          </p:stCondLst>
+                                        </p:cTn>
+                                        <p:tgtEl>
+                                          <p:spTgt spid="3">
+                                            <p:txEl>
+                                              <p:pRg st="0" end="0"/>
+                                            </p:txEl>
+                                          </p:spTgt>
+                                        </p:tgtEl>
+                                        <p:attrNameLst>
+                                          <p:attrName>style.visibility</p:attrName>
+                                        </p:attrNameLst>
+                                      </p:cBhvr>
+                                      <p:to>
+                                        <p:strVal val="visible"/>
+                                      </p:to>
+                                    </p:set>
+                                  </p:childTnLst>
+                                </p:cTn>
+                              </p:par>
+                            </p:childTnLst>
+                          </p:cTn>
+                        </p:par>
+                      </p:childTnLst>
+                    </p:cTn>
+                  </p:par>
+                  <p:par>
+                    <p:cTn id="7" fill="hold">
+                      <p:stCondLst>
+                        <p:cond delay="indefinite"/>
+                      </p:stCondLst>
+                      <p:childTnLst>
+                        <p:par>
+                          <p:cTn id="8" fill="hold">
+                            <p:stCondLst>
+                              <p:cond delay="0"/>
+                            </p:stCondLst>
+                            <p:childTnLst>
+                              <p:par>
+                                <p:cTn id="9" presetID="1" presetClass="entr" presetSubtype="0" fill="hold" nodeType="clickEffect">
+                                  <p:stCondLst>
+                                    <p:cond delay="0"/>
+                                  </p:stCondLst>
+                                  <p:childTnLst>
+                                    <p:set>
+                                      <p:cBhvr>
+                                        <p:cTn id="10" dur="1" fill="hold">
+                                          <p:stCondLst>
+                                            <p:cond delay="0"/>
+                                          </p:stCondLst>
+                                        </p:cTn>
+                                        <p:tgtEl>
+                                          <p:spTgt spid="3">
+                                            <p:txEl>
+                                              <p:pRg st="1" end="1"/>
+                                            </p:txEl>
+                                          </p:spTgt>
+                                        </p:tgtEl>
+                                        <p:attrNameLst>
+                                          <p:attrName>style.visibility</p:attrName>
+                                        </p:attrNameLst>
+                                      </p:cBhvr>
+                                      <p:to>
+                                        <p:strVal val="visible"/>
+                                      </p:to>
+                                    </p:set>
+                                  </p:childTnLst>
+                                </p:cTn>
+                              </p:par>
+                            </p:childTnLst>
+                          </p:cTn>
+                        </p:par>
+                      </p:childTnLst>
+                    </p:cTn>
+                  </p:par>
+                  <p:par>
+                    <p:cTn id="11" fill="hold">
+                      <p:stCondLst>
+                        <p:cond delay="indefinite"/>
+                      </p:stCondLst>
+                      <p:childTnLst>
+                        <p:par>
+                          <p:cTn id="12" fill="hold">
+                            <p:stCondLst>
+                              <p:cond delay="0"/>
+                            </p:stCondLst>
+                            <p:childTnLst>
+                              <p:par>
+                                <p:cTn id="13" presetID="1" presetClass="entr" presetSubtype="0" fill="hold" nodeType="clickEffect">
+                                  <p:stCondLst>
+                                    <p:cond delay="0"/>
+                                  </p:stCondLst>
+                                  <p:childTnLst>
+                                    <p:set>
+                                      <p:cBhvr>
+                                        <p:cTn id="14" dur="1" fill="hold">
+                                          <p:stCondLst>
+                                            <p:cond delay="0"/>
+                                          </p:stCondLst>
+                                        </p:cTn>
+                                        <p:tgtEl>
+                                          <p:spTgt spid="3">
+                                            <p:txEl>
+                                              <p:pRg st="2" end="2"/>
+                                            </p:txEl>
+                                          </p:spTgt>
+                                        </p:tgtEl>
+                                        <p:attrNameLst>
+                                          <p:attrName>style.visibility</p:attrName>
+                                        </p:attrNameLst>
+                                      </p:cBhvr>
+                                      <p:to>
+                                        <p:strVal val="visible"/>
+                                      </p:to>
+                                    </p:set>
+                                  </p:childTnLst>
+                                </p:cTn>
+                              </p:par>
+                            </p:childTnLst>
+                          </p:cTn>
+                        </p:par>
+                      </p:childTnLst>
+                    </p:cTn>
+                  </p:par>
+                  <p:par>
+                    <p:cTn id="15" fill="hold">
+                      <p:stCondLst>
+                        <p:cond delay="indefinite"/>
+                      </p:stCondLst>
+                      <p:childTnLst>
+                        <p:par>
+                          <p:cTn id="16" fill="hold">
+                            <p:stCondLst>
+                              <p:cond delay="0"/>
+                            </p:stCondLst>
+                            <p:childTnLst>
+                              <p:par>
+                                <p:cTn id="17" presetID="1" presetClass="entr" presetSubtype="0" fill="hold" nodeType="clickEffect">
+                                  <p:stCondLst>
+                                    <p:cond delay="0"/>
+                                  </p:stCondLst>
+                                  <p:childTnLst>
+                                    <p:set>
+                                      <p:cBhvr>
+                                        <p:cTn id="18" dur="1" fill="hold">
+                                          <p:stCondLst>
+                                            <p:cond delay="0"/>
+                                          </p:stCondLst>
+                                        </p:cTn>
+                                        <p:tgtEl>
+                                          <p:spTgt spid="3">
+                                            <p:txEl>
+                                              <p:pRg st="3" end="3"/>
+                                            </p:txEl>
+                                          </p:spTgt>
+                                        </p:tgtEl>
+                                        <p:attrNameLst>
+                                          <p:attrName>style.visibility</p:attrName>
+                                        </p:attrNameLst>
+                                      </p:cBhvr>
+                                      <p:to>
+                                        <p:strVal val="visible"/>
+                                      </p:to>
+                                    </p:set>
+                                  </p:childTnLst>
+                                </p:cTn>
+                              </p:par>
+                            </p:childTnLst>
+                          </p:cTn>
+                        </p:par>
+                      </p:childTnLst>
+                    </p:cTn>
+                  </p:par>
+                  <p:par>
+                    <p:cTn id="19" fill="hold">
+                      <p:stCondLst>
+                        <p:cond delay="indefinite"/>
+                      </p:stCondLst>
+                      <p:childTnLst>
+                        <p:par>
+                          <p:cTn id="20" fill="hold">
+                            <p:stCondLst>
+                              <p:cond delay="0"/>
+                            </p:stCondLst>
+                            <p:childTnLst>
+                              <p:par>
+                                <p:cTn id="21" presetID="1" presetClass="entr" presetSubtype="0" fill="hold" nodeType="clickEffect">
+                                  <p:stCondLst>
+                                    <p:cond delay="0"/>
+                                  </p:stCondLst>
+                                  <p:childTnLst>
+                                    <p:set>
+                                      <p:cBhvr>
+                                        <p:cTn id="22" dur="1" fill="hold">
+                                          <p:stCondLst>
+                                            <p:cond delay="0"/>
+                                          </p:stCondLst>
+                                        </p:cTn>
+                                        <p:tgtEl>
+                                          <p:spTgt spid="3">
+                                            <p:txEl>
+                                              <p:pRg st="4" end="4"/>
+                                            </p:txEl>
+                                          </p:spTgt>
+                                        </p:tgtEl>
+                                        <p:attrNameLst>
+                                          <p:attrName>style.visibility</p:attrName>
+                                        </p:attrNameLst>
+                                      </p:cBhvr>
+                                      <p:to>
+                                        <p:strVal val="visible"/>
+                                      </p:to>
+                                    </p:set>
+                                  </p:childTnLst>
+                                </p:cTn>
+                              </p:par>
+                            </p:childTnLst>
+                          </p:cTn>
+                        </p:par>
+                      </p:childTnLst>
+                    </p:cTn>
+                  </p:par>
+                  <p:par>
+                    <p:cTn id="23" fill="hold">
+                      <p:stCondLst>
+                        <p:cond delay="indefinite"/>
+                      </p:stCondLst>
+                      <p:childTnLst>
+                        <p:par>
+                          <p:cTn id="24" fill="hold">
+                            <p:stCondLst>
+                              <p:cond delay="0"/>
+                            </p:stCondLst>
+                            <p:childTnLst>
+                              <p:par>
+                                <p:cTn id="25" presetID="1" presetClass="entr" presetSubtype="0" fill="hold" nodeType="clickEffect">
+                                  <p:stCondLst>
+                                    <p:cond delay="0"/>
+                                  </p:stCondLst>
+                                  <p:childTnLst>
+                                    <p:set>
+                                      <p:cBhvr>
+                                        <p:cTn id="26" dur="1" fill="hold">
+                                          <p:stCondLst>
+                                            <p:cond delay="0"/>
+                                          </p:stCondLst>
+                                        </p:cTn>
+                                        <p:tgtEl>
+                                          <p:spTgt spid="3">
+                                            <p:txEl>
+                                              <p:pRg st="5" end="5"/>
+                                            </p:txEl>
+                                          </p:spTgt>
+                                        </p:tgtEl>
+                                        <p:attrNameLst>
+                                          <p:attrName>style.visibility</p:attrName>
+                                        </p:attrNameLst>
+                                      </p:cBhvr>
+                                      <p:to>
+                                        <p:strVal val="visible"/>
+                                      </p:to>
+                                    </p:set>
+                                  </p:childTnLst>
+                                </p:cTn>
+                              </p:par>
+                            </p:childTnLst>
+                          </p:cTn>
+                        </p:par>
+                      </p:childTnLst>
+                    </p:cTn>
+                  </p:par>
+                  <p:par>
+                    <p:cTn id="27" fill="hold">
+                      <p:stCondLst>
+                        <p:cond delay="indefinite"/>
+                      </p:stCondLst>
+                      <p:childTnLst>
+                        <p:par>
+                          <p:cTn id="28" fill="hold">
+                            <p:stCondLst>
+                              <p:cond delay="0"/>
+                            </p:stCondLst>
+                            <p:childTnLst>
+                              <p:par>
+                                <p:cTn id="29" presetID="1" presetClass="entr" presetSubtype="0" fill="hold" nodeType="clickEffect">
+                                  <p:stCondLst>
+                                    <p:cond delay="0"/>
+                                  </p:stCondLst>
+                                  <p:childTnLst>
+                                    <p:set>
+                                      <p:cBhvr>
+                                        <p:cTn id="30" dur="1" fill="hold">
+                                          <p:stCondLst>
+                                            <p:cond delay="0"/>
+                                          </p:stCondLst>
+                                        </p:cTn>
+                                        <p:tgtEl>
+                                          <p:spTgt spid="3">
+                                            <p:txEl>
+                                              <p:pRg st="6" end="6"/>
+                                            </p:txEl>
+                                          </p:spTgt>
+                                        </p:tgtEl>
+                                        <p:attrNameLst>
+                                          <p:attrName>style.visibility</p:attrName>
+                                        </p:attrNameLst>
+                                      </p:cBhvr>
+                                      <p:to>
+                                        <p:strVal val="visible"/>
+                                      </p:to>
+                                    </p:set>
+                                  </p:childTnLst>
+                                </p:cTn>
+                              </p:par>
+                            </p:childTnLst>
+                          </p:cTn>
+                        </p:par>
+                      </p:childTnLst>
+                    </p:cTn>
+                  </p:par>
+                  <p:par>
+                    <p:cTn id="31" fill="hold">
+                      <p:stCondLst>
+                        <p:cond delay="indefinite"/>
+                      </p:stCondLst>
+                      <p:childTnLst>
+                        <p:par>
+                          <p:cTn id="32" fill="hold">
+                            <p:stCondLst>
+                              <p:cond delay="0"/>
+                            </p:stCondLst>
+                            <p:childTnLst>
+                              <p:par>
+                                <p:cTn id="33" presetID="1" presetClass="entr" presetSubtype="0" fill="hold" nodeType="clickEffect">
+                                  <p:stCondLst>
+                                    <p:cond delay="0"/>
+                                  </p:stCondLst>
+                                  <p:childTnLst>
+                                    <p:set>
+                                      <p:cBhvr>
+                                        <p:cTn id="34" dur="1" fill="hold">
+                                          <p:stCondLst>
+                                            <p:cond delay="0"/>
+                                          </p:stCondLst>
+                                        </p:cTn>
+                                        <p:tgtEl>
+                                          <p:spTgt spid="3">
+                                            <p:txEl>
+                                              <p:pRg st="7" end="7"/>
+                                            </p:txEl>
+                                          </p:spTgt>
+                                        </p:tgtEl>
+                                        <p:attrNameLst>
+                                          <p:attrName>style.visibility</p:attrName>
+                                        </p:attrNameLst>
+                                      </p:cBhvr>
+                                      <p:to>
+                                        <p:strVal val="visible"/>
+                                      </p:to>
+                                    </p:set>
+                                  </p:childTnLst>
+                                </p:cTn>
+                              </p:par>
+                            </p:childTnLst>
+                          </p:cTn>
+                        </p:par>
+                      </p:childTnLst>
+                    </p:cTn>
+                  </p:par>
+                </p:childTnLst>
+              </p:cTn>
+              <p:prevCondLst>
+                <p:cond evt="onPrev" delay="0">
+                  <p:tgtEl>
+                    <p:sldTgt/>
+                  </p:tgtEl>
+                </p:cond>
+              </p:prevCondLst>
+              <p:nextCondLst>
+                <p:cond evt="onNext" delay="0">
+                  <p:tgtEl>
+                    <p:sldTgt/>
+                  </p:tgtEl>
+                </p:cond>
+              </p:nextCondLst>
+            </p:seq>
+          </p:childTnLst>
+        </p:cTn>
+      </p:par>
+    </p:tnLst>
+  </p:timing>
+</p:sld>
+</file>
+
+<file path=ppt/slides/slide15.xml><?xml version="1.0" encoding="utf-8"?>
+<p:sld xmlns:a="http://schemas.openxmlformats.org/drawingml/2006/main" xmlns:r="http://schemas.openxmlformats.org/officeDocument/2006/relationships" xmlns:p="http://schemas.openxmlformats.org/presentationml/2006/main">
+  <p:cSld>
+    <p:spTree>
+      <p:nvGrpSpPr>
+        <p:cNvPr id="1" name=""/>
+        <p:cNvGrpSpPr/>
+        <p:nvPr/>
+      </p:nvGrpSpPr>
+      <p:grpSpPr>
+        <a:xfrm>
+          <a:off x="0" y="0"/>
+          <a:ext cx="0" cy="0"/>
+          <a:chOff x="0" y="0"/>
+          <a:chExt cx="0" cy="0"/>
+        </a:xfrm>
+      </p:grpSpPr>
+      <p:sp>
+        <p:nvSpPr>
+          <p:cNvPr id="2" name="Title 1">
+            <a:extLst>
+              <a:ext uri="{FF2B5EF4-FFF2-40B4-BE49-F238E27FC236}">
+                <a16:creationId xmlns:a16="http://schemas.microsoft.com/office/drawing/2014/main" id="{ED6E77FB-CF3C-4F9D-A6B1-95653568990D}"/>
+              </a:ext>
+            </a:extLst>
+          </p:cNvPr>
+          <p:cNvSpPr>
+            <a:spLocks noGrp="1"/>
+          </p:cNvSpPr>
+          <p:nvPr>
+            <p:ph type="title"/>
+          </p:nvPr>
+        </p:nvSpPr>
+        <p:spPr/>
+        <p:txBody>
+          <a:bodyPr/>
+          <a:lstStyle/>
+          <a:p>
+            <a:r>
+              <a:rPr lang="en-GB" dirty="0"/>
+              <a:t>Overall structure of the game</a:t>
+            </a:r>
+          </a:p>
+        </p:txBody>
+      </p:sp>
+      <p:pic>
+        <p:nvPicPr>
+          <p:cNvPr id="5" name="Content Placeholder 4">
+            <a:extLst>
+              <a:ext uri="{FF2B5EF4-FFF2-40B4-BE49-F238E27FC236}">
+                <a16:creationId xmlns:a16="http://schemas.microsoft.com/office/drawing/2014/main" id="{3F410F9D-D307-4816-B9AE-8D759D68CDDB}"/>
+              </a:ext>
+            </a:extLst>
+          </p:cNvPr>
+          <p:cNvPicPr>
+            <a:picLocks noGrp="1" noChangeAspect="1"/>
+          </p:cNvPicPr>
+          <p:nvPr>
+            <p:ph idx="1"/>
+          </p:nvPr>
+        </p:nvPicPr>
+        <p:blipFill>
+          <a:blip r:embed="rId3">
+            <a:extLst>
+              <a:ext uri="{28A0092B-C50C-407E-A947-70E740481C1C}">
+                <a14:useLocalDpi xmlns:a14="http://schemas.microsoft.com/office/drawing/2010/main" val="0"/>
+              </a:ext>
+            </a:extLst>
+          </a:blip>
+          <a:stretch>
+            <a:fillRect/>
+          </a:stretch>
+        </p:blipFill>
+        <p:spPr>
+          <a:xfrm>
+            <a:off x="579475" y="365125"/>
+            <a:ext cx="11033050" cy="6356791"/>
+          </a:xfrm>
+        </p:spPr>
+      </p:pic>
+    </p:spTree>
+    <p:extLst>
+      <p:ext uri="{BB962C8B-B14F-4D97-AF65-F5344CB8AC3E}">
+        <p14:creationId xmlns:p14="http://schemas.microsoft.com/office/powerpoint/2010/main" val="1118019533"/>
+      </p:ext>
+    </p:extLst>
+  </p:cSld>
+  <p:clrMapOvr>
+    <a:masterClrMapping/>
+  </p:clrMapOvr>
+  <p:timing>
+    <p:tnLst>
+      <p:par>
+        <p:cTn id="1" dur="indefinite" restart="never" nodeType="tmRoot">
+          <p:childTnLst>
+            <p:seq concurrent="1" nextAc="seek">
+              <p:cTn id="2" dur="indefinite" nodeType="mainSeq">
+                <p:childTnLst>
+                  <p:par>
+                    <p:cTn id="3" fill="hold">
+                      <p:stCondLst>
+                        <p:cond delay="indefinite"/>
+                      </p:stCondLst>
+                      <p:childTnLst>
+                        <p:par>
+                          <p:cTn id="4" fill="hold">
+                            <p:stCondLst>
+                              <p:cond delay="0"/>
+                            </p:stCondLst>
+                            <p:childTnLst>
+                              <p:par>
+                                <p:cTn id="5" presetID="1" presetClass="entr" presetSubtype="0" fill="hold" nodeType="clickEffect">
+                                  <p:stCondLst>
+                                    <p:cond delay="0"/>
+                                  </p:stCondLst>
+                                  <p:childTnLst>
+                                    <p:set>
+                                      <p:cBhvr>
+                                        <p:cTn id="6" dur="1" fill="hold">
+                                          <p:stCondLst>
+                                            <p:cond delay="0"/>
+                                          </p:stCondLst>
+                                        </p:cTn>
+                                        <p:tgtEl>
+                                          <p:spTgt spid="5"/>
+                                        </p:tgtEl>
+                                        <p:attrNameLst>
+                                          <p:attrName>style.visibility</p:attrName>
+                                        </p:attrNameLst>
+                                      </p:cBhvr>
+                                      <p:to>
+                                        <p:strVal val="visible"/>
+                                      </p:to>
+                                    </p:set>
+                                  </p:childTnLst>
+                                </p:cTn>
+                              </p:par>
+                            </p:childTnLst>
+                          </p:cTn>
+                        </p:par>
+                      </p:childTnLst>
+                    </p:cTn>
+                  </p:par>
+                </p:childTnLst>
+              </p:cTn>
+              <p:prevCondLst>
+                <p:cond evt="onPrev" delay="0">
+                  <p:tgtEl>
+                    <p:sldTgt/>
+                  </p:tgtEl>
+                </p:cond>
+              </p:prevCondLst>
+              <p:nextCondLst>
+                <p:cond evt="onNext" delay="0">
+                  <p:tgtEl>
+                    <p:sldTgt/>
+                  </p:tgtEl>
+                </p:cond>
+              </p:nextCondLst>
+            </p:seq>
+          </p:childTnLst>
+        </p:cTn>
+      </p:par>
+    </p:tnLst>
+  </p:timing>
+</p:sld>
+</file>
+
+<file path=ppt/slides/slide16.xml><?xml version="1.0" encoding="utf-8"?>
+<p:sld xmlns:a="http://schemas.openxmlformats.org/drawingml/2006/main" xmlns:r="http://schemas.openxmlformats.org/officeDocument/2006/relationships" xmlns:p="http://schemas.openxmlformats.org/presentationml/2006/main">
+  <p:cSld>
+    <p:spTree>
+      <p:nvGrpSpPr>
+        <p:cNvPr id="1" name=""/>
+        <p:cNvGrpSpPr/>
+        <p:nvPr/>
+      </p:nvGrpSpPr>
+      <p:grpSpPr>
+        <a:xfrm>
+          <a:off x="0" y="0"/>
+          <a:ext cx="0" cy="0"/>
+          <a:chOff x="0" y="0"/>
+          <a:chExt cx="0" cy="0"/>
+        </a:xfrm>
+      </p:grpSpPr>
+      <p:sp>
+        <p:nvSpPr>
+          <p:cNvPr id="2" name="Title 1">
+            <a:extLst>
+              <a:ext uri="{FF2B5EF4-FFF2-40B4-BE49-F238E27FC236}">
+                <a16:creationId xmlns:a16="http://schemas.microsoft.com/office/drawing/2014/main" id="{3187BEA1-54E0-45DF-9D55-A02A5B89EE73}"/>
+              </a:ext>
+            </a:extLst>
+          </p:cNvPr>
+          <p:cNvSpPr>
+            <a:spLocks noGrp="1"/>
+          </p:cNvSpPr>
+          <p:nvPr>
+            <p:ph type="title"/>
+          </p:nvPr>
+        </p:nvSpPr>
+        <p:spPr/>
+        <p:txBody>
+          <a:bodyPr/>
+          <a:lstStyle/>
+          <a:p>
+            <a:r>
+              <a:rPr lang="en-GB" dirty="0"/>
+              <a:t>Conclusions about </a:t>
+            </a:r>
+            <a:r>
+              <a:rPr lang="en-GB" i="1" dirty="0"/>
+              <a:t>Backblast</a:t>
+            </a:r>
+          </a:p>
+        </p:txBody>
+      </p:sp>
+      <p:sp>
+        <p:nvSpPr>
+          <p:cNvPr id="3" name="Text Placeholder 2">
+            <a:extLst>
+              <a:ext uri="{FF2B5EF4-FFF2-40B4-BE49-F238E27FC236}">
+                <a16:creationId xmlns:a16="http://schemas.microsoft.com/office/drawing/2014/main" id="{71AEC35A-25D8-4AB5-AACC-23037D172636}"/>
+              </a:ext>
+            </a:extLst>
+          </p:cNvPr>
+          <p:cNvSpPr>
+            <a:spLocks noGrp="1"/>
+          </p:cNvSpPr>
+          <p:nvPr>
+            <p:ph type="body" idx="1"/>
+          </p:nvPr>
+        </p:nvSpPr>
+        <p:spPr>
+          <a:xfrm>
+            <a:off x="839788" y="1681164"/>
+            <a:ext cx="5157787" cy="422940"/>
+          </a:xfrm>
+        </p:spPr>
+        <p:txBody>
+          <a:bodyPr/>
+          <a:lstStyle/>
+          <a:p>
+            <a:r>
+              <a:rPr lang="en-GB" dirty="0"/>
+              <a:t>The good parts</a:t>
+            </a:r>
+          </a:p>
+        </p:txBody>
+      </p:sp>
+      <p:sp>
+        <p:nvSpPr>
+          <p:cNvPr id="4" name="Content Placeholder 3">
+            <a:extLst>
+              <a:ext uri="{FF2B5EF4-FFF2-40B4-BE49-F238E27FC236}">
+                <a16:creationId xmlns:a16="http://schemas.microsoft.com/office/drawing/2014/main" id="{334B1E5C-14CE-4DA7-85A9-CDEF3D332FD2}"/>
+              </a:ext>
+            </a:extLst>
+          </p:cNvPr>
+          <p:cNvSpPr>
+            <a:spLocks noGrp="1"/>
+          </p:cNvSpPr>
+          <p:nvPr>
+            <p:ph sz="half" idx="2"/>
+          </p:nvPr>
+        </p:nvSpPr>
+        <p:spPr>
+          <a:xfrm>
+            <a:off x="839788" y="2104103"/>
+            <a:ext cx="5157787" cy="4085560"/>
+          </a:xfrm>
+        </p:spPr>
+        <p:txBody>
+          <a:bodyPr>
+            <a:normAutofit fontScale="85000" lnSpcReduction="20000"/>
+          </a:bodyPr>
+          <a:lstStyle/>
+          <a:p>
+            <a:r>
+              <a:rPr lang="en-GB" dirty="0"/>
+              <a:t>It’s a playable hypertext game</a:t>
+            </a:r>
+          </a:p>
+          <a:p>
+            <a:r>
+              <a:rPr lang="en-GB" dirty="0"/>
+              <a:t>Roughly 15-30 minutes of content</a:t>
+            </a:r>
+          </a:p>
+          <a:p>
+            <a:r>
+              <a:rPr lang="en-GB" dirty="0"/>
+              <a:t>Some replayability from the multiple endings/branches</a:t>
+            </a:r>
+          </a:p>
+          <a:p>
+            <a:r>
+              <a:rPr lang="en-GB" dirty="0"/>
+              <a:t>Introduction sequence (up to the first death) sets up a somewhat engaging central mystery</a:t>
+            </a:r>
+          </a:p>
+          <a:p>
+            <a:r>
+              <a:rPr lang="en-GB" dirty="0"/>
+              <a:t>Causal links between passages</a:t>
+            </a:r>
+          </a:p>
+          <a:p>
+            <a:r>
+              <a:rPr lang="en-GB" dirty="0"/>
+              <a:t>Conditional logic ‘remembers’ earlier choices, changes some passage content/available options later on.</a:t>
+            </a:r>
+          </a:p>
+          <a:p>
+            <a:r>
+              <a:rPr lang="en-GB" dirty="0"/>
+              <a:t>No ‘infinite loops’</a:t>
+            </a:r>
+          </a:p>
+          <a:p>
+            <a:endParaRPr lang="en-GB" dirty="0"/>
+          </a:p>
+          <a:p>
+            <a:endParaRPr lang="en-GB" dirty="0"/>
+          </a:p>
+          <a:p>
+            <a:endParaRPr lang="en-GB" dirty="0"/>
+          </a:p>
+        </p:txBody>
+      </p:sp>
+      <p:sp>
+        <p:nvSpPr>
+          <p:cNvPr id="5" name="Text Placeholder 4">
+            <a:extLst>
+              <a:ext uri="{FF2B5EF4-FFF2-40B4-BE49-F238E27FC236}">
+                <a16:creationId xmlns:a16="http://schemas.microsoft.com/office/drawing/2014/main" id="{6F571AB0-E73B-4E1E-9C1D-30898C8EAA14}"/>
+              </a:ext>
+            </a:extLst>
+          </p:cNvPr>
+          <p:cNvSpPr>
+            <a:spLocks noGrp="1"/>
+          </p:cNvSpPr>
+          <p:nvPr>
+            <p:ph type="body" sz="quarter" idx="3"/>
+          </p:nvPr>
+        </p:nvSpPr>
+        <p:spPr>
+          <a:xfrm>
+            <a:off x="6172200" y="1681163"/>
+            <a:ext cx="5183188" cy="422940"/>
+          </a:xfrm>
+        </p:spPr>
+        <p:txBody>
+          <a:bodyPr/>
+          <a:lstStyle/>
+          <a:p>
+            <a:r>
+              <a:rPr lang="en-GB" dirty="0"/>
+              <a:t>The bad parts</a:t>
+            </a:r>
+          </a:p>
+        </p:txBody>
+      </p:sp>
+      <p:sp>
+        <p:nvSpPr>
+          <p:cNvPr id="6" name="Content Placeholder 5">
+            <a:extLst>
+              <a:ext uri="{FF2B5EF4-FFF2-40B4-BE49-F238E27FC236}">
+                <a16:creationId xmlns:a16="http://schemas.microsoft.com/office/drawing/2014/main" id="{DDC38D73-E428-4600-838A-187DAAFDCC93}"/>
+              </a:ext>
+            </a:extLst>
+          </p:cNvPr>
+          <p:cNvSpPr>
+            <a:spLocks noGrp="1"/>
+          </p:cNvSpPr>
+          <p:nvPr>
+            <p:ph sz="quarter" idx="4"/>
+          </p:nvPr>
+        </p:nvSpPr>
+        <p:spPr>
+          <a:xfrm>
+            <a:off x="6172200" y="2104103"/>
+            <a:ext cx="5183188" cy="4085560"/>
+          </a:xfrm>
+        </p:spPr>
+        <p:txBody>
+          <a:bodyPr>
+            <a:normAutofit fontScale="85000" lnSpcReduction="20000"/>
+          </a:bodyPr>
+          <a:lstStyle/>
+          <a:p>
+            <a:r>
+              <a:rPr lang="en-GB" dirty="0"/>
+              <a:t>Overall structure is very linear</a:t>
+            </a:r>
+          </a:p>
+          <a:p>
+            <a:r>
+              <a:rPr lang="en-GB" dirty="0"/>
+              <a:t>Poorly designed overall</a:t>
+            </a:r>
+          </a:p>
+          <a:p>
+            <a:pPr lvl="1"/>
+            <a:r>
+              <a:rPr lang="en-GB" dirty="0"/>
+              <a:t>Especially in the middle section</a:t>
+            </a:r>
+          </a:p>
+          <a:p>
+            <a:r>
+              <a:rPr lang="en-GB" dirty="0"/>
+              <a:t>The ‘murder mystery’ aspect is sabotaged by the endings</a:t>
+            </a:r>
+          </a:p>
+          <a:p>
+            <a:pPr lvl="1"/>
+            <a:r>
+              <a:rPr lang="en-GB" dirty="0"/>
+              <a:t>The ‘Subject A’ ending was a retcon</a:t>
+            </a:r>
+          </a:p>
+          <a:p>
+            <a:r>
+              <a:rPr lang="en-GB" dirty="0"/>
+              <a:t>Didn’t take a proper look at the current state of the market</a:t>
+            </a:r>
+          </a:p>
+          <a:p>
+            <a:r>
+              <a:rPr lang="en-GB" dirty="0"/>
+              <a:t>Doesn’t really attempt making an artistic statement</a:t>
+            </a:r>
+          </a:p>
+          <a:p>
+            <a:r>
+              <a:rPr lang="en-GB" dirty="0"/>
+              <a:t>Some player frustration from the ‘point of no return’ passages</a:t>
+            </a:r>
+          </a:p>
+          <a:p>
+            <a:endParaRPr lang="en-GB" dirty="0"/>
+          </a:p>
+        </p:txBody>
+      </p:sp>
+    </p:spTree>
+    <p:extLst>
+      <p:ext uri="{BB962C8B-B14F-4D97-AF65-F5344CB8AC3E}">
+        <p14:creationId xmlns:p14="http://schemas.microsoft.com/office/powerpoint/2010/main" val="883197457"/>
+      </p:ext>
+    </p:extLst>
+  </p:cSld>
+  <p:clrMapOvr>
+    <a:masterClrMapping/>
+  </p:clrMapOvr>
+  <p:timing>
+    <p:tnLst>
+      <p:par>
+        <p:cTn id="1" dur="indefinite" restart="never" nodeType="tmRoot">
+          <p:childTnLst>
+            <p:seq concurrent="1" nextAc="seek">
+              <p:cTn id="2" dur="indefinite" nodeType="mainSeq">
+                <p:childTnLst>
+                  <p:par>
+                    <p:cTn id="3" fill="hold">
+                      <p:stCondLst>
+                        <p:cond delay="indefinite"/>
+                      </p:stCondLst>
+                      <p:childTnLst>
+                        <p:par>
+                          <p:cTn id="4" fill="hold">
+                            <p:stCondLst>
+                              <p:cond delay="0"/>
+                            </p:stCondLst>
+                            <p:childTnLst>
+                              <p:par>
+                                <p:cTn id="5" presetID="1" presetClass="entr" presetSubtype="0" fill="hold" nodeType="clickEffect">
+                                  <p:stCondLst>
+                                    <p:cond delay="0"/>
+                                  </p:stCondLst>
+                                  <p:childTnLst>
+                                    <p:set>
+                                      <p:cBhvr>
+                                        <p:cTn id="6" dur="1" fill="hold">
+                                          <p:stCondLst>
+                                            <p:cond delay="0"/>
+                                          </p:stCondLst>
+                                        </p:cTn>
+                                        <p:tgtEl>
+                                          <p:spTgt spid="3">
+                                            <p:txEl>
+                                              <p:pRg st="0" end="0"/>
+                                            </p:txEl>
+                                          </p:spTgt>
+                                        </p:tgtEl>
+                                        <p:attrNameLst>
+                                          <p:attrName>style.visibility</p:attrName>
+                                        </p:attrNameLst>
+                                      </p:cBhvr>
+                                      <p:to>
+                                        <p:strVal val="visible"/>
+                                      </p:to>
+                                    </p:set>
+                                  </p:childTnLst>
+                                </p:cTn>
+                              </p:par>
+                            </p:childTnLst>
+                          </p:cTn>
+                        </p:par>
+                      </p:childTnLst>
+                    </p:cTn>
+                  </p:par>
+                  <p:par>
+                    <p:cTn id="7" fill="hold">
+                      <p:stCondLst>
+                        <p:cond delay="indefinite"/>
+                      </p:stCondLst>
+                      <p:childTnLst>
+                        <p:par>
+                          <p:cTn id="8" fill="hold">
+                            <p:stCondLst>
+                              <p:cond delay="0"/>
+                            </p:stCondLst>
+                            <p:childTnLst>
+                              <p:par>
+                                <p:cTn id="9" presetID="1" presetClass="entr" presetSubtype="0" fill="hold" nodeType="clickEffect">
+                                  <p:stCondLst>
+                                    <p:cond delay="0"/>
+                                  </p:stCondLst>
+                                  <p:childTnLst>
+                                    <p:set>
+                                      <p:cBhvr>
+                                        <p:cTn id="10" dur="1" fill="hold">
+                                          <p:stCondLst>
+                                            <p:cond delay="0"/>
+                                          </p:stCondLst>
+                                        </p:cTn>
+                                        <p:tgtEl>
+                                          <p:spTgt spid="4">
+                                            <p:txEl>
+                                              <p:pRg st="0" end="0"/>
+                                            </p:txEl>
+                                          </p:spTgt>
+                                        </p:tgtEl>
+                                        <p:attrNameLst>
+                                          <p:attrName>style.visibility</p:attrName>
+                                        </p:attrNameLst>
+                                      </p:cBhvr>
+                                      <p:to>
+                                        <p:strVal val="visible"/>
+                                      </p:to>
+                                    </p:set>
+                                  </p:childTnLst>
+                                </p:cTn>
+                              </p:par>
+                            </p:childTnLst>
+                          </p:cTn>
+                        </p:par>
+                      </p:childTnLst>
+                    </p:cTn>
+                  </p:par>
+                  <p:par>
+                    <p:cTn id="11" fill="hold">
+                      <p:stCondLst>
+                        <p:cond delay="indefinite"/>
+                      </p:stCondLst>
+                      <p:childTnLst>
+                        <p:par>
+                          <p:cTn id="12" fill="hold">
+                            <p:stCondLst>
+                              <p:cond delay="0"/>
+                            </p:stCondLst>
+                            <p:childTnLst>
+                              <p:par>
+                                <p:cTn id="13" presetID="1" presetClass="entr" presetSubtype="0" fill="hold" nodeType="clickEffect">
+                                  <p:stCondLst>
+                                    <p:cond delay="0"/>
+                                  </p:stCondLst>
+                                  <p:childTnLst>
+                                    <p:set>
+                                      <p:cBhvr>
+                                        <p:cTn id="14" dur="1" fill="hold">
+                                          <p:stCondLst>
+                                            <p:cond delay="0"/>
+                                          </p:stCondLst>
+                                        </p:cTn>
+                                        <p:tgtEl>
+                                          <p:spTgt spid="4">
+                                            <p:txEl>
+                                              <p:pRg st="1" end="1"/>
+                                            </p:txEl>
+                                          </p:spTgt>
+                                        </p:tgtEl>
+                                        <p:attrNameLst>
+                                          <p:attrName>style.visibility</p:attrName>
+                                        </p:attrNameLst>
+                                      </p:cBhvr>
+                                      <p:to>
+                                        <p:strVal val="visible"/>
+                                      </p:to>
+                                    </p:set>
+                                  </p:childTnLst>
+                                </p:cTn>
+                              </p:par>
+                            </p:childTnLst>
+                          </p:cTn>
+                        </p:par>
+                      </p:childTnLst>
+                    </p:cTn>
+                  </p:par>
+                  <p:par>
+                    <p:cTn id="15" fill="hold">
+                      <p:stCondLst>
+                        <p:cond delay="indefinite"/>
+                      </p:stCondLst>
+                      <p:childTnLst>
+                        <p:par>
+                          <p:cTn id="16" fill="hold">
+                            <p:stCondLst>
+                              <p:cond delay="0"/>
+                            </p:stCondLst>
+                            <p:childTnLst>
+                              <p:par>
+                                <p:cTn id="17" presetID="1" presetClass="entr" presetSubtype="0" fill="hold" nodeType="clickEffect">
+                                  <p:stCondLst>
+                                    <p:cond delay="0"/>
+                                  </p:stCondLst>
+                                  <p:childTnLst>
+                                    <p:set>
+                                      <p:cBhvr>
+                                        <p:cTn id="18" dur="1" fill="hold">
+                                          <p:stCondLst>
+                                            <p:cond delay="0"/>
+                                          </p:stCondLst>
+                                        </p:cTn>
+                                        <p:tgtEl>
+                                          <p:spTgt spid="4">
+                                            <p:txEl>
+                                              <p:pRg st="2" end="2"/>
+                                            </p:txEl>
+                                          </p:spTgt>
+                                        </p:tgtEl>
+                                        <p:attrNameLst>
+                                          <p:attrName>style.visibility</p:attrName>
+                                        </p:attrNameLst>
+                                      </p:cBhvr>
+                                      <p:to>
+                                        <p:strVal val="visible"/>
+                                      </p:to>
+                                    </p:set>
+                                  </p:childTnLst>
+                                </p:cTn>
+                              </p:par>
+                            </p:childTnLst>
+                          </p:cTn>
+                        </p:par>
+                      </p:childTnLst>
+                    </p:cTn>
+                  </p:par>
+                  <p:par>
+                    <p:cTn id="19" fill="hold">
+                      <p:stCondLst>
+                        <p:cond delay="indefinite"/>
+                      </p:stCondLst>
+                      <p:childTnLst>
+                        <p:par>
+                          <p:cTn id="20" fill="hold">
+                            <p:stCondLst>
+                              <p:cond delay="0"/>
+                            </p:stCondLst>
+                            <p:childTnLst>
+                              <p:par>
+                                <p:cTn id="21" presetID="1" presetClass="entr" presetSubtype="0" fill="hold" nodeType="clickEffect">
+                                  <p:stCondLst>
+                                    <p:cond delay="0"/>
+                                  </p:stCondLst>
+                                  <p:childTnLst>
+                                    <p:set>
+                                      <p:cBhvr>
+                                        <p:cTn id="22" dur="1" fill="hold">
+                                          <p:stCondLst>
+                                            <p:cond delay="0"/>
+                                          </p:stCondLst>
+                                        </p:cTn>
+                                        <p:tgtEl>
+                                          <p:spTgt spid="4">
+                                            <p:txEl>
+                                              <p:pRg st="3" end="3"/>
+                                            </p:txEl>
+                                          </p:spTgt>
+                                        </p:tgtEl>
+                                        <p:attrNameLst>
+                                          <p:attrName>style.visibility</p:attrName>
+                                        </p:attrNameLst>
+                                      </p:cBhvr>
+                                      <p:to>
+                                        <p:strVal val="visible"/>
+                                      </p:to>
+                                    </p:set>
+                                  </p:childTnLst>
+                                </p:cTn>
+                              </p:par>
+                            </p:childTnLst>
+                          </p:cTn>
+                        </p:par>
+                      </p:childTnLst>
+                    </p:cTn>
+                  </p:par>
+                  <p:par>
+                    <p:cTn id="23" fill="hold">
+                      <p:stCondLst>
+                        <p:cond delay="indefinite"/>
+                      </p:stCondLst>
+                      <p:childTnLst>
+                        <p:par>
+                          <p:cTn id="24" fill="hold">
+                            <p:stCondLst>
+                              <p:cond delay="0"/>
+                            </p:stCondLst>
+                            <p:childTnLst>
+                              <p:par>
+                                <p:cTn id="25" presetID="1" presetClass="entr" presetSubtype="0" fill="hold" nodeType="clickEffect">
+                                  <p:stCondLst>
+                                    <p:cond delay="0"/>
+                                  </p:stCondLst>
+                                  <p:childTnLst>
+                                    <p:set>
+                                      <p:cBhvr>
+                                        <p:cTn id="26" dur="1" fill="hold">
+                                          <p:stCondLst>
+                                            <p:cond delay="0"/>
+                                          </p:stCondLst>
+                                        </p:cTn>
+                                        <p:tgtEl>
+                                          <p:spTgt spid="4">
+                                            <p:txEl>
+                                              <p:pRg st="4" end="4"/>
+                                            </p:txEl>
+                                          </p:spTgt>
+                                        </p:tgtEl>
+                                        <p:attrNameLst>
+                                          <p:attrName>style.visibility</p:attrName>
+                                        </p:attrNameLst>
+                                      </p:cBhvr>
+                                      <p:to>
+                                        <p:strVal val="visible"/>
+                                      </p:to>
+                                    </p:set>
+                                  </p:childTnLst>
+                                </p:cTn>
+                              </p:par>
+                            </p:childTnLst>
+                          </p:cTn>
+                        </p:par>
+                      </p:childTnLst>
+                    </p:cTn>
+                  </p:par>
+                  <p:par>
+                    <p:cTn id="27" fill="hold">
+                      <p:stCondLst>
+                        <p:cond delay="indefinite"/>
+                      </p:stCondLst>
+                      <p:childTnLst>
+                        <p:par>
+                          <p:cTn id="28" fill="hold">
+                            <p:stCondLst>
+                              <p:cond delay="0"/>
+                            </p:stCondLst>
+                            <p:childTnLst>
+                              <p:par>
+                                <p:cTn id="29" presetID="1" presetClass="entr" presetSubtype="0" fill="hold" nodeType="clickEffect">
+                                  <p:stCondLst>
+                                    <p:cond delay="0"/>
+                                  </p:stCondLst>
+                                  <p:childTnLst>
+                                    <p:set>
+                                      <p:cBhvr>
+                                        <p:cTn id="30" dur="1" fill="hold">
+                                          <p:stCondLst>
+                                            <p:cond delay="0"/>
+                                          </p:stCondLst>
+                                        </p:cTn>
+                                        <p:tgtEl>
+                                          <p:spTgt spid="4">
+                                            <p:txEl>
+                                              <p:pRg st="5" end="5"/>
+                                            </p:txEl>
+                                          </p:spTgt>
+                                        </p:tgtEl>
+                                        <p:attrNameLst>
+                                          <p:attrName>style.visibility</p:attrName>
+                                        </p:attrNameLst>
+                                      </p:cBhvr>
+                                      <p:to>
+                                        <p:strVal val="visible"/>
+                                      </p:to>
+                                    </p:set>
+                                  </p:childTnLst>
+                                </p:cTn>
+                              </p:par>
+                            </p:childTnLst>
+                          </p:cTn>
+                        </p:par>
+                      </p:childTnLst>
+                    </p:cTn>
+                  </p:par>
+                  <p:par>
+                    <p:cTn id="31" fill="hold">
+                      <p:stCondLst>
+                        <p:cond delay="indefinite"/>
+                      </p:stCondLst>
+                      <p:childTnLst>
+                        <p:par>
+                          <p:cTn id="32" fill="hold">
+                            <p:stCondLst>
+                              <p:cond delay="0"/>
+                            </p:stCondLst>
+                            <p:childTnLst>
+                              <p:par>
+                                <p:cTn id="33" presetID="1" presetClass="entr" presetSubtype="0" fill="hold" nodeType="clickEffect">
+                                  <p:stCondLst>
+                                    <p:cond delay="0"/>
+                                  </p:stCondLst>
+                                  <p:childTnLst>
+                                    <p:set>
+                                      <p:cBhvr>
+                                        <p:cTn id="34" dur="1" fill="hold">
+                                          <p:stCondLst>
+                                            <p:cond delay="0"/>
+                                          </p:stCondLst>
+                                        </p:cTn>
+                                        <p:tgtEl>
+                                          <p:spTgt spid="4">
+                                            <p:txEl>
+                                              <p:pRg st="6" end="6"/>
+                                            </p:txEl>
+                                          </p:spTgt>
+                                        </p:tgtEl>
+                                        <p:attrNameLst>
+                                          <p:attrName>style.visibility</p:attrName>
+                                        </p:attrNameLst>
+                                      </p:cBhvr>
+                                      <p:to>
+                                        <p:strVal val="visible"/>
+                                      </p:to>
+                                    </p:set>
+                                  </p:childTnLst>
+                                </p:cTn>
+                              </p:par>
+                            </p:childTnLst>
+                          </p:cTn>
+                        </p:par>
+                      </p:childTnLst>
+                    </p:cTn>
+                  </p:par>
+                  <p:par>
+                    <p:cTn id="35" fill="hold">
+                      <p:stCondLst>
+                        <p:cond delay="indefinite"/>
+                      </p:stCondLst>
+                      <p:childTnLst>
+                        <p:par>
+                          <p:cTn id="36" fill="hold">
+                            <p:stCondLst>
+                              <p:cond delay="0"/>
+                            </p:stCondLst>
+                            <p:childTnLst>
+                              <p:par>
+                                <p:cTn id="37" presetID="1" presetClass="entr" presetSubtype="0" fill="hold" nodeType="clickEffect">
+                                  <p:stCondLst>
+                                    <p:cond delay="0"/>
+                                  </p:stCondLst>
+                                  <p:childTnLst>
+                                    <p:set>
+                                      <p:cBhvr>
+                                        <p:cTn id="38" dur="1" fill="hold">
+                                          <p:stCondLst>
+                                            <p:cond delay="0"/>
+                                          </p:stCondLst>
+                                        </p:cTn>
+                                        <p:tgtEl>
+                                          <p:spTgt spid="5">
+                                            <p:txEl>
+                                              <p:pRg st="0" end="0"/>
+                                            </p:txEl>
+                                          </p:spTgt>
+                                        </p:tgtEl>
+                                        <p:attrNameLst>
+                                          <p:attrName>style.visibility</p:attrName>
+                                        </p:attrNameLst>
+                                      </p:cBhvr>
+                                      <p:to>
+                                        <p:strVal val="visible"/>
+                                      </p:to>
+                                    </p:set>
+                                  </p:childTnLst>
+                                </p:cTn>
+                              </p:par>
+                            </p:childTnLst>
+                          </p:cTn>
+                        </p:par>
+                      </p:childTnLst>
+                    </p:cTn>
+                  </p:par>
+                  <p:par>
+                    <p:cTn id="39" fill="hold">
+                      <p:stCondLst>
+                        <p:cond delay="indefinite"/>
+                      </p:stCondLst>
+                      <p:childTnLst>
+                        <p:par>
+                          <p:cTn id="40" fill="hold">
+                            <p:stCondLst>
+                              <p:cond delay="0"/>
+                            </p:stCondLst>
+                            <p:childTnLst>
+                              <p:par>
+                                <p:cTn id="41" presetID="1" presetClass="entr" presetSubtype="0" fill="hold" nodeType="clickEffect">
+                                  <p:stCondLst>
+                                    <p:cond delay="0"/>
+                                  </p:stCondLst>
+                                  <p:childTnLst>
+                                    <p:set>
+                                      <p:cBhvr>
+                                        <p:cTn id="42" dur="1" fill="hold">
+                                          <p:stCondLst>
+                                            <p:cond delay="0"/>
+                                          </p:stCondLst>
+                                        </p:cTn>
+                                        <p:tgtEl>
+                                          <p:spTgt spid="6">
+                                            <p:txEl>
+                                              <p:pRg st="0" end="0"/>
+                                            </p:txEl>
+                                          </p:spTgt>
+                                        </p:tgtEl>
+                                        <p:attrNameLst>
+                                          <p:attrName>style.visibility</p:attrName>
+                                        </p:attrNameLst>
+                                      </p:cBhvr>
+                                      <p:to>
+                                        <p:strVal val="visible"/>
+                                      </p:to>
+                                    </p:set>
+                                  </p:childTnLst>
+                                </p:cTn>
+                              </p:par>
+                            </p:childTnLst>
+                          </p:cTn>
+                        </p:par>
+                      </p:childTnLst>
+                    </p:cTn>
+                  </p:par>
+                  <p:par>
+                    <p:cTn id="43" fill="hold">
+                      <p:stCondLst>
+                        <p:cond delay="indefinite"/>
+                      </p:stCondLst>
+                      <p:childTnLst>
+                        <p:par>
+                          <p:cTn id="44" fill="hold">
+                            <p:stCondLst>
+                              <p:cond delay="0"/>
+                            </p:stCondLst>
+                            <p:childTnLst>
+                              <p:par>
+                                <p:cTn id="45" presetID="1" presetClass="entr" presetSubtype="0" fill="hold" nodeType="clickEffect">
+                                  <p:stCondLst>
+                                    <p:cond delay="0"/>
+                                  </p:stCondLst>
+                                  <p:childTnLst>
+                                    <p:set>
+                                      <p:cBhvr>
+                                        <p:cTn id="46" dur="1" fill="hold">
+                                          <p:stCondLst>
+                                            <p:cond delay="0"/>
+                                          </p:stCondLst>
+                                        </p:cTn>
+                                        <p:tgtEl>
+                                          <p:spTgt spid="6">
+                                            <p:txEl>
+                                              <p:pRg st="1" end="1"/>
+                                            </p:txEl>
+                                          </p:spTgt>
+                                        </p:tgtEl>
+                                        <p:attrNameLst>
+                                          <p:attrName>style.visibility</p:attrName>
+                                        </p:attrNameLst>
+                                      </p:cBhvr>
+                                      <p:to>
+                                        <p:strVal val="visible"/>
+                                      </p:to>
+                                    </p:set>
+                                  </p:childTnLst>
+                                </p:cTn>
+                              </p:par>
+                            </p:childTnLst>
+                          </p:cTn>
+                        </p:par>
+                      </p:childTnLst>
+                    </p:cTn>
+                  </p:par>
+                  <p:par>
+                    <p:cTn id="47" fill="hold">
+                      <p:stCondLst>
+                        <p:cond delay="indefinite"/>
+                      </p:stCondLst>
+                      <p:childTnLst>
+                        <p:par>
+                          <p:cTn id="48" fill="hold">
+                            <p:stCondLst>
+                              <p:cond delay="0"/>
+                            </p:stCondLst>
+                            <p:childTnLst>
+                              <p:par>
+                                <p:cTn id="49" presetID="1" presetClass="entr" presetSubtype="0" fill="hold" nodeType="clickEffect">
+                                  <p:stCondLst>
+                                    <p:cond delay="0"/>
+                                  </p:stCondLst>
+                                  <p:childTnLst>
+                                    <p:set>
+                                      <p:cBhvr>
+                                        <p:cTn id="50" dur="1" fill="hold">
+                                          <p:stCondLst>
+                                            <p:cond delay="0"/>
+                                          </p:stCondLst>
+                                        </p:cTn>
+                                        <p:tgtEl>
+                                          <p:spTgt spid="6">
+                                            <p:txEl>
+                                              <p:pRg st="2" end="2"/>
+                                            </p:txEl>
+                                          </p:spTgt>
+                                        </p:tgtEl>
+                                        <p:attrNameLst>
+                                          <p:attrName>style.visibility</p:attrName>
+                                        </p:attrNameLst>
+                                      </p:cBhvr>
+                                      <p:to>
+                                        <p:strVal val="visible"/>
+                                      </p:to>
+                                    </p:set>
+                                  </p:childTnLst>
+                                </p:cTn>
+                              </p:par>
+                            </p:childTnLst>
+                          </p:cTn>
+                        </p:par>
+                      </p:childTnLst>
+                    </p:cTn>
+                  </p:par>
+                  <p:par>
+                    <p:cTn id="51" fill="hold">
+                      <p:stCondLst>
+                        <p:cond delay="indefinite"/>
+                      </p:stCondLst>
+                      <p:childTnLst>
+                        <p:par>
+                          <p:cTn id="52" fill="hold">
+                            <p:stCondLst>
+                              <p:cond delay="0"/>
+                            </p:stCondLst>
+                            <p:childTnLst>
+                              <p:par>
+                                <p:cTn id="53" presetID="1" presetClass="entr" presetSubtype="0" fill="hold" nodeType="clickEffect">
+                                  <p:stCondLst>
+                                    <p:cond delay="0"/>
+                                  </p:stCondLst>
+                                  <p:childTnLst>
+                                    <p:set>
+                                      <p:cBhvr>
+                                        <p:cTn id="54" dur="1" fill="hold">
+                                          <p:stCondLst>
+                                            <p:cond delay="0"/>
+                                          </p:stCondLst>
+                                        </p:cTn>
+                                        <p:tgtEl>
+                                          <p:spTgt spid="6">
+                                            <p:txEl>
+                                              <p:pRg st="3" end="3"/>
+                                            </p:txEl>
+                                          </p:spTgt>
+                                        </p:tgtEl>
+                                        <p:attrNameLst>
+                                          <p:attrName>style.visibility</p:attrName>
+                                        </p:attrNameLst>
+                                      </p:cBhvr>
+                                      <p:to>
+                                        <p:strVal val="visible"/>
+                                      </p:to>
+                                    </p:set>
+                                  </p:childTnLst>
+                                </p:cTn>
+                              </p:par>
+                            </p:childTnLst>
+                          </p:cTn>
+                        </p:par>
+                      </p:childTnLst>
+                    </p:cTn>
+                  </p:par>
+                  <p:par>
+                    <p:cTn id="55" fill="hold">
+                      <p:stCondLst>
+                        <p:cond delay="indefinite"/>
+                      </p:stCondLst>
+                      <p:childTnLst>
+                        <p:par>
+                          <p:cTn id="56" fill="hold">
+                            <p:stCondLst>
+                              <p:cond delay="0"/>
+                            </p:stCondLst>
+                            <p:childTnLst>
+                              <p:par>
+                                <p:cTn id="57" presetID="1" presetClass="entr" presetSubtype="0" fill="hold" nodeType="clickEffect">
+                                  <p:stCondLst>
+                                    <p:cond delay="0"/>
+                                  </p:stCondLst>
+                                  <p:childTnLst>
+                                    <p:set>
+                                      <p:cBhvr>
+                                        <p:cTn id="58" dur="1" fill="hold">
+                                          <p:stCondLst>
+                                            <p:cond delay="0"/>
+                                          </p:stCondLst>
+                                        </p:cTn>
+                                        <p:tgtEl>
+                                          <p:spTgt spid="6">
+                                            <p:txEl>
+                                              <p:pRg st="4" end="4"/>
+                                            </p:txEl>
+                                          </p:spTgt>
+                                        </p:tgtEl>
+                                        <p:attrNameLst>
+                                          <p:attrName>style.visibility</p:attrName>
+                                        </p:attrNameLst>
+                                      </p:cBhvr>
+                                      <p:to>
+                                        <p:strVal val="visible"/>
+                                      </p:to>
+                                    </p:set>
+                                  </p:childTnLst>
+                                </p:cTn>
+                              </p:par>
+                            </p:childTnLst>
+                          </p:cTn>
+                        </p:par>
+                      </p:childTnLst>
+                    </p:cTn>
+                  </p:par>
+                  <p:par>
+                    <p:cTn id="59" fill="hold">
+                      <p:stCondLst>
+                        <p:cond delay="indefinite"/>
+                      </p:stCondLst>
+                      <p:childTnLst>
+                        <p:par>
+                          <p:cTn id="60" fill="hold">
+                            <p:stCondLst>
+                              <p:cond delay="0"/>
+                            </p:stCondLst>
+                            <p:childTnLst>
+                              <p:par>
+                                <p:cTn id="61" presetID="1" presetClass="entr" presetSubtype="0" fill="hold" nodeType="clickEffect">
+                                  <p:stCondLst>
+                                    <p:cond delay="0"/>
+                                  </p:stCondLst>
+                                  <p:childTnLst>
+                                    <p:set>
+                                      <p:cBhvr>
+                                        <p:cTn id="62" dur="1" fill="hold">
+                                          <p:stCondLst>
+                                            <p:cond delay="0"/>
+                                          </p:stCondLst>
+                                        </p:cTn>
+                                        <p:tgtEl>
+                                          <p:spTgt spid="6">
+                                            <p:txEl>
+                                              <p:pRg st="5" end="5"/>
+                                            </p:txEl>
+                                          </p:spTgt>
+                                        </p:tgtEl>
+                                        <p:attrNameLst>
+                                          <p:attrName>style.visibility</p:attrName>
+                                        </p:attrNameLst>
+                                      </p:cBhvr>
+                                      <p:to>
+                                        <p:strVal val="visible"/>
+                                      </p:to>
+                                    </p:set>
+                                  </p:childTnLst>
+                                </p:cTn>
+                              </p:par>
+                            </p:childTnLst>
+                          </p:cTn>
+                        </p:par>
+                      </p:childTnLst>
+                    </p:cTn>
+                  </p:par>
+                  <p:par>
+                    <p:cTn id="63" fill="hold">
+                      <p:stCondLst>
+                        <p:cond delay="indefinite"/>
+                      </p:stCondLst>
+                      <p:childTnLst>
+                        <p:par>
+                          <p:cTn id="64" fill="hold">
+                            <p:stCondLst>
+                              <p:cond delay="0"/>
+                            </p:stCondLst>
+                            <p:childTnLst>
+                              <p:par>
+                                <p:cTn id="65" presetID="1" presetClass="entr" presetSubtype="0" fill="hold" nodeType="clickEffect">
+                                  <p:stCondLst>
+                                    <p:cond delay="0"/>
+                                  </p:stCondLst>
+                                  <p:childTnLst>
+                                    <p:set>
+                                      <p:cBhvr>
+                                        <p:cTn id="66" dur="1" fill="hold">
+                                          <p:stCondLst>
+                                            <p:cond delay="0"/>
+                                          </p:stCondLst>
+                                        </p:cTn>
+                                        <p:tgtEl>
+                                          <p:spTgt spid="6">
+                                            <p:txEl>
+                                              <p:pRg st="6" end="6"/>
+                                            </p:txEl>
+                                          </p:spTgt>
+                                        </p:tgtEl>
+                                        <p:attrNameLst>
+                                          <p:attrName>style.visibility</p:attrName>
+                                        </p:attrNameLst>
+                                      </p:cBhvr>
+                                      <p:to>
+                                        <p:strVal val="visible"/>
+                                      </p:to>
+                                    </p:set>
+                                  </p:childTnLst>
+                                </p:cTn>
+                              </p:par>
+                            </p:childTnLst>
+                          </p:cTn>
+                        </p:par>
+                      </p:childTnLst>
+                    </p:cTn>
+                  </p:par>
+                  <p:par>
+                    <p:cTn id="67" fill="hold">
+                      <p:stCondLst>
+                        <p:cond delay="indefinite"/>
+                      </p:stCondLst>
+                      <p:childTnLst>
+                        <p:par>
+                          <p:cTn id="68" fill="hold">
+                            <p:stCondLst>
+                              <p:cond delay="0"/>
+                            </p:stCondLst>
+                            <p:childTnLst>
+                              <p:par>
+                                <p:cTn id="69" presetID="1" presetClass="entr" presetSubtype="0" fill="hold" nodeType="clickEffect">
+                                  <p:stCondLst>
+                                    <p:cond delay="0"/>
+                                  </p:stCondLst>
+                                  <p:childTnLst>
+                                    <p:set>
+                                      <p:cBhvr>
+                                        <p:cTn id="70" dur="1" fill="hold">
+                                          <p:stCondLst>
+                                            <p:cond delay="0"/>
+                                          </p:stCondLst>
+                                        </p:cTn>
+                                        <p:tgtEl>
+                                          <p:spTgt spid="6">
+                                            <p:txEl>
+                                              <p:pRg st="7" end="7"/>
+                                            </p:txEl>
+                                          </p:spTgt>
+                                        </p:tgtEl>
+                                        <p:attrNameLst>
+                                          <p:attrName>style.visibility</p:attrName>
+                                        </p:attrNameLst>
+                                      </p:cBhvr>
+                                      <p:to>
+                                        <p:strVal val="visible"/>
+                                      </p:to>
+                                    </p:set>
+                                  </p:childTnLst>
+                                </p:cTn>
+                              </p:par>
+                            </p:childTnLst>
+                          </p:cTn>
+                        </p:par>
+                      </p:childTnLst>
+                    </p:cTn>
+                  </p:par>
+                </p:childTnLst>
+              </p:cTn>
+              <p:prevCondLst>
+                <p:cond evt="onPrev" delay="0">
+                  <p:tgtEl>
+                    <p:sldTgt/>
+                  </p:tgtEl>
+                </p:cond>
+              </p:prevCondLst>
+              <p:nextCondLst>
+                <p:cond evt="onNext" delay="0">
+                  <p:tgtEl>
+                    <p:sldTgt/>
+                  </p:tgtEl>
+                </p:cond>
+              </p:nextCondLst>
+            </p:seq>
+          </p:childTnLst>
+        </p:cTn>
+      </p:par>
+    </p:tnLst>
+  </p:timing>
+</p:sld>
+</file>
+
+<file path=ppt/slides/slide17.xml><?xml version="1.0" encoding="utf-8"?>
+<p:sld xmlns:a="http://schemas.openxmlformats.org/drawingml/2006/main" xmlns:r="http://schemas.openxmlformats.org/officeDocument/2006/relationships" xmlns:p="http://schemas.openxmlformats.org/presentationml/2006/main">
+  <p:cSld>
+    <p:spTree>
+      <p:nvGrpSpPr>
+        <p:cNvPr id="1" name=""/>
+        <p:cNvGrpSpPr/>
+        <p:nvPr/>
+      </p:nvGrpSpPr>
+      <p:grpSpPr>
+        <a:xfrm>
+          <a:off x="0" y="0"/>
+          <a:ext cx="0" cy="0"/>
+          <a:chOff x="0" y="0"/>
+          <a:chExt cx="0" cy="0"/>
+        </a:xfrm>
+      </p:grpSpPr>
+      <p:sp>
+        <p:nvSpPr>
+          <p:cNvPr id="2" name="Title 1">
+            <a:extLst>
+              <a:ext uri="{FF2B5EF4-FFF2-40B4-BE49-F238E27FC236}">
+                <a16:creationId xmlns:a16="http://schemas.microsoft.com/office/drawing/2014/main" id="{BB0B9561-0503-4C14-B045-BFCC30F5D0ED}"/>
+              </a:ext>
+            </a:extLst>
+          </p:cNvPr>
+          <p:cNvSpPr>
+            <a:spLocks noGrp="1"/>
+          </p:cNvSpPr>
+          <p:nvPr>
+            <p:ph type="title"/>
+          </p:nvPr>
+        </p:nvSpPr>
+        <p:spPr/>
+        <p:txBody>
+          <a:bodyPr/>
+          <a:lstStyle/>
+          <a:p>
+            <a:r>
+              <a:rPr lang="en-GB" dirty="0"/>
+              <a:t>Some graphs with my activity on Jira</a:t>
+            </a:r>
+          </a:p>
+        </p:txBody>
+      </p:sp>
+      <p:sp>
+        <p:nvSpPr>
+          <p:cNvPr id="3" name="Text Placeholder 2">
+            <a:extLst>
+              <a:ext uri="{FF2B5EF4-FFF2-40B4-BE49-F238E27FC236}">
+                <a16:creationId xmlns:a16="http://schemas.microsoft.com/office/drawing/2014/main" id="{E64FDFA8-5640-4089-9847-4E55DD100207}"/>
+              </a:ext>
+            </a:extLst>
+          </p:cNvPr>
+          <p:cNvSpPr>
+            <a:spLocks noGrp="1"/>
+          </p:cNvSpPr>
+          <p:nvPr>
+            <p:ph type="body" idx="1"/>
+          </p:nvPr>
+        </p:nvSpPr>
+        <p:spPr/>
+        <p:txBody>
+          <a:bodyPr/>
+          <a:lstStyle/>
+          <a:p>
+            <a:r>
+              <a:rPr lang="en-GB" dirty="0"/>
+              <a:t>A brief overview of project planning</a:t>
+            </a:r>
+          </a:p>
+        </p:txBody>
+      </p:sp>
+    </p:spTree>
+    <p:extLst>
+      <p:ext uri="{BB962C8B-B14F-4D97-AF65-F5344CB8AC3E}">
+        <p14:creationId xmlns:p14="http://schemas.microsoft.com/office/powerpoint/2010/main" val="471429825"/>
+      </p:ext>
+    </p:extLst>
+  </p:cSld>
+  <p:clrMapOvr>
+    <a:masterClrMapping/>
+  </p:clrMapOvr>
+</p:sld>
+</file>
+
+<file path=ppt/slides/slide18.xml><?xml version="1.0" encoding="utf-8"?>
+<p:sld xmlns:a="http://schemas.openxmlformats.org/drawingml/2006/main" xmlns:r="http://schemas.openxmlformats.org/officeDocument/2006/relationships" xmlns:p="http://schemas.openxmlformats.org/presentationml/2006/main">
+  <p:cSld>
+    <p:spTree>
+      <p:nvGrpSpPr>
+        <p:cNvPr id="1" name=""/>
+        <p:cNvGrpSpPr/>
+        <p:nvPr/>
+      </p:nvGrpSpPr>
+      <p:grpSpPr>
+        <a:xfrm>
+          <a:off x="0" y="0"/>
+          <a:ext cx="0" cy="0"/>
+          <a:chOff x="0" y="0"/>
+          <a:chExt cx="0" cy="0"/>
+        </a:xfrm>
+      </p:grpSpPr>
+      <p:sp>
+        <p:nvSpPr>
+          <p:cNvPr id="2" name="Title 1">
+            <a:extLst>
+              <a:ext uri="{FF2B5EF4-FFF2-40B4-BE49-F238E27FC236}">
+                <a16:creationId xmlns:a16="http://schemas.microsoft.com/office/drawing/2014/main" id="{5270F6DF-B2EC-4574-9FB8-5ACF3D0C734C}"/>
+              </a:ext>
+            </a:extLst>
+          </p:cNvPr>
+          <p:cNvSpPr>
+            <a:spLocks noGrp="1"/>
+          </p:cNvSpPr>
+          <p:nvPr>
+            <p:ph type="title"/>
+          </p:nvPr>
+        </p:nvSpPr>
+        <p:spPr/>
+        <p:txBody>
+          <a:bodyPr/>
+          <a:lstStyle/>
+          <a:p>
+            <a:r>
+              <a:rPr lang="en-GB" dirty="0"/>
+              <a:t>Cumulative flow diagram for all issues recorded on Jira</a:t>
+            </a:r>
+          </a:p>
+        </p:txBody>
+      </p:sp>
+      <p:pic>
+        <p:nvPicPr>
+          <p:cNvPr id="5" name="Content Placeholder 4">
+            <a:extLst>
+              <a:ext uri="{FF2B5EF4-FFF2-40B4-BE49-F238E27FC236}">
+                <a16:creationId xmlns:a16="http://schemas.microsoft.com/office/drawing/2014/main" id="{8BEDFB24-19D8-4A88-80ED-625CC9E63A93}"/>
+              </a:ext>
+            </a:extLst>
+          </p:cNvPr>
+          <p:cNvPicPr>
+            <a:picLocks noGrp="1" noChangeAspect="1"/>
+          </p:cNvPicPr>
+          <p:nvPr>
+            <p:ph idx="1"/>
+          </p:nvPr>
+        </p:nvPicPr>
+        <p:blipFill>
+          <a:blip r:embed="rId2">
+            <a:extLst>
+              <a:ext uri="{28A0092B-C50C-407E-A947-70E740481C1C}">
+                <a14:useLocalDpi xmlns:a14="http://schemas.microsoft.com/office/drawing/2010/main" val="0"/>
+              </a:ext>
+            </a:extLst>
+          </a:blip>
+          <a:srcRect/>
+          <a:stretch/>
+        </p:blipFill>
+        <p:spPr>
+          <a:xfrm>
+            <a:off x="862778" y="2391292"/>
+            <a:ext cx="10466443" cy="3220004"/>
+          </a:xfrm>
+        </p:spPr>
+      </p:pic>
+    </p:spTree>
+    <p:extLst>
+      <p:ext uri="{BB962C8B-B14F-4D97-AF65-F5344CB8AC3E}">
+        <p14:creationId xmlns:p14="http://schemas.microsoft.com/office/powerpoint/2010/main" val="3429697425"/>
+      </p:ext>
+    </p:extLst>
+  </p:cSld>
+  <p:clrMapOvr>
+    <a:masterClrMapping/>
+  </p:clrMapOvr>
+</p:sld>
+</file>
+
+<file path=ppt/slides/slide19.xml><?xml version="1.0" encoding="utf-8"?>
+<p:sld xmlns:a="http://schemas.openxmlformats.org/drawingml/2006/main" xmlns:r="http://schemas.openxmlformats.org/officeDocument/2006/relationships" xmlns:p="http://schemas.openxmlformats.org/presentationml/2006/main">
+  <p:cSld>
+    <p:spTree>
+      <p:nvGrpSpPr>
+        <p:cNvPr id="1" name=""/>
+        <p:cNvGrpSpPr/>
+        <p:nvPr/>
+      </p:nvGrpSpPr>
+      <p:grpSpPr>
+        <a:xfrm>
+          <a:off x="0" y="0"/>
+          <a:ext cx="0" cy="0"/>
+          <a:chOff x="0" y="0"/>
+          <a:chExt cx="0" cy="0"/>
+        </a:xfrm>
+      </p:grpSpPr>
+      <p:sp>
+        <p:nvSpPr>
+          <p:cNvPr id="2" name="Title 1">
+            <a:extLst>
+              <a:ext uri="{FF2B5EF4-FFF2-40B4-BE49-F238E27FC236}">
+                <a16:creationId xmlns:a16="http://schemas.microsoft.com/office/drawing/2014/main" id="{555AE4A0-52FF-40C1-A628-FB4E55A0F846}"/>
+              </a:ext>
+            </a:extLst>
+          </p:cNvPr>
+          <p:cNvSpPr>
+            <a:spLocks noGrp="1"/>
+          </p:cNvSpPr>
+          <p:nvPr>
+            <p:ph type="title"/>
+          </p:nvPr>
+        </p:nvSpPr>
+        <p:spPr/>
+        <p:txBody>
+          <a:bodyPr/>
+          <a:lstStyle/>
+          <a:p>
+            <a:r>
+              <a:rPr lang="en-GB" dirty="0"/>
+              <a:t>Created vs resolved issues</a:t>
+            </a:r>
+          </a:p>
+        </p:txBody>
+      </p:sp>
+      <p:pic>
+        <p:nvPicPr>
+          <p:cNvPr id="5" name="Content Placeholder 4" descr="Chart, line chart&#10;&#10;Description automatically generated">
+            <a:extLst>
+              <a:ext uri="{FF2B5EF4-FFF2-40B4-BE49-F238E27FC236}">
+                <a16:creationId xmlns:a16="http://schemas.microsoft.com/office/drawing/2014/main" id="{341EB68C-82C1-43B0-A779-9C8C626E9352}"/>
+              </a:ext>
+            </a:extLst>
+          </p:cNvPr>
+          <p:cNvPicPr>
+            <a:picLocks noGrp="1" noChangeAspect="1"/>
+          </p:cNvPicPr>
+          <p:nvPr>
+            <p:ph idx="1"/>
+          </p:nvPr>
+        </p:nvPicPr>
+        <p:blipFill>
+          <a:blip r:embed="rId3">
+            <a:extLst>
+              <a:ext uri="{28A0092B-C50C-407E-A947-70E740481C1C}">
+                <a14:useLocalDpi xmlns:a14="http://schemas.microsoft.com/office/drawing/2010/main" val="0"/>
+              </a:ext>
+            </a:extLst>
+          </a:blip>
+          <a:stretch>
+            <a:fillRect/>
+          </a:stretch>
+        </p:blipFill>
+        <p:spPr>
+          <a:xfrm>
+            <a:off x="2796386" y="1825625"/>
+            <a:ext cx="6599228" cy="4351338"/>
+          </a:xfrm>
+        </p:spPr>
+      </p:pic>
+    </p:spTree>
+    <p:extLst>
+      <p:ext uri="{BB962C8B-B14F-4D97-AF65-F5344CB8AC3E}">
+        <p14:creationId xmlns:p14="http://schemas.microsoft.com/office/powerpoint/2010/main" val="3117585319"/>
       </p:ext>
     </p:extLst>
   </p:cSld>
@@ -12021,7 +17135,7 @@
         <p:spPr/>
         <p:txBody>
           <a:bodyPr>
-            <a:normAutofit fontScale="92500" lnSpcReduction="10000"/>
+            <a:normAutofit fontScale="92500" lnSpcReduction="20000"/>
           </a:bodyPr>
           <a:lstStyle/>
           <a:p>
@@ -12083,6 +17197,12 @@
             <a:r>
               <a:rPr lang="en-GB" dirty="0"/>
               <a:t>Conclusions</a:t>
+            </a:r>
+          </a:p>
+          <a:p>
+            <a:r>
+              <a:rPr lang="en-GB" dirty="0"/>
+              <a:t>Some Jira reports</a:t>
             </a:r>
           </a:p>
           <a:p>
@@ -12106,6 +17226,1988 @@
     <p:extLst>
       <p:ext uri="{BB962C8B-B14F-4D97-AF65-F5344CB8AC3E}">
         <p14:creationId xmlns:p14="http://schemas.microsoft.com/office/powerpoint/2010/main" val="1816209396"/>
+      </p:ext>
+    </p:extLst>
+  </p:cSld>
+  <p:clrMapOvr>
+    <a:masterClrMapping/>
+  </p:clrMapOvr>
+  <p:timing>
+    <p:tnLst>
+      <p:par>
+        <p:cTn id="1" dur="indefinite" restart="never" nodeType="tmRoot">
+          <p:childTnLst>
+            <p:seq concurrent="1" nextAc="seek">
+              <p:cTn id="2" dur="indefinite" nodeType="mainSeq">
+                <p:childTnLst>
+                  <p:par>
+                    <p:cTn id="3" fill="hold">
+                      <p:stCondLst>
+                        <p:cond delay="indefinite"/>
+                      </p:stCondLst>
+                      <p:childTnLst>
+                        <p:par>
+                          <p:cTn id="4" fill="hold">
+                            <p:stCondLst>
+                              <p:cond delay="0"/>
+                            </p:stCondLst>
+                            <p:childTnLst>
+                              <p:par>
+                                <p:cTn id="5" presetID="1" presetClass="entr" presetSubtype="0" fill="hold" nodeType="clickEffect">
+                                  <p:stCondLst>
+                                    <p:cond delay="0"/>
+                                  </p:stCondLst>
+                                  <p:childTnLst>
+                                    <p:set>
+                                      <p:cBhvr>
+                                        <p:cTn id="6" dur="1" fill="hold">
+                                          <p:stCondLst>
+                                            <p:cond delay="0"/>
+                                          </p:stCondLst>
+                                        </p:cTn>
+                                        <p:tgtEl>
+                                          <p:spTgt spid="3">
+                                            <p:txEl>
+                                              <p:pRg st="0" end="0"/>
+                                            </p:txEl>
+                                          </p:spTgt>
+                                        </p:tgtEl>
+                                        <p:attrNameLst>
+                                          <p:attrName>style.visibility</p:attrName>
+                                        </p:attrNameLst>
+                                      </p:cBhvr>
+                                      <p:to>
+                                        <p:strVal val="visible"/>
+                                      </p:to>
+                                    </p:set>
+                                  </p:childTnLst>
+                                </p:cTn>
+                              </p:par>
+                            </p:childTnLst>
+                          </p:cTn>
+                        </p:par>
+                      </p:childTnLst>
+                    </p:cTn>
+                  </p:par>
+                  <p:par>
+                    <p:cTn id="7" fill="hold">
+                      <p:stCondLst>
+                        <p:cond delay="indefinite"/>
+                      </p:stCondLst>
+                      <p:childTnLst>
+                        <p:par>
+                          <p:cTn id="8" fill="hold">
+                            <p:stCondLst>
+                              <p:cond delay="0"/>
+                            </p:stCondLst>
+                            <p:childTnLst>
+                              <p:par>
+                                <p:cTn id="9" presetID="1" presetClass="entr" presetSubtype="0" fill="hold" nodeType="clickEffect">
+                                  <p:stCondLst>
+                                    <p:cond delay="0"/>
+                                  </p:stCondLst>
+                                  <p:childTnLst>
+                                    <p:set>
+                                      <p:cBhvr>
+                                        <p:cTn id="10" dur="1" fill="hold">
+                                          <p:stCondLst>
+                                            <p:cond delay="0"/>
+                                          </p:stCondLst>
+                                        </p:cTn>
+                                        <p:tgtEl>
+                                          <p:spTgt spid="3">
+                                            <p:txEl>
+                                              <p:pRg st="1" end="1"/>
+                                            </p:txEl>
+                                          </p:spTgt>
+                                        </p:tgtEl>
+                                        <p:attrNameLst>
+                                          <p:attrName>style.visibility</p:attrName>
+                                        </p:attrNameLst>
+                                      </p:cBhvr>
+                                      <p:to>
+                                        <p:strVal val="visible"/>
+                                      </p:to>
+                                    </p:set>
+                                  </p:childTnLst>
+                                </p:cTn>
+                              </p:par>
+                            </p:childTnLst>
+                          </p:cTn>
+                        </p:par>
+                      </p:childTnLst>
+                    </p:cTn>
+                  </p:par>
+                  <p:par>
+                    <p:cTn id="11" fill="hold">
+                      <p:stCondLst>
+                        <p:cond delay="indefinite"/>
+                      </p:stCondLst>
+                      <p:childTnLst>
+                        <p:par>
+                          <p:cTn id="12" fill="hold">
+                            <p:stCondLst>
+                              <p:cond delay="0"/>
+                            </p:stCondLst>
+                            <p:childTnLst>
+                              <p:par>
+                                <p:cTn id="13" presetID="1" presetClass="entr" presetSubtype="0" fill="hold" nodeType="clickEffect">
+                                  <p:stCondLst>
+                                    <p:cond delay="0"/>
+                                  </p:stCondLst>
+                                  <p:childTnLst>
+                                    <p:set>
+                                      <p:cBhvr>
+                                        <p:cTn id="14" dur="1" fill="hold">
+                                          <p:stCondLst>
+                                            <p:cond delay="0"/>
+                                          </p:stCondLst>
+                                        </p:cTn>
+                                        <p:tgtEl>
+                                          <p:spTgt spid="3">
+                                            <p:txEl>
+                                              <p:pRg st="2" end="2"/>
+                                            </p:txEl>
+                                          </p:spTgt>
+                                        </p:tgtEl>
+                                        <p:attrNameLst>
+                                          <p:attrName>style.visibility</p:attrName>
+                                        </p:attrNameLst>
+                                      </p:cBhvr>
+                                      <p:to>
+                                        <p:strVal val="visible"/>
+                                      </p:to>
+                                    </p:set>
+                                  </p:childTnLst>
+                                </p:cTn>
+                              </p:par>
+                            </p:childTnLst>
+                          </p:cTn>
+                        </p:par>
+                      </p:childTnLst>
+                    </p:cTn>
+                  </p:par>
+                  <p:par>
+                    <p:cTn id="15" fill="hold">
+                      <p:stCondLst>
+                        <p:cond delay="indefinite"/>
+                      </p:stCondLst>
+                      <p:childTnLst>
+                        <p:par>
+                          <p:cTn id="16" fill="hold">
+                            <p:stCondLst>
+                              <p:cond delay="0"/>
+                            </p:stCondLst>
+                            <p:childTnLst>
+                              <p:par>
+                                <p:cTn id="17" presetID="1" presetClass="entr" presetSubtype="0" fill="hold" nodeType="clickEffect">
+                                  <p:stCondLst>
+                                    <p:cond delay="0"/>
+                                  </p:stCondLst>
+                                  <p:childTnLst>
+                                    <p:set>
+                                      <p:cBhvr>
+                                        <p:cTn id="18" dur="1" fill="hold">
+                                          <p:stCondLst>
+                                            <p:cond delay="0"/>
+                                          </p:stCondLst>
+                                        </p:cTn>
+                                        <p:tgtEl>
+                                          <p:spTgt spid="3">
+                                            <p:txEl>
+                                              <p:pRg st="3" end="3"/>
+                                            </p:txEl>
+                                          </p:spTgt>
+                                        </p:tgtEl>
+                                        <p:attrNameLst>
+                                          <p:attrName>style.visibility</p:attrName>
+                                        </p:attrNameLst>
+                                      </p:cBhvr>
+                                      <p:to>
+                                        <p:strVal val="visible"/>
+                                      </p:to>
+                                    </p:set>
+                                  </p:childTnLst>
+                                </p:cTn>
+                              </p:par>
+                            </p:childTnLst>
+                          </p:cTn>
+                        </p:par>
+                      </p:childTnLst>
+                    </p:cTn>
+                  </p:par>
+                  <p:par>
+                    <p:cTn id="19" fill="hold">
+                      <p:stCondLst>
+                        <p:cond delay="indefinite"/>
+                      </p:stCondLst>
+                      <p:childTnLst>
+                        <p:par>
+                          <p:cTn id="20" fill="hold">
+                            <p:stCondLst>
+                              <p:cond delay="0"/>
+                            </p:stCondLst>
+                            <p:childTnLst>
+                              <p:par>
+                                <p:cTn id="21" presetID="1" presetClass="entr" presetSubtype="0" fill="hold" nodeType="clickEffect">
+                                  <p:stCondLst>
+                                    <p:cond delay="0"/>
+                                  </p:stCondLst>
+                                  <p:childTnLst>
+                                    <p:set>
+                                      <p:cBhvr>
+                                        <p:cTn id="22" dur="1" fill="hold">
+                                          <p:stCondLst>
+                                            <p:cond delay="0"/>
+                                          </p:stCondLst>
+                                        </p:cTn>
+                                        <p:tgtEl>
+                                          <p:spTgt spid="3">
+                                            <p:txEl>
+                                              <p:pRg st="4" end="4"/>
+                                            </p:txEl>
+                                          </p:spTgt>
+                                        </p:tgtEl>
+                                        <p:attrNameLst>
+                                          <p:attrName>style.visibility</p:attrName>
+                                        </p:attrNameLst>
+                                      </p:cBhvr>
+                                      <p:to>
+                                        <p:strVal val="visible"/>
+                                      </p:to>
+                                    </p:set>
+                                  </p:childTnLst>
+                                </p:cTn>
+                              </p:par>
+                            </p:childTnLst>
+                          </p:cTn>
+                        </p:par>
+                      </p:childTnLst>
+                    </p:cTn>
+                  </p:par>
+                  <p:par>
+                    <p:cTn id="23" fill="hold">
+                      <p:stCondLst>
+                        <p:cond delay="indefinite"/>
+                      </p:stCondLst>
+                      <p:childTnLst>
+                        <p:par>
+                          <p:cTn id="24" fill="hold">
+                            <p:stCondLst>
+                              <p:cond delay="0"/>
+                            </p:stCondLst>
+                            <p:childTnLst>
+                              <p:par>
+                                <p:cTn id="25" presetID="1" presetClass="entr" presetSubtype="0" fill="hold" nodeType="clickEffect">
+                                  <p:stCondLst>
+                                    <p:cond delay="0"/>
+                                  </p:stCondLst>
+                                  <p:childTnLst>
+                                    <p:set>
+                                      <p:cBhvr>
+                                        <p:cTn id="26" dur="1" fill="hold">
+                                          <p:stCondLst>
+                                            <p:cond delay="0"/>
+                                          </p:stCondLst>
+                                        </p:cTn>
+                                        <p:tgtEl>
+                                          <p:spTgt spid="3">
+                                            <p:txEl>
+                                              <p:pRg st="5" end="5"/>
+                                            </p:txEl>
+                                          </p:spTgt>
+                                        </p:tgtEl>
+                                        <p:attrNameLst>
+                                          <p:attrName>style.visibility</p:attrName>
+                                        </p:attrNameLst>
+                                      </p:cBhvr>
+                                      <p:to>
+                                        <p:strVal val="visible"/>
+                                      </p:to>
+                                    </p:set>
+                                  </p:childTnLst>
+                                </p:cTn>
+                              </p:par>
+                            </p:childTnLst>
+                          </p:cTn>
+                        </p:par>
+                      </p:childTnLst>
+                    </p:cTn>
+                  </p:par>
+                  <p:par>
+                    <p:cTn id="27" fill="hold">
+                      <p:stCondLst>
+                        <p:cond delay="indefinite"/>
+                      </p:stCondLst>
+                      <p:childTnLst>
+                        <p:par>
+                          <p:cTn id="28" fill="hold">
+                            <p:stCondLst>
+                              <p:cond delay="0"/>
+                            </p:stCondLst>
+                            <p:childTnLst>
+                              <p:par>
+                                <p:cTn id="29" presetID="1" presetClass="entr" presetSubtype="0" fill="hold" nodeType="clickEffect">
+                                  <p:stCondLst>
+                                    <p:cond delay="0"/>
+                                  </p:stCondLst>
+                                  <p:childTnLst>
+                                    <p:set>
+                                      <p:cBhvr>
+                                        <p:cTn id="30" dur="1" fill="hold">
+                                          <p:stCondLst>
+                                            <p:cond delay="0"/>
+                                          </p:stCondLst>
+                                        </p:cTn>
+                                        <p:tgtEl>
+                                          <p:spTgt spid="3">
+                                            <p:txEl>
+                                              <p:pRg st="6" end="6"/>
+                                            </p:txEl>
+                                          </p:spTgt>
+                                        </p:tgtEl>
+                                        <p:attrNameLst>
+                                          <p:attrName>style.visibility</p:attrName>
+                                        </p:attrNameLst>
+                                      </p:cBhvr>
+                                      <p:to>
+                                        <p:strVal val="visible"/>
+                                      </p:to>
+                                    </p:set>
+                                  </p:childTnLst>
+                                </p:cTn>
+                              </p:par>
+                            </p:childTnLst>
+                          </p:cTn>
+                        </p:par>
+                      </p:childTnLst>
+                    </p:cTn>
+                  </p:par>
+                  <p:par>
+                    <p:cTn id="31" fill="hold">
+                      <p:stCondLst>
+                        <p:cond delay="indefinite"/>
+                      </p:stCondLst>
+                      <p:childTnLst>
+                        <p:par>
+                          <p:cTn id="32" fill="hold">
+                            <p:stCondLst>
+                              <p:cond delay="0"/>
+                            </p:stCondLst>
+                            <p:childTnLst>
+                              <p:par>
+                                <p:cTn id="33" presetID="1" presetClass="entr" presetSubtype="0" fill="hold" nodeType="clickEffect">
+                                  <p:stCondLst>
+                                    <p:cond delay="0"/>
+                                  </p:stCondLst>
+                                  <p:childTnLst>
+                                    <p:set>
+                                      <p:cBhvr>
+                                        <p:cTn id="34" dur="1" fill="hold">
+                                          <p:stCondLst>
+                                            <p:cond delay="0"/>
+                                          </p:stCondLst>
+                                        </p:cTn>
+                                        <p:tgtEl>
+                                          <p:spTgt spid="3">
+                                            <p:txEl>
+                                              <p:pRg st="7" end="7"/>
+                                            </p:txEl>
+                                          </p:spTgt>
+                                        </p:tgtEl>
+                                        <p:attrNameLst>
+                                          <p:attrName>style.visibility</p:attrName>
+                                        </p:attrNameLst>
+                                      </p:cBhvr>
+                                      <p:to>
+                                        <p:strVal val="visible"/>
+                                      </p:to>
+                                    </p:set>
+                                  </p:childTnLst>
+                                </p:cTn>
+                              </p:par>
+                            </p:childTnLst>
+                          </p:cTn>
+                        </p:par>
+                      </p:childTnLst>
+                    </p:cTn>
+                  </p:par>
+                  <p:par>
+                    <p:cTn id="35" fill="hold">
+                      <p:stCondLst>
+                        <p:cond delay="indefinite"/>
+                      </p:stCondLst>
+                      <p:childTnLst>
+                        <p:par>
+                          <p:cTn id="36" fill="hold">
+                            <p:stCondLst>
+                              <p:cond delay="0"/>
+                            </p:stCondLst>
+                            <p:childTnLst>
+                              <p:par>
+                                <p:cTn id="37" presetID="1" presetClass="entr" presetSubtype="0" fill="hold" nodeType="clickEffect">
+                                  <p:stCondLst>
+                                    <p:cond delay="0"/>
+                                  </p:stCondLst>
+                                  <p:childTnLst>
+                                    <p:set>
+                                      <p:cBhvr>
+                                        <p:cTn id="38" dur="1" fill="hold">
+                                          <p:stCondLst>
+                                            <p:cond delay="0"/>
+                                          </p:stCondLst>
+                                        </p:cTn>
+                                        <p:tgtEl>
+                                          <p:spTgt spid="3">
+                                            <p:txEl>
+                                              <p:pRg st="8" end="8"/>
+                                            </p:txEl>
+                                          </p:spTgt>
+                                        </p:tgtEl>
+                                        <p:attrNameLst>
+                                          <p:attrName>style.visibility</p:attrName>
+                                        </p:attrNameLst>
+                                      </p:cBhvr>
+                                      <p:to>
+                                        <p:strVal val="visible"/>
+                                      </p:to>
+                                    </p:set>
+                                  </p:childTnLst>
+                                </p:cTn>
+                              </p:par>
+                            </p:childTnLst>
+                          </p:cTn>
+                        </p:par>
+                      </p:childTnLst>
+                    </p:cTn>
+                  </p:par>
+                  <p:par>
+                    <p:cTn id="39" fill="hold">
+                      <p:stCondLst>
+                        <p:cond delay="indefinite"/>
+                      </p:stCondLst>
+                      <p:childTnLst>
+                        <p:par>
+                          <p:cTn id="40" fill="hold">
+                            <p:stCondLst>
+                              <p:cond delay="0"/>
+                            </p:stCondLst>
+                            <p:childTnLst>
+                              <p:par>
+                                <p:cTn id="41" presetID="1" presetClass="entr" presetSubtype="0" fill="hold" nodeType="clickEffect">
+                                  <p:stCondLst>
+                                    <p:cond delay="0"/>
+                                  </p:stCondLst>
+                                  <p:childTnLst>
+                                    <p:set>
+                                      <p:cBhvr>
+                                        <p:cTn id="42" dur="1" fill="hold">
+                                          <p:stCondLst>
+                                            <p:cond delay="0"/>
+                                          </p:stCondLst>
+                                        </p:cTn>
+                                        <p:tgtEl>
+                                          <p:spTgt spid="3">
+                                            <p:txEl>
+                                              <p:pRg st="9" end="9"/>
+                                            </p:txEl>
+                                          </p:spTgt>
+                                        </p:tgtEl>
+                                        <p:attrNameLst>
+                                          <p:attrName>style.visibility</p:attrName>
+                                        </p:attrNameLst>
+                                      </p:cBhvr>
+                                      <p:to>
+                                        <p:strVal val="visible"/>
+                                      </p:to>
+                                    </p:set>
+                                  </p:childTnLst>
+                                </p:cTn>
+                              </p:par>
+                            </p:childTnLst>
+                          </p:cTn>
+                        </p:par>
+                      </p:childTnLst>
+                    </p:cTn>
+                  </p:par>
+                  <p:par>
+                    <p:cTn id="43" fill="hold">
+                      <p:stCondLst>
+                        <p:cond delay="indefinite"/>
+                      </p:stCondLst>
+                      <p:childTnLst>
+                        <p:par>
+                          <p:cTn id="44" fill="hold">
+                            <p:stCondLst>
+                              <p:cond delay="0"/>
+                            </p:stCondLst>
+                            <p:childTnLst>
+                              <p:par>
+                                <p:cTn id="45" presetID="1" presetClass="entr" presetSubtype="0" fill="hold" nodeType="clickEffect">
+                                  <p:stCondLst>
+                                    <p:cond delay="0"/>
+                                  </p:stCondLst>
+                                  <p:childTnLst>
+                                    <p:set>
+                                      <p:cBhvr>
+                                        <p:cTn id="46" dur="1" fill="hold">
+                                          <p:stCondLst>
+                                            <p:cond delay="0"/>
+                                          </p:stCondLst>
+                                        </p:cTn>
+                                        <p:tgtEl>
+                                          <p:spTgt spid="3">
+                                            <p:txEl>
+                                              <p:pRg st="10" end="10"/>
+                                            </p:txEl>
+                                          </p:spTgt>
+                                        </p:tgtEl>
+                                        <p:attrNameLst>
+                                          <p:attrName>style.visibility</p:attrName>
+                                        </p:attrNameLst>
+                                      </p:cBhvr>
+                                      <p:to>
+                                        <p:strVal val="visible"/>
+                                      </p:to>
+                                    </p:set>
+                                  </p:childTnLst>
+                                </p:cTn>
+                              </p:par>
+                            </p:childTnLst>
+                          </p:cTn>
+                        </p:par>
+                      </p:childTnLst>
+                    </p:cTn>
+                  </p:par>
+                  <p:par>
+                    <p:cTn id="47" fill="hold">
+                      <p:stCondLst>
+                        <p:cond delay="indefinite"/>
+                      </p:stCondLst>
+                      <p:childTnLst>
+                        <p:par>
+                          <p:cTn id="48" fill="hold">
+                            <p:stCondLst>
+                              <p:cond delay="0"/>
+                            </p:stCondLst>
+                            <p:childTnLst>
+                              <p:par>
+                                <p:cTn id="49" presetID="1" presetClass="entr" presetSubtype="0" fill="hold" nodeType="clickEffect">
+                                  <p:stCondLst>
+                                    <p:cond delay="0"/>
+                                  </p:stCondLst>
+                                  <p:childTnLst>
+                                    <p:set>
+                                      <p:cBhvr>
+                                        <p:cTn id="50" dur="1" fill="hold">
+                                          <p:stCondLst>
+                                            <p:cond delay="0"/>
+                                          </p:stCondLst>
+                                        </p:cTn>
+                                        <p:tgtEl>
+                                          <p:spTgt spid="3">
+                                            <p:txEl>
+                                              <p:pRg st="11" end="11"/>
+                                            </p:txEl>
+                                          </p:spTgt>
+                                        </p:tgtEl>
+                                        <p:attrNameLst>
+                                          <p:attrName>style.visibility</p:attrName>
+                                        </p:attrNameLst>
+                                      </p:cBhvr>
+                                      <p:to>
+                                        <p:strVal val="visible"/>
+                                      </p:to>
+                                    </p:set>
+                                  </p:childTnLst>
+                                </p:cTn>
+                              </p:par>
+                            </p:childTnLst>
+                          </p:cTn>
+                        </p:par>
+                      </p:childTnLst>
+                    </p:cTn>
+                  </p:par>
+                </p:childTnLst>
+              </p:cTn>
+              <p:prevCondLst>
+                <p:cond evt="onPrev" delay="0">
+                  <p:tgtEl>
+                    <p:sldTgt/>
+                  </p:tgtEl>
+                </p:cond>
+              </p:prevCondLst>
+              <p:nextCondLst>
+                <p:cond evt="onNext" delay="0">
+                  <p:tgtEl>
+                    <p:sldTgt/>
+                  </p:tgtEl>
+                </p:cond>
+              </p:nextCondLst>
+            </p:seq>
+          </p:childTnLst>
+        </p:cTn>
+      </p:par>
+    </p:tnLst>
+  </p:timing>
+</p:sld>
+</file>
+
+<file path=ppt/slides/slide20.xml><?xml version="1.0" encoding="utf-8"?>
+<p:sld xmlns:a="http://schemas.openxmlformats.org/drawingml/2006/main" xmlns:r="http://schemas.openxmlformats.org/officeDocument/2006/relationships" xmlns:p="http://schemas.openxmlformats.org/presentationml/2006/main">
+  <p:cSld>
+    <p:spTree>
+      <p:nvGrpSpPr>
+        <p:cNvPr id="1" name=""/>
+        <p:cNvGrpSpPr/>
+        <p:nvPr/>
+      </p:nvGrpSpPr>
+      <p:grpSpPr>
+        <a:xfrm>
+          <a:off x="0" y="0"/>
+          <a:ext cx="0" cy="0"/>
+          <a:chOff x="0" y="0"/>
+          <a:chExt cx="0" cy="0"/>
+        </a:xfrm>
+      </p:grpSpPr>
+      <p:sp>
+        <p:nvSpPr>
+          <p:cNvPr id="2" name="Title 1">
+            <a:extLst>
+              <a:ext uri="{FF2B5EF4-FFF2-40B4-BE49-F238E27FC236}">
+                <a16:creationId xmlns:a16="http://schemas.microsoft.com/office/drawing/2014/main" id="{893BB3A3-2FFA-4A6E-8AAA-59DE64A2BC58}"/>
+              </a:ext>
+            </a:extLst>
+          </p:cNvPr>
+          <p:cNvSpPr>
+            <a:spLocks noGrp="1"/>
+          </p:cNvSpPr>
+          <p:nvPr>
+            <p:ph type="title"/>
+          </p:nvPr>
+        </p:nvSpPr>
+        <p:spPr/>
+        <p:txBody>
+          <a:bodyPr/>
+          <a:lstStyle/>
+          <a:p>
+            <a:r>
+              <a:rPr lang="en-GB" dirty="0"/>
+              <a:t>Control chart for all issues so far</a:t>
+            </a:r>
+          </a:p>
+        </p:txBody>
+      </p:sp>
+      <p:pic>
+        <p:nvPicPr>
+          <p:cNvPr id="5" name="Content Placeholder 4" descr="Chart&#10;&#10;Description automatically generated">
+            <a:extLst>
+              <a:ext uri="{FF2B5EF4-FFF2-40B4-BE49-F238E27FC236}">
+                <a16:creationId xmlns:a16="http://schemas.microsoft.com/office/drawing/2014/main" id="{A0937359-29C4-49FC-A39C-69861468225D}"/>
+              </a:ext>
+            </a:extLst>
+          </p:cNvPr>
+          <p:cNvPicPr>
+            <a:picLocks noGrp="1" noChangeAspect="1"/>
+          </p:cNvPicPr>
+          <p:nvPr>
+            <p:ph idx="1"/>
+          </p:nvPr>
+        </p:nvPicPr>
+        <p:blipFill>
+          <a:blip r:embed="rId2">
+            <a:extLst>
+              <a:ext uri="{28A0092B-C50C-407E-A947-70E740481C1C}">
+                <a14:useLocalDpi xmlns:a14="http://schemas.microsoft.com/office/drawing/2010/main" val="0"/>
+              </a:ext>
+            </a:extLst>
+          </a:blip>
+          <a:stretch>
+            <a:fillRect/>
+          </a:stretch>
+        </p:blipFill>
+        <p:spPr>
+          <a:xfrm>
+            <a:off x="838200" y="1877567"/>
+            <a:ext cx="10515600" cy="4247454"/>
+          </a:xfrm>
+        </p:spPr>
+      </p:pic>
+    </p:spTree>
+    <p:extLst>
+      <p:ext uri="{BB962C8B-B14F-4D97-AF65-F5344CB8AC3E}">
+        <p14:creationId xmlns:p14="http://schemas.microsoft.com/office/powerpoint/2010/main" val="3585529614"/>
+      </p:ext>
+    </p:extLst>
+  </p:cSld>
+  <p:clrMapOvr>
+    <a:masterClrMapping/>
+  </p:clrMapOvr>
+</p:sld>
+</file>
+
+<file path=ppt/slides/slide21.xml><?xml version="1.0" encoding="utf-8"?>
+<p:sld xmlns:a="http://schemas.openxmlformats.org/drawingml/2006/main" xmlns:r="http://schemas.openxmlformats.org/officeDocument/2006/relationships" xmlns:p="http://schemas.openxmlformats.org/presentationml/2006/main">
+  <p:cSld>
+    <p:spTree>
+      <p:nvGrpSpPr>
+        <p:cNvPr id="1" name=""/>
+        <p:cNvGrpSpPr/>
+        <p:nvPr/>
+      </p:nvGrpSpPr>
+      <p:grpSpPr>
+        <a:xfrm>
+          <a:off x="0" y="0"/>
+          <a:ext cx="0" cy="0"/>
+          <a:chOff x="0" y="0"/>
+          <a:chExt cx="0" cy="0"/>
+        </a:xfrm>
+      </p:grpSpPr>
+      <p:sp>
+        <p:nvSpPr>
+          <p:cNvPr id="2" name="Title 1">
+            <a:extLst>
+              <a:ext uri="{FF2B5EF4-FFF2-40B4-BE49-F238E27FC236}">
+                <a16:creationId xmlns:a16="http://schemas.microsoft.com/office/drawing/2014/main" id="{33DAA633-133D-4233-8FA8-E0623A5D0509}"/>
+              </a:ext>
+            </a:extLst>
+          </p:cNvPr>
+          <p:cNvSpPr>
+            <a:spLocks noGrp="1"/>
+          </p:cNvSpPr>
+          <p:nvPr>
+            <p:ph type="title"/>
+          </p:nvPr>
+        </p:nvSpPr>
+        <p:spPr/>
+        <p:txBody>
+          <a:bodyPr/>
+          <a:lstStyle/>
+          <a:p>
+            <a:r>
+              <a:rPr lang="en-GB" dirty="0"/>
+              <a:t>Summary of the time tracking reports</a:t>
+            </a:r>
+          </a:p>
+        </p:txBody>
+      </p:sp>
+      <p:pic>
+        <p:nvPicPr>
+          <p:cNvPr id="5" name="Content Placeholder 4">
+            <a:extLst>
+              <a:ext uri="{FF2B5EF4-FFF2-40B4-BE49-F238E27FC236}">
+                <a16:creationId xmlns:a16="http://schemas.microsoft.com/office/drawing/2014/main" id="{41721309-E53C-4B31-B4CA-92E426B44625}"/>
+              </a:ext>
+            </a:extLst>
+          </p:cNvPr>
+          <p:cNvPicPr>
+            <a:picLocks noGrp="1" noChangeAspect="1"/>
+          </p:cNvPicPr>
+          <p:nvPr>
+            <p:ph idx="1"/>
+          </p:nvPr>
+        </p:nvPicPr>
+        <p:blipFill>
+          <a:blip r:embed="rId2">
+            <a:extLst>
+              <a:ext uri="{28A0092B-C50C-407E-A947-70E740481C1C}">
+                <a14:useLocalDpi xmlns:a14="http://schemas.microsoft.com/office/drawing/2010/main" val="0"/>
+              </a:ext>
+            </a:extLst>
+          </a:blip>
+          <a:stretch>
+            <a:fillRect/>
+          </a:stretch>
+        </p:blipFill>
+        <p:spPr>
+          <a:xfrm>
+            <a:off x="418426" y="2711013"/>
+            <a:ext cx="10515600" cy="1037903"/>
+          </a:xfrm>
+        </p:spPr>
+      </p:pic>
+      <p:pic>
+        <p:nvPicPr>
+          <p:cNvPr id="7" name="Picture 6">
+            <a:extLst>
+              <a:ext uri="{FF2B5EF4-FFF2-40B4-BE49-F238E27FC236}">
+                <a16:creationId xmlns:a16="http://schemas.microsoft.com/office/drawing/2014/main" id="{13F59E58-4E67-4C58-A7F3-4CBD8F61579E}"/>
+              </a:ext>
+            </a:extLst>
+          </p:cNvPr>
+          <p:cNvPicPr>
+            <a:picLocks noChangeAspect="1"/>
+          </p:cNvPicPr>
+          <p:nvPr/>
+        </p:nvPicPr>
+        <p:blipFill>
+          <a:blip r:embed="rId3">
+            <a:extLst>
+              <a:ext uri="{28A0092B-C50C-407E-A947-70E740481C1C}">
+                <a14:useLocalDpi xmlns:a14="http://schemas.microsoft.com/office/drawing/2010/main" val="0"/>
+              </a:ext>
+            </a:extLst>
+          </a:blip>
+          <a:stretch>
+            <a:fillRect/>
+          </a:stretch>
+        </p:blipFill>
+        <p:spPr>
+          <a:xfrm>
+            <a:off x="542149" y="4758707"/>
+            <a:ext cx="11107700" cy="962159"/>
+          </a:xfrm>
+          <a:prstGeom prst="rect">
+            <a:avLst/>
+          </a:prstGeom>
+        </p:spPr>
+      </p:pic>
+      <p:pic>
+        <p:nvPicPr>
+          <p:cNvPr id="9" name="Picture 8">
+            <a:extLst>
+              <a:ext uri="{FF2B5EF4-FFF2-40B4-BE49-F238E27FC236}">
+                <a16:creationId xmlns:a16="http://schemas.microsoft.com/office/drawing/2014/main" id="{1935D36E-F73A-4578-A37F-A96627EB9B68}"/>
+              </a:ext>
+            </a:extLst>
+          </p:cNvPr>
+          <p:cNvPicPr>
+            <a:picLocks noChangeAspect="1"/>
+          </p:cNvPicPr>
+          <p:nvPr/>
+        </p:nvPicPr>
+        <p:blipFill>
+          <a:blip r:embed="rId4">
+            <a:extLst>
+              <a:ext uri="{28A0092B-C50C-407E-A947-70E740481C1C}">
+                <a14:useLocalDpi xmlns:a14="http://schemas.microsoft.com/office/drawing/2010/main" val="0"/>
+              </a:ext>
+            </a:extLst>
+          </a:blip>
+          <a:stretch>
+            <a:fillRect/>
+          </a:stretch>
+        </p:blipFill>
+        <p:spPr>
+          <a:xfrm>
+            <a:off x="384965" y="3748916"/>
+            <a:ext cx="11422069" cy="1009791"/>
+          </a:xfrm>
+          <a:prstGeom prst="rect">
+            <a:avLst/>
+          </a:prstGeom>
+        </p:spPr>
+      </p:pic>
+      <p:pic>
+        <p:nvPicPr>
+          <p:cNvPr id="11" name="Picture 10">
+            <a:extLst>
+              <a:ext uri="{FF2B5EF4-FFF2-40B4-BE49-F238E27FC236}">
+                <a16:creationId xmlns:a16="http://schemas.microsoft.com/office/drawing/2014/main" id="{56488D46-76D5-47C7-8CBA-7E959BCEBE7B}"/>
+              </a:ext>
+            </a:extLst>
+          </p:cNvPr>
+          <p:cNvPicPr>
+            <a:picLocks noChangeAspect="1"/>
+          </p:cNvPicPr>
+          <p:nvPr/>
+        </p:nvPicPr>
+        <p:blipFill>
+          <a:blip r:embed="rId5">
+            <a:extLst>
+              <a:ext uri="{28A0092B-C50C-407E-A947-70E740481C1C}">
+                <a14:useLocalDpi xmlns:a14="http://schemas.microsoft.com/office/drawing/2010/main" val="0"/>
+              </a:ext>
+            </a:extLst>
+          </a:blip>
+          <a:stretch>
+            <a:fillRect/>
+          </a:stretch>
+        </p:blipFill>
+        <p:spPr>
+          <a:xfrm>
+            <a:off x="199202" y="1691696"/>
+            <a:ext cx="11793596" cy="1019317"/>
+          </a:xfrm>
+          <a:prstGeom prst="rect">
+            <a:avLst/>
+          </a:prstGeom>
+        </p:spPr>
+      </p:pic>
+      <p:sp>
+        <p:nvSpPr>
+          <p:cNvPr id="12" name="TextBox 11">
+            <a:extLst>
+              <a:ext uri="{FF2B5EF4-FFF2-40B4-BE49-F238E27FC236}">
+                <a16:creationId xmlns:a16="http://schemas.microsoft.com/office/drawing/2014/main" id="{905EE71F-156F-4A50-B4CF-45E3763E0837}"/>
+              </a:ext>
+            </a:extLst>
+          </p:cNvPr>
+          <p:cNvSpPr txBox="1"/>
+          <p:nvPr/>
+        </p:nvSpPr>
+        <p:spPr>
+          <a:xfrm>
+            <a:off x="913513" y="5720866"/>
+            <a:ext cx="10364972" cy="369332"/>
+          </a:xfrm>
+          <a:prstGeom prst="rect">
+            <a:avLst/>
+          </a:prstGeom>
+          <a:noFill/>
+        </p:spPr>
+        <p:txBody>
+          <a:bodyPr wrap="square" rtlCol="0">
+            <a:spAutoFit/>
+          </a:bodyPr>
+          <a:lstStyle/>
+          <a:p>
+            <a:pPr algn="ctr"/>
+            <a:r>
+              <a:rPr lang="en-GB" dirty="0"/>
+              <a:t>(13 * 40) + (9 * 8) + 6 = 520 + 72 + 6 = 602 hours logged on Jira</a:t>
+            </a:r>
+          </a:p>
+        </p:txBody>
+      </p:sp>
+    </p:spTree>
+    <p:extLst>
+      <p:ext uri="{BB962C8B-B14F-4D97-AF65-F5344CB8AC3E}">
+        <p14:creationId xmlns:p14="http://schemas.microsoft.com/office/powerpoint/2010/main" val="2797260845"/>
+      </p:ext>
+    </p:extLst>
+  </p:cSld>
+  <p:clrMapOvr>
+    <a:masterClrMapping/>
+  </p:clrMapOvr>
+  <p:timing>
+    <p:tnLst>
+      <p:par>
+        <p:cTn id="1" dur="indefinite" restart="never" nodeType="tmRoot">
+          <p:childTnLst>
+            <p:seq concurrent="1" nextAc="seek">
+              <p:cTn id="2" dur="indefinite" nodeType="mainSeq">
+                <p:childTnLst>
+                  <p:par>
+                    <p:cTn id="3" fill="hold">
+                      <p:stCondLst>
+                        <p:cond delay="indefinite"/>
+                      </p:stCondLst>
+                      <p:childTnLst>
+                        <p:par>
+                          <p:cTn id="4" fill="hold">
+                            <p:stCondLst>
+                              <p:cond delay="0"/>
+                            </p:stCondLst>
+                            <p:childTnLst>
+                              <p:par>
+                                <p:cTn id="5" presetID="1" presetClass="entr" presetSubtype="0" fill="hold" nodeType="clickEffect">
+                                  <p:stCondLst>
+                                    <p:cond delay="0"/>
+                                  </p:stCondLst>
+                                  <p:childTnLst>
+                                    <p:set>
+                                      <p:cBhvr>
+                                        <p:cTn id="6" dur="1" fill="hold">
+                                          <p:stCondLst>
+                                            <p:cond delay="0"/>
+                                          </p:stCondLst>
+                                        </p:cTn>
+                                        <p:tgtEl>
+                                          <p:spTgt spid="11"/>
+                                        </p:tgtEl>
+                                        <p:attrNameLst>
+                                          <p:attrName>style.visibility</p:attrName>
+                                        </p:attrNameLst>
+                                      </p:cBhvr>
+                                      <p:to>
+                                        <p:strVal val="visible"/>
+                                      </p:to>
+                                    </p:set>
+                                  </p:childTnLst>
+                                </p:cTn>
+                              </p:par>
+                            </p:childTnLst>
+                          </p:cTn>
+                        </p:par>
+                      </p:childTnLst>
+                    </p:cTn>
+                  </p:par>
+                  <p:par>
+                    <p:cTn id="7" fill="hold">
+                      <p:stCondLst>
+                        <p:cond delay="indefinite"/>
+                      </p:stCondLst>
+                      <p:childTnLst>
+                        <p:par>
+                          <p:cTn id="8" fill="hold">
+                            <p:stCondLst>
+                              <p:cond delay="0"/>
+                            </p:stCondLst>
+                            <p:childTnLst>
+                              <p:par>
+                                <p:cTn id="9" presetID="1" presetClass="entr" presetSubtype="0" fill="hold" nodeType="clickEffect">
+                                  <p:stCondLst>
+                                    <p:cond delay="0"/>
+                                  </p:stCondLst>
+                                  <p:childTnLst>
+                                    <p:set>
+                                      <p:cBhvr>
+                                        <p:cTn id="10" dur="1" fill="hold">
+                                          <p:stCondLst>
+                                            <p:cond delay="0"/>
+                                          </p:stCondLst>
+                                        </p:cTn>
+                                        <p:tgtEl>
+                                          <p:spTgt spid="5"/>
+                                        </p:tgtEl>
+                                        <p:attrNameLst>
+                                          <p:attrName>style.visibility</p:attrName>
+                                        </p:attrNameLst>
+                                      </p:cBhvr>
+                                      <p:to>
+                                        <p:strVal val="visible"/>
+                                      </p:to>
+                                    </p:set>
+                                  </p:childTnLst>
+                                </p:cTn>
+                              </p:par>
+                            </p:childTnLst>
+                          </p:cTn>
+                        </p:par>
+                      </p:childTnLst>
+                    </p:cTn>
+                  </p:par>
+                  <p:par>
+                    <p:cTn id="11" fill="hold">
+                      <p:stCondLst>
+                        <p:cond delay="indefinite"/>
+                      </p:stCondLst>
+                      <p:childTnLst>
+                        <p:par>
+                          <p:cTn id="12" fill="hold">
+                            <p:stCondLst>
+                              <p:cond delay="0"/>
+                            </p:stCondLst>
+                            <p:childTnLst>
+                              <p:par>
+                                <p:cTn id="13" presetID="1" presetClass="entr" presetSubtype="0" fill="hold" nodeType="clickEffect">
+                                  <p:stCondLst>
+                                    <p:cond delay="0"/>
+                                  </p:stCondLst>
+                                  <p:childTnLst>
+                                    <p:set>
+                                      <p:cBhvr>
+                                        <p:cTn id="14" dur="1" fill="hold">
+                                          <p:stCondLst>
+                                            <p:cond delay="0"/>
+                                          </p:stCondLst>
+                                        </p:cTn>
+                                        <p:tgtEl>
+                                          <p:spTgt spid="9"/>
+                                        </p:tgtEl>
+                                        <p:attrNameLst>
+                                          <p:attrName>style.visibility</p:attrName>
+                                        </p:attrNameLst>
+                                      </p:cBhvr>
+                                      <p:to>
+                                        <p:strVal val="visible"/>
+                                      </p:to>
+                                    </p:set>
+                                  </p:childTnLst>
+                                </p:cTn>
+                              </p:par>
+                            </p:childTnLst>
+                          </p:cTn>
+                        </p:par>
+                      </p:childTnLst>
+                    </p:cTn>
+                  </p:par>
+                  <p:par>
+                    <p:cTn id="15" fill="hold">
+                      <p:stCondLst>
+                        <p:cond delay="indefinite"/>
+                      </p:stCondLst>
+                      <p:childTnLst>
+                        <p:par>
+                          <p:cTn id="16" fill="hold">
+                            <p:stCondLst>
+                              <p:cond delay="0"/>
+                            </p:stCondLst>
+                            <p:childTnLst>
+                              <p:par>
+                                <p:cTn id="17" presetID="1" presetClass="entr" presetSubtype="0" fill="hold" nodeType="clickEffect">
+                                  <p:stCondLst>
+                                    <p:cond delay="0"/>
+                                  </p:stCondLst>
+                                  <p:childTnLst>
+                                    <p:set>
+                                      <p:cBhvr>
+                                        <p:cTn id="18" dur="1" fill="hold">
+                                          <p:stCondLst>
+                                            <p:cond delay="0"/>
+                                          </p:stCondLst>
+                                        </p:cTn>
+                                        <p:tgtEl>
+                                          <p:spTgt spid="7"/>
+                                        </p:tgtEl>
+                                        <p:attrNameLst>
+                                          <p:attrName>style.visibility</p:attrName>
+                                        </p:attrNameLst>
+                                      </p:cBhvr>
+                                      <p:to>
+                                        <p:strVal val="visible"/>
+                                      </p:to>
+                                    </p:set>
+                                  </p:childTnLst>
+                                </p:cTn>
+                              </p:par>
+                            </p:childTnLst>
+                          </p:cTn>
+                        </p:par>
+                      </p:childTnLst>
+                    </p:cTn>
+                  </p:par>
+                  <p:par>
+                    <p:cTn id="19" fill="hold">
+                      <p:stCondLst>
+                        <p:cond delay="indefinite"/>
+                      </p:stCondLst>
+                      <p:childTnLst>
+                        <p:par>
+                          <p:cTn id="20" fill="hold">
+                            <p:stCondLst>
+                              <p:cond delay="0"/>
+                            </p:stCondLst>
+                            <p:childTnLst>
+                              <p:par>
+                                <p:cTn id="21" presetID="1" presetClass="entr" presetSubtype="0" fill="hold" grpId="0" nodeType="clickEffect">
+                                  <p:stCondLst>
+                                    <p:cond delay="0"/>
+                                  </p:stCondLst>
+                                  <p:childTnLst>
+                                    <p:set>
+                                      <p:cBhvr>
+                                        <p:cTn id="22" dur="1" fill="hold">
+                                          <p:stCondLst>
+                                            <p:cond delay="0"/>
+                                          </p:stCondLst>
+                                        </p:cTn>
+                                        <p:tgtEl>
+                                          <p:spTgt spid="12"/>
+                                        </p:tgtEl>
+                                        <p:attrNameLst>
+                                          <p:attrName>style.visibility</p:attrName>
+                                        </p:attrNameLst>
+                                      </p:cBhvr>
+                                      <p:to>
+                                        <p:strVal val="visible"/>
+                                      </p:to>
+                                    </p:set>
+                                  </p:childTnLst>
+                                </p:cTn>
+                              </p:par>
+                            </p:childTnLst>
+                          </p:cTn>
+                        </p:par>
+                      </p:childTnLst>
+                    </p:cTn>
+                  </p:par>
+                </p:childTnLst>
+              </p:cTn>
+              <p:prevCondLst>
+                <p:cond evt="onPrev" delay="0">
+                  <p:tgtEl>
+                    <p:sldTgt/>
+                  </p:tgtEl>
+                </p:cond>
+              </p:prevCondLst>
+              <p:nextCondLst>
+                <p:cond evt="onNext" delay="0">
+                  <p:tgtEl>
+                    <p:sldTgt/>
+                  </p:tgtEl>
+                </p:cond>
+              </p:nextCondLst>
+            </p:seq>
+          </p:childTnLst>
+        </p:cTn>
+      </p:par>
+    </p:tnLst>
+    <p:bldLst>
+      <p:bldP spid="12" grpId="0"/>
+    </p:bldLst>
+  </p:timing>
+</p:sld>
+</file>
+
+<file path=ppt/slides/slide22.xml><?xml version="1.0" encoding="utf-8"?>
+<p:sld xmlns:a="http://schemas.openxmlformats.org/drawingml/2006/main" xmlns:r="http://schemas.openxmlformats.org/officeDocument/2006/relationships" xmlns:p="http://schemas.openxmlformats.org/presentationml/2006/main">
+  <p:cSld>
+    <p:spTree>
+      <p:nvGrpSpPr>
+        <p:cNvPr id="1" name=""/>
+        <p:cNvGrpSpPr/>
+        <p:nvPr/>
+      </p:nvGrpSpPr>
+      <p:grpSpPr>
+        <a:xfrm>
+          <a:off x="0" y="0"/>
+          <a:ext cx="0" cy="0"/>
+          <a:chOff x="0" y="0"/>
+          <a:chExt cx="0" cy="0"/>
+        </a:xfrm>
+      </p:grpSpPr>
+      <p:sp>
+        <p:nvSpPr>
+          <p:cNvPr id="2" name="Title 1">
+            <a:extLst>
+              <a:ext uri="{FF2B5EF4-FFF2-40B4-BE49-F238E27FC236}">
+                <a16:creationId xmlns:a16="http://schemas.microsoft.com/office/drawing/2014/main" id="{3A86618B-04AD-4C95-9C7B-9E166C51861E}"/>
+              </a:ext>
+            </a:extLst>
+          </p:cNvPr>
+          <p:cNvSpPr>
+            <a:spLocks noGrp="1"/>
+          </p:cNvSpPr>
+          <p:nvPr>
+            <p:ph type="title"/>
+          </p:nvPr>
+        </p:nvSpPr>
+        <p:spPr/>
+        <p:txBody>
+          <a:bodyPr/>
+          <a:lstStyle/>
+          <a:p>
+            <a:r>
+              <a:rPr lang="en-GB" dirty="0"/>
+              <a:t>The Demonstration</a:t>
+            </a:r>
+          </a:p>
+        </p:txBody>
+      </p:sp>
+      <p:sp>
+        <p:nvSpPr>
+          <p:cNvPr id="3" name="Text Placeholder 2">
+            <a:extLst>
+              <a:ext uri="{FF2B5EF4-FFF2-40B4-BE49-F238E27FC236}">
+                <a16:creationId xmlns:a16="http://schemas.microsoft.com/office/drawing/2014/main" id="{BDEEFF70-EB63-41F9-97BC-34DC5869C06A}"/>
+              </a:ext>
+            </a:extLst>
+          </p:cNvPr>
+          <p:cNvSpPr>
+            <a:spLocks noGrp="1"/>
+          </p:cNvSpPr>
+          <p:nvPr>
+            <p:ph type="body" idx="1"/>
+          </p:nvPr>
+        </p:nvSpPr>
+        <p:spPr/>
+        <p:txBody>
+          <a:bodyPr/>
+          <a:lstStyle/>
+          <a:p>
+            <a:r>
+              <a:rPr lang="en-GB" dirty="0"/>
+              <a:t>Using HECC-IT to make and then play some hypertext games</a:t>
+            </a:r>
+          </a:p>
+        </p:txBody>
+      </p:sp>
+    </p:spTree>
+    <p:extLst>
+      <p:ext uri="{BB962C8B-B14F-4D97-AF65-F5344CB8AC3E}">
+        <p14:creationId xmlns:p14="http://schemas.microsoft.com/office/powerpoint/2010/main" val="87653310"/>
+      </p:ext>
+    </p:extLst>
+  </p:cSld>
+  <p:clrMapOvr>
+    <a:masterClrMapping/>
+  </p:clrMapOvr>
+</p:sld>
+</file>
+
+<file path=ppt/slides/slide23.xml><?xml version="1.0" encoding="utf-8"?>
+<p:sld xmlns:a="http://schemas.openxmlformats.org/drawingml/2006/main" xmlns:r="http://schemas.openxmlformats.org/officeDocument/2006/relationships" xmlns:p="http://schemas.openxmlformats.org/presentationml/2006/main">
+  <p:cSld>
+    <p:spTree>
+      <p:nvGrpSpPr>
+        <p:cNvPr id="1" name=""/>
+        <p:cNvGrpSpPr/>
+        <p:nvPr/>
+      </p:nvGrpSpPr>
+      <p:grpSpPr>
+        <a:xfrm>
+          <a:off x="0" y="0"/>
+          <a:ext cx="0" cy="0"/>
+          <a:chOff x="0" y="0"/>
+          <a:chExt cx="0" cy="0"/>
+        </a:xfrm>
+      </p:grpSpPr>
+      <p:sp>
+        <p:nvSpPr>
+          <p:cNvPr id="2" name="Title 1">
+            <a:extLst>
+              <a:ext uri="{FF2B5EF4-FFF2-40B4-BE49-F238E27FC236}">
+                <a16:creationId xmlns:a16="http://schemas.microsoft.com/office/drawing/2014/main" id="{5632056F-F207-4E15-A455-FB225E2CF16F}"/>
+              </a:ext>
+            </a:extLst>
+          </p:cNvPr>
+          <p:cNvSpPr>
+            <a:spLocks noGrp="1"/>
+          </p:cNvSpPr>
+          <p:nvPr>
+            <p:ph type="title"/>
+          </p:nvPr>
+        </p:nvSpPr>
+        <p:spPr/>
+        <p:txBody>
+          <a:bodyPr/>
+          <a:lstStyle/>
+          <a:p>
+            <a:r>
+              <a:rPr lang="en-GB" dirty="0"/>
+              <a:t>The Q&amp;A</a:t>
+            </a:r>
+          </a:p>
+        </p:txBody>
+      </p:sp>
+      <p:sp>
+        <p:nvSpPr>
+          <p:cNvPr id="3" name="Text Placeholder 2">
+            <a:extLst>
+              <a:ext uri="{FF2B5EF4-FFF2-40B4-BE49-F238E27FC236}">
+                <a16:creationId xmlns:a16="http://schemas.microsoft.com/office/drawing/2014/main" id="{ECB98B4A-8700-4075-A199-E48C3F3372C5}"/>
+              </a:ext>
+            </a:extLst>
+          </p:cNvPr>
+          <p:cNvSpPr>
+            <a:spLocks noGrp="1"/>
+          </p:cNvSpPr>
+          <p:nvPr>
+            <p:ph type="body" idx="1"/>
+          </p:nvPr>
+        </p:nvSpPr>
+        <p:spPr/>
+        <p:txBody>
+          <a:bodyPr/>
+          <a:lstStyle/>
+          <a:p>
+            <a:r>
+              <a:rPr lang="en-GB" dirty="0"/>
+              <a:t>Ask away!</a:t>
+            </a:r>
+          </a:p>
+        </p:txBody>
+      </p:sp>
+    </p:spTree>
+    <p:extLst>
+      <p:ext uri="{BB962C8B-B14F-4D97-AF65-F5344CB8AC3E}">
+        <p14:creationId xmlns:p14="http://schemas.microsoft.com/office/powerpoint/2010/main" val="1939524378"/>
+      </p:ext>
+    </p:extLst>
+  </p:cSld>
+  <p:clrMapOvr>
+    <a:masterClrMapping/>
+  </p:clrMapOvr>
+</p:sld>
+</file>
+
+<file path=ppt/slides/slide24.xml><?xml version="1.0" encoding="utf-8"?>
+<p:sld xmlns:a="http://schemas.openxmlformats.org/drawingml/2006/main" xmlns:r="http://schemas.openxmlformats.org/officeDocument/2006/relationships" xmlns:p="http://schemas.openxmlformats.org/presentationml/2006/main" show="0">
+  <p:cSld>
+    <p:spTree>
+      <p:nvGrpSpPr>
+        <p:cNvPr id="1" name=""/>
+        <p:cNvGrpSpPr/>
+        <p:nvPr/>
+      </p:nvGrpSpPr>
+      <p:grpSpPr>
+        <a:xfrm>
+          <a:off x="0" y="0"/>
+          <a:ext cx="0" cy="0"/>
+          <a:chOff x="0" y="0"/>
+          <a:chExt cx="0" cy="0"/>
+        </a:xfrm>
+      </p:grpSpPr>
+      <p:sp>
+        <p:nvSpPr>
+          <p:cNvPr id="2" name="Title 1">
+            <a:extLst>
+              <a:ext uri="{FF2B5EF4-FFF2-40B4-BE49-F238E27FC236}">
+                <a16:creationId xmlns:a16="http://schemas.microsoft.com/office/drawing/2014/main" id="{1CBD2EC7-4DDD-4034-A081-AF827E0F6F9A}"/>
+              </a:ext>
+            </a:extLst>
+          </p:cNvPr>
+          <p:cNvSpPr>
+            <a:spLocks noGrp="1"/>
+          </p:cNvSpPr>
+          <p:nvPr>
+            <p:ph type="title"/>
+          </p:nvPr>
+        </p:nvSpPr>
+        <p:spPr/>
+        <p:txBody>
+          <a:bodyPr/>
+          <a:lstStyle/>
+          <a:p>
+            <a:r>
+              <a:rPr lang="en-GB" dirty="0"/>
+              <a:t>Summer 2020/Challenge Week</a:t>
+            </a:r>
+          </a:p>
+        </p:txBody>
+      </p:sp>
+      <p:sp>
+        <p:nvSpPr>
+          <p:cNvPr id="4" name="Text Placeholder 3">
+            <a:extLst>
+              <a:ext uri="{FF2B5EF4-FFF2-40B4-BE49-F238E27FC236}">
+                <a16:creationId xmlns:a16="http://schemas.microsoft.com/office/drawing/2014/main" id="{272F1756-B285-4597-ACD2-E010B97560D6}"/>
+              </a:ext>
+            </a:extLst>
+          </p:cNvPr>
+          <p:cNvSpPr>
+            <a:spLocks noGrp="1"/>
+          </p:cNvSpPr>
+          <p:nvPr>
+            <p:ph type="body" idx="1"/>
+          </p:nvPr>
+        </p:nvSpPr>
+        <p:spPr/>
+        <p:txBody>
+          <a:bodyPr/>
+          <a:lstStyle/>
+          <a:p>
+            <a:r>
+              <a:rPr lang="en-GB" dirty="0"/>
+              <a:t>Challenges</a:t>
+            </a:r>
+          </a:p>
+        </p:txBody>
+      </p:sp>
+      <p:sp>
+        <p:nvSpPr>
+          <p:cNvPr id="5" name="Content Placeholder 4">
+            <a:extLst>
+              <a:ext uri="{FF2B5EF4-FFF2-40B4-BE49-F238E27FC236}">
+                <a16:creationId xmlns:a16="http://schemas.microsoft.com/office/drawing/2014/main" id="{713414E6-8EC6-42D8-8286-8EC4A6D1C79F}"/>
+              </a:ext>
+            </a:extLst>
+          </p:cNvPr>
+          <p:cNvSpPr>
+            <a:spLocks noGrp="1"/>
+          </p:cNvSpPr>
+          <p:nvPr>
+            <p:ph sz="half" idx="2"/>
+          </p:nvPr>
+        </p:nvSpPr>
+        <p:spPr/>
+        <p:txBody>
+          <a:bodyPr>
+            <a:normAutofit lnSpcReduction="10000"/>
+          </a:bodyPr>
+          <a:lstStyle/>
+          <a:p>
+            <a:r>
+              <a:rPr lang="en-GB" dirty="0"/>
+              <a:t>Designing the </a:t>
+            </a:r>
+            <a:r>
+              <a:rPr lang="en-GB" i="1" dirty="0"/>
+              <a:t>HECCIN’ Game </a:t>
+            </a:r>
+            <a:r>
+              <a:rPr lang="en-GB" dirty="0"/>
+              <a:t>engine</a:t>
+            </a:r>
+          </a:p>
+          <a:p>
+            <a:r>
+              <a:rPr lang="en-GB" dirty="0"/>
+              <a:t>Learning JavaScript for the </a:t>
+            </a:r>
+            <a:r>
+              <a:rPr lang="en-GB" i="1" dirty="0"/>
+              <a:t>HECCIN’ Game</a:t>
+            </a:r>
+            <a:r>
+              <a:rPr lang="en-GB" dirty="0"/>
+              <a:t> engine</a:t>
+            </a:r>
+          </a:p>
+          <a:p>
+            <a:r>
+              <a:rPr lang="en-GB" dirty="0"/>
+              <a:t>Designing the .hecc language</a:t>
+            </a:r>
+          </a:p>
+          <a:p>
+            <a:r>
+              <a:rPr lang="en-GB" dirty="0"/>
+              <a:t>Creating a parser for .hecc</a:t>
+            </a:r>
+          </a:p>
+          <a:p>
+            <a:r>
+              <a:rPr lang="en-GB" dirty="0"/>
+              <a:t>Making a parsing utility program</a:t>
+            </a:r>
+          </a:p>
+          <a:p>
+            <a:r>
+              <a:rPr lang="en-GB" dirty="0"/>
+              <a:t>Creating an example game</a:t>
+            </a:r>
+          </a:p>
+        </p:txBody>
+      </p:sp>
+      <p:sp>
+        <p:nvSpPr>
+          <p:cNvPr id="6" name="Text Placeholder 5">
+            <a:extLst>
+              <a:ext uri="{FF2B5EF4-FFF2-40B4-BE49-F238E27FC236}">
+                <a16:creationId xmlns:a16="http://schemas.microsoft.com/office/drawing/2014/main" id="{095DC788-F807-4619-9B3C-A192422F0428}"/>
+              </a:ext>
+            </a:extLst>
+          </p:cNvPr>
+          <p:cNvSpPr>
+            <a:spLocks noGrp="1"/>
+          </p:cNvSpPr>
+          <p:nvPr>
+            <p:ph type="body" sz="quarter" idx="3"/>
+          </p:nvPr>
+        </p:nvSpPr>
+        <p:spPr/>
+        <p:txBody>
+          <a:bodyPr/>
+          <a:lstStyle/>
+          <a:p>
+            <a:r>
+              <a:rPr lang="en-GB" dirty="0"/>
+              <a:t>Successes</a:t>
+            </a:r>
+          </a:p>
+        </p:txBody>
+      </p:sp>
+      <p:sp>
+        <p:nvSpPr>
+          <p:cNvPr id="7" name="Content Placeholder 6">
+            <a:extLst>
+              <a:ext uri="{FF2B5EF4-FFF2-40B4-BE49-F238E27FC236}">
+                <a16:creationId xmlns:a16="http://schemas.microsoft.com/office/drawing/2014/main" id="{E4678507-B980-4AB8-B09C-A25520954CD2}"/>
+              </a:ext>
+            </a:extLst>
+          </p:cNvPr>
+          <p:cNvSpPr>
+            <a:spLocks noGrp="1"/>
+          </p:cNvSpPr>
+          <p:nvPr>
+            <p:ph sz="quarter" idx="4"/>
+          </p:nvPr>
+        </p:nvSpPr>
+        <p:spPr/>
+        <p:txBody>
+          <a:bodyPr>
+            <a:normAutofit lnSpcReduction="10000"/>
+          </a:bodyPr>
+          <a:lstStyle/>
+          <a:p>
+            <a:r>
+              <a:rPr lang="en-GB" dirty="0"/>
+              <a:t>I went with a state machine design, also storing ‘previous’ states on a stack.</a:t>
+            </a:r>
+          </a:p>
+          <a:p>
+            <a:r>
+              <a:rPr lang="en-GB" dirty="0"/>
+              <a:t>I was able to learn and use it.</a:t>
+            </a:r>
+          </a:p>
+          <a:p>
+            <a:r>
+              <a:rPr lang="en-GB" dirty="0"/>
+              <a:t>Created the </a:t>
+            </a:r>
+            <a:r>
+              <a:rPr lang="en-GB" i="1" dirty="0"/>
+              <a:t>HECC-SPECC</a:t>
+            </a:r>
+            <a:endParaRPr lang="en-GB" dirty="0"/>
+          </a:p>
+          <a:p>
+            <a:r>
+              <a:rPr lang="en-GB" dirty="0"/>
+              <a:t>Created a prototype of HECC-UP</a:t>
+            </a:r>
+          </a:p>
+          <a:p>
+            <a:r>
+              <a:rPr lang="en-GB" dirty="0"/>
+              <a:t>Refined it further, it had a GUI</a:t>
+            </a:r>
+          </a:p>
+          <a:p>
+            <a:r>
+              <a:rPr lang="en-GB" dirty="0"/>
+              <a:t>Produced ‘</a:t>
+            </a:r>
+            <a:r>
+              <a:rPr lang="en-GB" i="1" dirty="0"/>
+              <a:t>A Conversation</a:t>
+            </a:r>
+            <a:r>
+              <a:rPr lang="en-GB" dirty="0"/>
+              <a:t>’</a:t>
+            </a:r>
+          </a:p>
+        </p:txBody>
+      </p:sp>
+    </p:spTree>
+    <p:extLst>
+      <p:ext uri="{BB962C8B-B14F-4D97-AF65-F5344CB8AC3E}">
+        <p14:creationId xmlns:p14="http://schemas.microsoft.com/office/powerpoint/2010/main" val="1425234950"/>
+      </p:ext>
+    </p:extLst>
+  </p:cSld>
+  <p:clrMapOvr>
+    <a:masterClrMapping/>
+  </p:clrMapOvr>
+</p:sld>
+</file>
+
+<file path=ppt/slides/slide25.xml><?xml version="1.0" encoding="utf-8"?>
+<p:sld xmlns:a="http://schemas.openxmlformats.org/drawingml/2006/main" xmlns:r="http://schemas.openxmlformats.org/officeDocument/2006/relationships" xmlns:p="http://schemas.openxmlformats.org/presentationml/2006/main" show="0">
+  <p:cSld>
+    <p:spTree>
+      <p:nvGrpSpPr>
+        <p:cNvPr id="1" name=""/>
+        <p:cNvGrpSpPr/>
+        <p:nvPr/>
+      </p:nvGrpSpPr>
+      <p:grpSpPr>
+        <a:xfrm>
+          <a:off x="0" y="0"/>
+          <a:ext cx="0" cy="0"/>
+          <a:chOff x="0" y="0"/>
+          <a:chExt cx="0" cy="0"/>
+        </a:xfrm>
+      </p:grpSpPr>
+      <p:sp>
+        <p:nvSpPr>
+          <p:cNvPr id="2" name="Title 1">
+            <a:extLst>
+              <a:ext uri="{FF2B5EF4-FFF2-40B4-BE49-F238E27FC236}">
+                <a16:creationId xmlns:a16="http://schemas.microsoft.com/office/drawing/2014/main" id="{9FFE3338-B166-4A9F-ADF4-F2A4A3F7B8CD}"/>
+              </a:ext>
+            </a:extLst>
+          </p:cNvPr>
+          <p:cNvSpPr>
+            <a:spLocks noGrp="1"/>
+          </p:cNvSpPr>
+          <p:nvPr>
+            <p:ph type="title"/>
+          </p:nvPr>
+        </p:nvSpPr>
+        <p:spPr/>
+        <p:txBody>
+          <a:bodyPr/>
+          <a:lstStyle/>
+          <a:p>
+            <a:r>
+              <a:rPr lang="en-GB" dirty="0"/>
+              <a:t>Winter 2020</a:t>
+            </a:r>
+          </a:p>
+        </p:txBody>
+      </p:sp>
+      <p:sp>
+        <p:nvSpPr>
+          <p:cNvPr id="3" name="Text Placeholder 2">
+            <a:extLst>
+              <a:ext uri="{FF2B5EF4-FFF2-40B4-BE49-F238E27FC236}">
+                <a16:creationId xmlns:a16="http://schemas.microsoft.com/office/drawing/2014/main" id="{363F2CCC-8697-4697-8DDE-2C03BF21DB6F}"/>
+              </a:ext>
+            </a:extLst>
+          </p:cNvPr>
+          <p:cNvSpPr>
+            <a:spLocks noGrp="1"/>
+          </p:cNvSpPr>
+          <p:nvPr>
+            <p:ph type="body" idx="1"/>
+          </p:nvPr>
+        </p:nvSpPr>
+        <p:spPr/>
+        <p:txBody>
+          <a:bodyPr/>
+          <a:lstStyle/>
+          <a:p>
+            <a:r>
+              <a:rPr lang="en-GB" dirty="0"/>
+              <a:t>Challenges</a:t>
+            </a:r>
+          </a:p>
+        </p:txBody>
+      </p:sp>
+      <p:sp>
+        <p:nvSpPr>
+          <p:cNvPr id="4" name="Content Placeholder 3">
+            <a:extLst>
+              <a:ext uri="{FF2B5EF4-FFF2-40B4-BE49-F238E27FC236}">
+                <a16:creationId xmlns:a16="http://schemas.microsoft.com/office/drawing/2014/main" id="{8D62D7F0-A7E9-466A-BB95-D361A550C3C5}"/>
+              </a:ext>
+            </a:extLst>
+          </p:cNvPr>
+          <p:cNvSpPr>
+            <a:spLocks noGrp="1"/>
+          </p:cNvSpPr>
+          <p:nvPr>
+            <p:ph sz="half" idx="2"/>
+          </p:nvPr>
+        </p:nvSpPr>
+        <p:spPr/>
+        <p:txBody>
+          <a:bodyPr/>
+          <a:lstStyle/>
+          <a:p>
+            <a:r>
+              <a:rPr lang="en-GB" dirty="0"/>
+              <a:t>Designing the </a:t>
+            </a:r>
+            <a:r>
+              <a:rPr lang="en-GB" i="1" dirty="0"/>
+              <a:t>OH-HECC </a:t>
+            </a:r>
+            <a:r>
+              <a:rPr lang="en-GB" dirty="0"/>
+              <a:t>editor</a:t>
+            </a:r>
+          </a:p>
+          <a:p>
+            <a:r>
+              <a:rPr lang="en-GB" dirty="0"/>
+              <a:t>Redesigning </a:t>
+            </a:r>
+            <a:r>
+              <a:rPr lang="en-GB" i="1" dirty="0"/>
+              <a:t>OH-HECC</a:t>
+            </a:r>
+            <a:r>
+              <a:rPr lang="en-GB" dirty="0"/>
+              <a:t> to remove a redundant passive update loop</a:t>
+            </a:r>
+          </a:p>
+          <a:p>
+            <a:r>
+              <a:rPr lang="en-GB" dirty="0"/>
+              <a:t>Ensuring that all edits </a:t>
+            </a:r>
+          </a:p>
+        </p:txBody>
+      </p:sp>
+      <p:sp>
+        <p:nvSpPr>
+          <p:cNvPr id="5" name="Text Placeholder 4">
+            <a:extLst>
+              <a:ext uri="{FF2B5EF4-FFF2-40B4-BE49-F238E27FC236}">
+                <a16:creationId xmlns:a16="http://schemas.microsoft.com/office/drawing/2014/main" id="{94DFB98A-C055-44AC-9FB1-D7BEF9DEA704}"/>
+              </a:ext>
+            </a:extLst>
+          </p:cNvPr>
+          <p:cNvSpPr>
+            <a:spLocks noGrp="1"/>
+          </p:cNvSpPr>
+          <p:nvPr>
+            <p:ph type="body" sz="quarter" idx="3"/>
+          </p:nvPr>
+        </p:nvSpPr>
+        <p:spPr/>
+        <p:txBody>
+          <a:bodyPr/>
+          <a:lstStyle/>
+          <a:p>
+            <a:r>
+              <a:rPr lang="en-GB" dirty="0"/>
+              <a:t>Successes</a:t>
+            </a:r>
+          </a:p>
+        </p:txBody>
+      </p:sp>
+      <p:sp>
+        <p:nvSpPr>
+          <p:cNvPr id="6" name="Content Placeholder 5">
+            <a:extLst>
+              <a:ext uri="{FF2B5EF4-FFF2-40B4-BE49-F238E27FC236}">
+                <a16:creationId xmlns:a16="http://schemas.microsoft.com/office/drawing/2014/main" id="{C283C8B2-7C8F-41E7-84D7-692DE4CE181C}"/>
+              </a:ext>
+            </a:extLst>
+          </p:cNvPr>
+          <p:cNvSpPr>
+            <a:spLocks noGrp="1"/>
+          </p:cNvSpPr>
+          <p:nvPr>
+            <p:ph sz="quarter" idx="4"/>
+          </p:nvPr>
+        </p:nvSpPr>
+        <p:spPr/>
+        <p:txBody>
+          <a:bodyPr/>
+          <a:lstStyle/>
+          <a:p>
+            <a:r>
+              <a:rPr lang="en-GB" dirty="0"/>
+              <a:t>Used an MVC architecture</a:t>
+            </a:r>
+          </a:p>
+          <a:p>
+            <a:r>
+              <a:rPr lang="en-GB" dirty="0"/>
+              <a:t>Completely refactored that out, simply using event handling.</a:t>
+            </a:r>
+          </a:p>
+        </p:txBody>
+      </p:sp>
+    </p:spTree>
+    <p:extLst>
+      <p:ext uri="{BB962C8B-B14F-4D97-AF65-F5344CB8AC3E}">
+        <p14:creationId xmlns:p14="http://schemas.microsoft.com/office/powerpoint/2010/main" val="2724480725"/>
+      </p:ext>
+    </p:extLst>
+  </p:cSld>
+  <p:clrMapOvr>
+    <a:masterClrMapping/>
+  </p:clrMapOvr>
+</p:sld>
+</file>
+
+<file path=ppt/slides/slide26.xml><?xml version="1.0" encoding="utf-8"?>
+<p:sld xmlns:a="http://schemas.openxmlformats.org/drawingml/2006/main" xmlns:r="http://schemas.openxmlformats.org/officeDocument/2006/relationships" xmlns:p="http://schemas.openxmlformats.org/presentationml/2006/main">
+  <p:cSld>
+    <p:spTree>
+      <p:nvGrpSpPr>
+        <p:cNvPr id="1" name=""/>
+        <p:cNvGrpSpPr/>
+        <p:nvPr/>
+      </p:nvGrpSpPr>
+      <p:grpSpPr>
+        <a:xfrm>
+          <a:off x="0" y="0"/>
+          <a:ext cx="0" cy="0"/>
+          <a:chOff x="0" y="0"/>
+          <a:chExt cx="0" cy="0"/>
+        </a:xfrm>
+      </p:grpSpPr>
+      <p:sp>
+        <p:nvSpPr>
+          <p:cNvPr id="2" name="Title 1">
+            <a:extLst>
+              <a:ext uri="{FF2B5EF4-FFF2-40B4-BE49-F238E27FC236}">
+                <a16:creationId xmlns:a16="http://schemas.microsoft.com/office/drawing/2014/main" id="{39935921-97A0-432D-840E-BB90ADDAA761}"/>
+              </a:ext>
+            </a:extLst>
+          </p:cNvPr>
+          <p:cNvSpPr>
+            <a:spLocks noGrp="1"/>
+          </p:cNvSpPr>
+          <p:nvPr>
+            <p:ph type="title"/>
+          </p:nvPr>
+        </p:nvSpPr>
+        <p:spPr/>
+        <p:txBody>
+          <a:bodyPr/>
+          <a:lstStyle/>
+          <a:p>
+            <a:r>
+              <a:rPr lang="en-GB" dirty="0"/>
+              <a:t>Bibliography</a:t>
+            </a:r>
+          </a:p>
+        </p:txBody>
+      </p:sp>
+      <p:sp>
+        <p:nvSpPr>
+          <p:cNvPr id="3" name="Content Placeholder 2">
+            <a:extLst>
+              <a:ext uri="{FF2B5EF4-FFF2-40B4-BE49-F238E27FC236}">
+                <a16:creationId xmlns:a16="http://schemas.microsoft.com/office/drawing/2014/main" id="{7FC6D601-1E5D-4448-93DE-F5BCD3ECCC27}"/>
+              </a:ext>
+            </a:extLst>
+          </p:cNvPr>
+          <p:cNvSpPr>
+            <a:spLocks noGrp="1"/>
+          </p:cNvSpPr>
+          <p:nvPr>
+            <p:ph idx="1"/>
+          </p:nvPr>
+        </p:nvSpPr>
+        <p:spPr/>
+        <p:txBody>
+          <a:bodyPr>
+            <a:normAutofit/>
+          </a:bodyPr>
+          <a:lstStyle/>
+          <a:p>
+            <a:pPr marL="0" indent="0">
+              <a:buNone/>
+            </a:pPr>
+            <a:r>
+              <a:rPr lang="en-US" sz="1800" dirty="0"/>
+              <a:t>[1] T. H. Nelson, "Complex information processing: a file structure for the complex, the changing and the indeterminate," in </a:t>
+            </a:r>
+            <a:r>
+              <a:rPr lang="en-US" sz="1800" i="1" dirty="0"/>
+              <a:t>ACM '65: Proceedings of the 1965 20th national conference</a:t>
+            </a:r>
+            <a:r>
+              <a:rPr lang="en-US" sz="1800" dirty="0"/>
+              <a:t>, New York, NY, 1965.</a:t>
+            </a:r>
+          </a:p>
+          <a:p>
+            <a:pPr marL="0" indent="0">
+              <a:buNone/>
+            </a:pPr>
+            <a:r>
+              <a:rPr lang="en-US" sz="1800" dirty="0"/>
+              <a:t>[2] </a:t>
+            </a:r>
+            <a:r>
+              <a:rPr lang="en-GB" sz="1800" dirty="0"/>
+              <a:t>D. E. Millard, "Games/Hypertext," in </a:t>
+            </a:r>
+            <a:r>
+              <a:rPr lang="en-GB" sz="1800" i="1" dirty="0"/>
+              <a:t>Proceedings of the 31st ACM Conference on Hypertext and Social Media</a:t>
+            </a:r>
+            <a:r>
+              <a:rPr lang="en-GB" sz="1800" dirty="0"/>
+              <a:t>, Virtual Event, 2020</a:t>
+            </a:r>
+          </a:p>
+          <a:p>
+            <a:pPr marL="0" indent="0">
+              <a:buNone/>
+            </a:pPr>
+            <a:r>
+              <a:rPr lang="en-GB" sz="1800" dirty="0"/>
+              <a:t>[3] M. Bernstein, "On hypertext narrative," in </a:t>
+            </a:r>
+            <a:r>
+              <a:rPr lang="en-GB" sz="1800" i="1" dirty="0"/>
+              <a:t>HT '09: Proceedings of the 20th ACM conference on Hypertext and hypermedia</a:t>
+            </a:r>
+            <a:r>
+              <a:rPr lang="en-GB" sz="1800" dirty="0"/>
+              <a:t>, Torino, 2009. </a:t>
+            </a:r>
+          </a:p>
+        </p:txBody>
+      </p:sp>
+    </p:spTree>
+    <p:extLst>
+      <p:ext uri="{BB962C8B-B14F-4D97-AF65-F5344CB8AC3E}">
+        <p14:creationId xmlns:p14="http://schemas.microsoft.com/office/powerpoint/2010/main" val="2935096448"/>
       </p:ext>
     </p:extLst>
   </p:cSld>
@@ -12723,6 +19825,12 @@
               <a:t>Hypertext Editing and Creation Code Integrated Toolkit</a:t>
             </a:r>
           </a:p>
+          <a:p>
+            <a:r>
+              <a:rPr lang="en-GB" dirty="0"/>
+              <a:t>https://11belowstudio.itch.io/hecc-it</a:t>
+            </a:r>
+          </a:p>
         </p:txBody>
       </p:sp>
     </p:spTree>
@@ -12747,6 +19855,9 @@
                     <p:cTn id="3" fill="hold">
                       <p:stCondLst>
                         <p:cond delay="indefinite"/>
+                        <p:cond evt="onBegin" delay="0">
+                          <p:tn val="2"/>
+                        </p:cond>
                       </p:stCondLst>
                       <p:childTnLst>
                         <p:par>
@@ -12756,7 +19867,7 @@
                             </p:stCondLst>
                             <p:childTnLst>
                               <p:par>
-                                <p:cTn id="5" presetID="1" presetClass="entr" presetSubtype="0" fill="hold" nodeType="clickEffect">
+                                <p:cTn id="5" presetID="1" presetClass="entr" presetSubtype="0" fill="hold" nodeType="afterEffect">
                                   <p:stCondLst>
                                     <p:cond delay="0"/>
                                   </p:stCondLst>
@@ -12819,6 +19930,55 @@
                                         </p:cTn>
                                         <p:tgtEl>
                                           <p:spTgt spid="15"/>
+                                        </p:tgtEl>
+                                        <p:attrNameLst>
+                                          <p:attrName>style.visibility</p:attrName>
+                                        </p:attrNameLst>
+                                      </p:cBhvr>
+                                      <p:to>
+                                        <p:strVal val="visible"/>
+                                      </p:to>
+                                    </p:set>
+                                  </p:childTnLst>
+                                </p:cTn>
+                              </p:par>
+                            </p:childTnLst>
+                          </p:cTn>
+                        </p:par>
+                      </p:childTnLst>
+                    </p:cTn>
+                  </p:par>
+                  <p:par>
+                    <p:cTn id="11" fill="hold">
+                      <p:stCondLst>
+                        <p:cond delay="indefinite"/>
+                      </p:stCondLst>
+                      <p:childTnLst>
+                        <p:par>
+                          <p:cTn id="12" fill="hold">
+                            <p:stCondLst>
+                              <p:cond delay="0"/>
+                            </p:stCondLst>
+                            <p:childTnLst>
+                              <p:par>
+                                <p:cTn id="13" presetID="1" presetClass="entr" presetSubtype="0" fill="hold" nodeType="clickEffect">
+                                  <p:stCondLst>
+                                    <p:cond delay="0"/>
+                                  </p:stCondLst>
+                                  <p:childTnLst>
+                                    <p:set>
+                                      <p:cBhvr>
+                                        <p:cTn id="14" dur="1" fill="hold">
+                                          <p:stCondLst>
+                                            <p:cond delay="0"/>
+                                          </p:stCondLst>
+                                        </p:cTn>
+                                        <p:tgtEl>
+                                          <p:spTgt spid="3">
+                                            <p:txEl>
+                                              <p:pRg st="1" end="1"/>
+                                            </p:txEl>
+                                          </p:spTgt>
                                         </p:tgtEl>
                                         <p:attrNameLst>
                                           <p:attrName>style.visibility</p:attrName>
@@ -16075,9 +23235,9 @@
                                           </p:stCondLst>
                                         </p:cTn>
                                         <p:tgtEl>
-                                          <p:spTgt spid="6">
+                                          <p:spTgt spid="4">
                                             <p:txEl>
-                                              <p:pRg st="0" end="0"/>
+                                              <p:pRg st="1" end="1"/>
                                             </p:txEl>
                                           </p:spTgt>
                                         </p:tgtEl>
@@ -16126,7 +23286,7 @@
                                         <p:tgtEl>
                                           <p:spTgt spid="6">
                                             <p:txEl>
-                                              <p:pRg st="1" end="1"/>
+                                              <p:pRg st="0" end="0"/>
                                             </p:txEl>
                                           </p:spTgt>
                                         </p:tgtEl>
@@ -16173,7 +23333,7 @@
                                           </p:stCondLst>
                                         </p:cTn>
                                         <p:tgtEl>
-                                          <p:spTgt spid="6">
+                                          <p:spTgt spid="4">
                                             <p:txEl>
                                               <p:pRg st="2" end="2"/>
                                             </p:txEl>
@@ -16224,7 +23384,7 @@
                                         <p:tgtEl>
                                           <p:spTgt spid="6">
                                             <p:txEl>
-                                              <p:pRg st="3" end="3"/>
+                                              <p:pRg st="1" end="1"/>
                                             </p:txEl>
                                           </p:spTgt>
                                         </p:tgtEl>
@@ -16271,9 +23431,9 @@
                                           </p:stCondLst>
                                         </p:cTn>
                                         <p:tgtEl>
-                                          <p:spTgt spid="4">
+                                          <p:spTgt spid="6">
                                             <p:txEl>
-                                              <p:pRg st="1" end="1"/>
+                                              <p:pRg st="2" end="2"/>
                                             </p:txEl>
                                           </p:spTgt>
                                         </p:tgtEl>
@@ -16322,7 +23482,7 @@
                                         <p:tgtEl>
                                           <p:spTgt spid="4">
                                             <p:txEl>
-                                              <p:pRg st="2" end="2"/>
+                                              <p:pRg st="3" end="3"/>
                                             </p:txEl>
                                           </p:spTgt>
                                         </p:tgtEl>
@@ -16369,7 +23529,7 @@
                                           </p:stCondLst>
                                         </p:cTn>
                                         <p:tgtEl>
-                                          <p:spTgt spid="4">
+                                          <p:spTgt spid="6">
                                             <p:txEl>
                                               <p:pRg st="3" end="3"/>
                                             </p:txEl>

--- a/Reports n such/PDO presentation.pptx
+++ b/Reports n such/PDO presentation.pptx
@@ -146,7 +146,7 @@
 <file path=ppt/revisionInfo.xml><?xml version="1.0" encoding="utf-8"?>
 <p1510:revInfo xmlns:a="http://schemas.openxmlformats.org/drawingml/2006/main" xmlns:r="http://schemas.openxmlformats.org/officeDocument/2006/relationships" xmlns:p1510="http://schemas.microsoft.com/office/powerpoint/2015/10/main">
   <p1510:revLst>
-    <p1510:client id="{3A09807C-0A35-43B8-9B58-B1294ABA1295}" v="6967" dt="2021-05-12T13:17:48.352"/>
+    <p1510:client id="{3A09807C-0A35-43B8-9B58-B1294ABA1295}" v="6968" dt="2021-05-12T15:48:23.137"/>
   </p1510:revLst>
 </p1510:revInfo>
 </file>
@@ -8872,7 +8872,7 @@
           <a:bodyPr/>
           <a:lstStyle/>
           <a:p>
-            <a:fld id="{EFADF8B9-0282-4439-84B0-AC6848C9FC53}" type="datetimeFigureOut">
+            <a:fld id="{854A0C49-5D98-4030-92B6-DEEF33393558}" type="datetime1">
               <a:rPr lang="en-GB" smtClean="0"/>
               <a:t>12/05/2021</a:t>
             </a:fld>
@@ -9042,7 +9042,7 @@
           <a:bodyPr/>
           <a:lstStyle/>
           <a:p>
-            <a:fld id="{EFADF8B9-0282-4439-84B0-AC6848C9FC53}" type="datetimeFigureOut">
+            <a:fld id="{33860AD5-15A8-4E3F-AAC0-407356EE0B3F}" type="datetime1">
               <a:rPr lang="en-GB" smtClean="0"/>
               <a:t>12/05/2021</a:t>
             </a:fld>
@@ -9222,7 +9222,7 @@
           <a:bodyPr/>
           <a:lstStyle/>
           <a:p>
-            <a:fld id="{EFADF8B9-0282-4439-84B0-AC6848C9FC53}" type="datetimeFigureOut">
+            <a:fld id="{FA415F42-1E12-4458-9C4B-1645D5087A24}" type="datetime1">
               <a:rPr lang="en-GB" smtClean="0"/>
               <a:t>12/05/2021</a:t>
             </a:fld>
@@ -9392,7 +9392,7 @@
           <a:bodyPr/>
           <a:lstStyle/>
           <a:p>
-            <a:fld id="{EFADF8B9-0282-4439-84B0-AC6848C9FC53}" type="datetimeFigureOut">
+            <a:fld id="{E3286AE1-E61F-4E3E-85E0-24ED101DD5AA}" type="datetime1">
               <a:rPr lang="en-GB" smtClean="0"/>
               <a:t>12/05/2021</a:t>
             </a:fld>
@@ -9638,7 +9638,7 @@
           <a:bodyPr/>
           <a:lstStyle/>
           <a:p>
-            <a:fld id="{EFADF8B9-0282-4439-84B0-AC6848C9FC53}" type="datetimeFigureOut">
+            <a:fld id="{FD28560E-8FDE-4FF2-930F-3E0F59E9E007}" type="datetime1">
               <a:rPr lang="en-GB" smtClean="0"/>
               <a:t>12/05/2021</a:t>
             </a:fld>
@@ -9870,7 +9870,7 @@
           <a:bodyPr/>
           <a:lstStyle/>
           <a:p>
-            <a:fld id="{EFADF8B9-0282-4439-84B0-AC6848C9FC53}" type="datetimeFigureOut">
+            <a:fld id="{DFCAE488-6DC4-4CF7-8AFD-A5DEC2CFEDCA}" type="datetime1">
               <a:rPr lang="en-GB" smtClean="0"/>
               <a:t>12/05/2021</a:t>
             </a:fld>
@@ -10237,7 +10237,7 @@
           <a:bodyPr/>
           <a:lstStyle/>
           <a:p>
-            <a:fld id="{EFADF8B9-0282-4439-84B0-AC6848C9FC53}" type="datetimeFigureOut">
+            <a:fld id="{8DEE4473-537C-42B8-9F06-5E586F7D9394}" type="datetime1">
               <a:rPr lang="en-GB" smtClean="0"/>
               <a:t>12/05/2021</a:t>
             </a:fld>
@@ -10355,7 +10355,7 @@
           <a:bodyPr/>
           <a:lstStyle/>
           <a:p>
-            <a:fld id="{EFADF8B9-0282-4439-84B0-AC6848C9FC53}" type="datetimeFigureOut">
+            <a:fld id="{7BB52592-5213-44EB-BEF9-2DEEA1DA2574}" type="datetime1">
               <a:rPr lang="en-GB" smtClean="0"/>
               <a:t>12/05/2021</a:t>
             </a:fld>
@@ -10450,7 +10450,7 @@
           <a:bodyPr/>
           <a:lstStyle/>
           <a:p>
-            <a:fld id="{EFADF8B9-0282-4439-84B0-AC6848C9FC53}" type="datetimeFigureOut">
+            <a:fld id="{343FD3DF-FFDC-42C1-BA94-6C9A55096188}" type="datetime1">
               <a:rPr lang="en-GB" smtClean="0"/>
               <a:t>12/05/2021</a:t>
             </a:fld>
@@ -10727,7 +10727,7 @@
           <a:bodyPr/>
           <a:lstStyle/>
           <a:p>
-            <a:fld id="{EFADF8B9-0282-4439-84B0-AC6848C9FC53}" type="datetimeFigureOut">
+            <a:fld id="{2ABB6C17-6394-487A-AB29-05DDC11373A3}" type="datetime1">
               <a:rPr lang="en-GB" smtClean="0"/>
               <a:t>12/05/2021</a:t>
             </a:fld>
@@ -10984,7 +10984,7 @@
           <a:bodyPr/>
           <a:lstStyle/>
           <a:p>
-            <a:fld id="{EFADF8B9-0282-4439-84B0-AC6848C9FC53}" type="datetimeFigureOut">
+            <a:fld id="{7A331706-BB0F-46FD-BFEA-B43308A86C55}" type="datetime1">
               <a:rPr lang="en-GB" smtClean="0"/>
               <a:t>12/05/2021</a:t>
             </a:fld>
@@ -11197,7 +11197,7 @@
             </a:lvl1pPr>
           </a:lstStyle>
           <a:p>
-            <a:fld id="{EFADF8B9-0282-4439-84B0-AC6848C9FC53}" type="datetimeFigureOut">
+            <a:fld id="{112B8766-51AF-4BC1-BF53-97452C7EAC50}" type="datetime1">
               <a:rPr lang="en-GB" smtClean="0"/>
               <a:t>12/05/2021</a:t>
             </a:fld>
@@ -11304,6 +11304,7 @@
     <p:sldLayoutId id="2147483766" r:id="rId10"/>
     <p:sldLayoutId id="2147483767" r:id="rId11"/>
   </p:sldLayoutIdLst>
+  <p:hf hdr="0" ftr="0" dt="0"/>
   <p:txStyles>
     <p:titleStyle>
       <a:lvl1pPr algn="l" defTabSz="914400" rtl="0" eaLnBrk="1" latinLnBrk="0" hangingPunct="1">
@@ -11695,6 +11696,35 @@
           </a:p>
           <a:p>
             <a:endParaRPr lang="en-GB" dirty="0"/>
+          </a:p>
+        </p:txBody>
+      </p:sp>
+      <p:sp>
+        <p:nvSpPr>
+          <p:cNvPr id="4" name="Slide Number Placeholder 3">
+            <a:extLst>
+              <a:ext uri="{FF2B5EF4-FFF2-40B4-BE49-F238E27FC236}">
+                <a16:creationId xmlns:a16="http://schemas.microsoft.com/office/drawing/2014/main" id="{5105E1DB-C3C0-4A01-9E1A-9CD4535599D2}"/>
+              </a:ext>
+            </a:extLst>
+          </p:cNvPr>
+          <p:cNvSpPr>
+            <a:spLocks noGrp="1"/>
+          </p:cNvSpPr>
+          <p:nvPr>
+            <p:ph type="sldNum" sz="quarter" idx="12"/>
+          </p:nvPr>
+        </p:nvSpPr>
+        <p:spPr/>
+        <p:txBody>
+          <a:bodyPr/>
+          <a:lstStyle/>
+          <a:p>
+            <a:fld id="{558F8992-8396-4A3F-A09F-D0B391125C2B}" type="slidenum">
+              <a:rPr lang="en-GB" smtClean="0"/>
+              <a:t>1</a:t>
+            </a:fld>
+            <a:endParaRPr lang="en-GB"/>
           </a:p>
         </p:txBody>
       </p:sp>
@@ -12247,6 +12277,35 @@
               <a:rPr lang="en-GB" dirty="0"/>
               <a:t>’ methods to produce .hecc code</a:t>
             </a:r>
+          </a:p>
+        </p:txBody>
+      </p:sp>
+      <p:sp>
+        <p:nvSpPr>
+          <p:cNvPr id="7" name="Slide Number Placeholder 6">
+            <a:extLst>
+              <a:ext uri="{FF2B5EF4-FFF2-40B4-BE49-F238E27FC236}">
+                <a16:creationId xmlns:a16="http://schemas.microsoft.com/office/drawing/2014/main" id="{EB35A591-A7B9-45D1-9613-BB02B49A50F3}"/>
+              </a:ext>
+            </a:extLst>
+          </p:cNvPr>
+          <p:cNvSpPr>
+            <a:spLocks noGrp="1"/>
+          </p:cNvSpPr>
+          <p:nvPr>
+            <p:ph type="sldNum" sz="quarter" idx="12"/>
+          </p:nvPr>
+        </p:nvSpPr>
+        <p:spPr/>
+        <p:txBody>
+          <a:bodyPr/>
+          <a:lstStyle/>
+          <a:p>
+            <a:fld id="{558F8992-8396-4A3F-A09F-D0B391125C2B}" type="slidenum">
+              <a:rPr lang="en-GB" smtClean="0"/>
+              <a:t>10</a:t>
+            </a:fld>
+            <a:endParaRPr lang="en-GB"/>
           </a:p>
         </p:txBody>
       </p:sp>
@@ -13228,6 +13287,35 @@
           </a:p>
         </p:txBody>
       </p:sp>
+      <p:sp>
+        <p:nvSpPr>
+          <p:cNvPr id="3" name="Slide Number Placeholder 2">
+            <a:extLst>
+              <a:ext uri="{FF2B5EF4-FFF2-40B4-BE49-F238E27FC236}">
+                <a16:creationId xmlns:a16="http://schemas.microsoft.com/office/drawing/2014/main" id="{5F5D0DAB-BAAE-4716-9E89-48A14568ED52}"/>
+              </a:ext>
+            </a:extLst>
+          </p:cNvPr>
+          <p:cNvSpPr>
+            <a:spLocks noGrp="1"/>
+          </p:cNvSpPr>
+          <p:nvPr>
+            <p:ph type="sldNum" sz="quarter" idx="12"/>
+          </p:nvPr>
+        </p:nvSpPr>
+        <p:spPr/>
+        <p:txBody>
+          <a:bodyPr/>
+          <a:lstStyle/>
+          <a:p>
+            <a:fld id="{558F8992-8396-4A3F-A09F-D0B391125C2B}" type="slidenum">
+              <a:rPr lang="en-GB" smtClean="0"/>
+              <a:t>11</a:t>
+            </a:fld>
+            <a:endParaRPr lang="en-GB"/>
+          </a:p>
+        </p:txBody>
+      </p:sp>
     </p:spTree>
     <p:extLst>
       <p:ext uri="{BB962C8B-B14F-4D97-AF65-F5344CB8AC3E}">
@@ -14036,6 +14124,35 @@
           </a:p>
         </p:txBody>
       </p:sp>
+      <p:sp>
+        <p:nvSpPr>
+          <p:cNvPr id="4" name="Slide Number Placeholder 3">
+            <a:extLst>
+              <a:ext uri="{FF2B5EF4-FFF2-40B4-BE49-F238E27FC236}">
+                <a16:creationId xmlns:a16="http://schemas.microsoft.com/office/drawing/2014/main" id="{B1EA85BD-EB18-445B-B22E-9D69725610E5}"/>
+              </a:ext>
+            </a:extLst>
+          </p:cNvPr>
+          <p:cNvSpPr>
+            <a:spLocks noGrp="1"/>
+          </p:cNvSpPr>
+          <p:nvPr>
+            <p:ph type="sldNum" sz="quarter" idx="12"/>
+          </p:nvPr>
+        </p:nvSpPr>
+        <p:spPr/>
+        <p:txBody>
+          <a:bodyPr/>
+          <a:lstStyle/>
+          <a:p>
+            <a:fld id="{558F8992-8396-4A3F-A09F-D0B391125C2B}" type="slidenum">
+              <a:rPr lang="en-GB" smtClean="0"/>
+              <a:t>12</a:t>
+            </a:fld>
+            <a:endParaRPr lang="en-GB"/>
+          </a:p>
+        </p:txBody>
+      </p:sp>
     </p:spTree>
     <p:extLst>
       <p:ext uri="{BB962C8B-B14F-4D97-AF65-F5344CB8AC3E}">
@@ -14333,6 +14450,35 @@
           </a:p>
           <a:p>
             <a:endParaRPr lang="en-GB" dirty="0"/>
+          </a:p>
+        </p:txBody>
+      </p:sp>
+      <p:sp>
+        <p:nvSpPr>
+          <p:cNvPr id="4" name="Slide Number Placeholder 3">
+            <a:extLst>
+              <a:ext uri="{FF2B5EF4-FFF2-40B4-BE49-F238E27FC236}">
+                <a16:creationId xmlns:a16="http://schemas.microsoft.com/office/drawing/2014/main" id="{06CE7703-647F-45D1-8E30-F005F120050F}"/>
+              </a:ext>
+            </a:extLst>
+          </p:cNvPr>
+          <p:cNvSpPr>
+            <a:spLocks noGrp="1"/>
+          </p:cNvSpPr>
+          <p:nvPr>
+            <p:ph type="sldNum" sz="quarter" idx="12"/>
+          </p:nvPr>
+        </p:nvSpPr>
+        <p:spPr/>
+        <p:txBody>
+          <a:bodyPr/>
+          <a:lstStyle/>
+          <a:p>
+            <a:fld id="{558F8992-8396-4A3F-A09F-D0B391125C2B}" type="slidenum">
+              <a:rPr lang="en-GB" smtClean="0"/>
+              <a:t>13</a:t>
+            </a:fld>
+            <a:endParaRPr lang="en-GB"/>
           </a:p>
         </p:txBody>
       </p:sp>
@@ -15044,6 +15190,35 @@
           </a:p>
         </p:txBody>
       </p:sp>
+      <p:sp>
+        <p:nvSpPr>
+          <p:cNvPr id="4" name="Slide Number Placeholder 3">
+            <a:extLst>
+              <a:ext uri="{FF2B5EF4-FFF2-40B4-BE49-F238E27FC236}">
+                <a16:creationId xmlns:a16="http://schemas.microsoft.com/office/drawing/2014/main" id="{61AB546D-EA71-4C0B-83C2-F8AD950953ED}"/>
+              </a:ext>
+            </a:extLst>
+          </p:cNvPr>
+          <p:cNvSpPr>
+            <a:spLocks noGrp="1"/>
+          </p:cNvSpPr>
+          <p:nvPr>
+            <p:ph type="sldNum" sz="quarter" idx="12"/>
+          </p:nvPr>
+        </p:nvSpPr>
+        <p:spPr/>
+        <p:txBody>
+          <a:bodyPr/>
+          <a:lstStyle/>
+          <a:p>
+            <a:fld id="{558F8992-8396-4A3F-A09F-D0B391125C2B}" type="slidenum">
+              <a:rPr lang="en-GB" smtClean="0"/>
+              <a:t>14</a:t>
+            </a:fld>
+            <a:endParaRPr lang="en-GB"/>
+          </a:p>
+        </p:txBody>
+      </p:sp>
     </p:spTree>
     <p:extLst>
       <p:ext uri="{BB962C8B-B14F-4D97-AF65-F5344CB8AC3E}">
@@ -15559,6 +15734,35 @@
           </a:xfrm>
         </p:spPr>
       </p:pic>
+      <p:sp>
+        <p:nvSpPr>
+          <p:cNvPr id="3" name="Slide Number Placeholder 2">
+            <a:extLst>
+              <a:ext uri="{FF2B5EF4-FFF2-40B4-BE49-F238E27FC236}">
+                <a16:creationId xmlns:a16="http://schemas.microsoft.com/office/drawing/2014/main" id="{A4F45DD5-7335-4713-8F2A-ABE8603F4A24}"/>
+              </a:ext>
+            </a:extLst>
+          </p:cNvPr>
+          <p:cNvSpPr>
+            <a:spLocks noGrp="1"/>
+          </p:cNvSpPr>
+          <p:nvPr>
+            <p:ph type="sldNum" sz="quarter" idx="12"/>
+          </p:nvPr>
+        </p:nvSpPr>
+        <p:spPr/>
+        <p:txBody>
+          <a:bodyPr/>
+          <a:lstStyle/>
+          <a:p>
+            <a:fld id="{558F8992-8396-4A3F-A09F-D0B391125C2B}" type="slidenum">
+              <a:rPr lang="en-GB" smtClean="0"/>
+              <a:t>15</a:t>
+            </a:fld>
+            <a:endParaRPr lang="en-GB"/>
+          </a:p>
+        </p:txBody>
+      </p:sp>
     </p:spTree>
     <p:extLst>
       <p:ext uri="{BB962C8B-B14F-4D97-AF65-F5344CB8AC3E}">
@@ -15921,6 +16125,35 @@
           </a:p>
           <a:p>
             <a:endParaRPr lang="en-GB" dirty="0"/>
+          </a:p>
+        </p:txBody>
+      </p:sp>
+      <p:sp>
+        <p:nvSpPr>
+          <p:cNvPr id="7" name="Slide Number Placeholder 6">
+            <a:extLst>
+              <a:ext uri="{FF2B5EF4-FFF2-40B4-BE49-F238E27FC236}">
+                <a16:creationId xmlns:a16="http://schemas.microsoft.com/office/drawing/2014/main" id="{D090C3CD-6D76-4BB4-AA8A-73A707439FE9}"/>
+              </a:ext>
+            </a:extLst>
+          </p:cNvPr>
+          <p:cNvSpPr>
+            <a:spLocks noGrp="1"/>
+          </p:cNvSpPr>
+          <p:nvPr>
+            <p:ph type="sldNum" sz="quarter" idx="12"/>
+          </p:nvPr>
+        </p:nvSpPr>
+        <p:spPr/>
+        <p:txBody>
+          <a:bodyPr/>
+          <a:lstStyle/>
+          <a:p>
+            <a:fld id="{558F8992-8396-4A3F-A09F-D0B391125C2B}" type="slidenum">
+              <a:rPr lang="en-GB" smtClean="0"/>
+              <a:t>16</a:t>
+            </a:fld>
+            <a:endParaRPr lang="en-GB"/>
           </a:p>
         </p:txBody>
       </p:sp>
@@ -16873,6 +17106,35 @@
           </a:p>
         </p:txBody>
       </p:sp>
+      <p:sp>
+        <p:nvSpPr>
+          <p:cNvPr id="4" name="Slide Number Placeholder 3">
+            <a:extLst>
+              <a:ext uri="{FF2B5EF4-FFF2-40B4-BE49-F238E27FC236}">
+                <a16:creationId xmlns:a16="http://schemas.microsoft.com/office/drawing/2014/main" id="{4277B7DB-9FF6-441D-A7BE-8EE94A4CADC1}"/>
+              </a:ext>
+            </a:extLst>
+          </p:cNvPr>
+          <p:cNvSpPr>
+            <a:spLocks noGrp="1"/>
+          </p:cNvSpPr>
+          <p:nvPr>
+            <p:ph type="sldNum" sz="quarter" idx="12"/>
+          </p:nvPr>
+        </p:nvSpPr>
+        <p:spPr/>
+        <p:txBody>
+          <a:bodyPr/>
+          <a:lstStyle/>
+          <a:p>
+            <a:fld id="{558F8992-8396-4A3F-A09F-D0B391125C2B}" type="slidenum">
+              <a:rPr lang="en-GB" smtClean="0"/>
+              <a:t>17</a:t>
+            </a:fld>
+            <a:endParaRPr lang="en-GB"/>
+          </a:p>
+        </p:txBody>
+      </p:sp>
     </p:spTree>
     <p:extLst>
       <p:ext uri="{BB962C8B-B14F-4D97-AF65-F5344CB8AC3E}">
@@ -16965,6 +17227,35 @@
           </a:xfrm>
         </p:spPr>
       </p:pic>
+      <p:sp>
+        <p:nvSpPr>
+          <p:cNvPr id="3" name="Slide Number Placeholder 2">
+            <a:extLst>
+              <a:ext uri="{FF2B5EF4-FFF2-40B4-BE49-F238E27FC236}">
+                <a16:creationId xmlns:a16="http://schemas.microsoft.com/office/drawing/2014/main" id="{AA25D1FD-2AD7-4927-8816-A79338CA2A6C}"/>
+              </a:ext>
+            </a:extLst>
+          </p:cNvPr>
+          <p:cNvSpPr>
+            <a:spLocks noGrp="1"/>
+          </p:cNvSpPr>
+          <p:nvPr>
+            <p:ph type="sldNum" sz="quarter" idx="12"/>
+          </p:nvPr>
+        </p:nvSpPr>
+        <p:spPr/>
+        <p:txBody>
+          <a:bodyPr/>
+          <a:lstStyle/>
+          <a:p>
+            <a:fld id="{558F8992-8396-4A3F-A09F-D0B391125C2B}" type="slidenum">
+              <a:rPr lang="en-GB" smtClean="0"/>
+              <a:t>18</a:t>
+            </a:fld>
+            <a:endParaRPr lang="en-GB"/>
+          </a:p>
+        </p:txBody>
+      </p:sp>
     </p:spTree>
     <p:extLst>
       <p:ext uri="{BB962C8B-B14F-4D97-AF65-F5344CB8AC3E}">
@@ -17058,6 +17349,35 @@
           </a:xfrm>
         </p:spPr>
       </p:pic>
+      <p:sp>
+        <p:nvSpPr>
+          <p:cNvPr id="3" name="Slide Number Placeholder 2">
+            <a:extLst>
+              <a:ext uri="{FF2B5EF4-FFF2-40B4-BE49-F238E27FC236}">
+                <a16:creationId xmlns:a16="http://schemas.microsoft.com/office/drawing/2014/main" id="{D8B26C67-563E-4EBA-9D14-FA4A6B02A2B5}"/>
+              </a:ext>
+            </a:extLst>
+          </p:cNvPr>
+          <p:cNvSpPr>
+            <a:spLocks noGrp="1"/>
+          </p:cNvSpPr>
+          <p:nvPr>
+            <p:ph type="sldNum" sz="quarter" idx="12"/>
+          </p:nvPr>
+        </p:nvSpPr>
+        <p:spPr/>
+        <p:txBody>
+          <a:bodyPr/>
+          <a:lstStyle/>
+          <a:p>
+            <a:fld id="{558F8992-8396-4A3F-A09F-D0B391125C2B}" type="slidenum">
+              <a:rPr lang="en-GB" smtClean="0"/>
+              <a:t>19</a:t>
+            </a:fld>
+            <a:endParaRPr lang="en-GB"/>
+          </a:p>
+        </p:txBody>
+      </p:sp>
     </p:spTree>
     <p:extLst>
       <p:ext uri="{BB962C8B-B14F-4D97-AF65-F5344CB8AC3E}">
@@ -17219,6 +17539,35 @@
           </a:p>
           <a:p>
             <a:endParaRPr lang="en-GB" dirty="0"/>
+          </a:p>
+        </p:txBody>
+      </p:sp>
+      <p:sp>
+        <p:nvSpPr>
+          <p:cNvPr id="4" name="Slide Number Placeholder 3">
+            <a:extLst>
+              <a:ext uri="{FF2B5EF4-FFF2-40B4-BE49-F238E27FC236}">
+                <a16:creationId xmlns:a16="http://schemas.microsoft.com/office/drawing/2014/main" id="{6CF193CB-CC38-45E2-BC13-CD8B6DDC818B}"/>
+              </a:ext>
+            </a:extLst>
+          </p:cNvPr>
+          <p:cNvSpPr>
+            <a:spLocks noGrp="1"/>
+          </p:cNvSpPr>
+          <p:nvPr>
+            <p:ph type="sldNum" sz="quarter" idx="12"/>
+          </p:nvPr>
+        </p:nvSpPr>
+        <p:spPr/>
+        <p:txBody>
+          <a:bodyPr/>
+          <a:lstStyle/>
+          <a:p>
+            <a:fld id="{558F8992-8396-4A3F-A09F-D0B391125C2B}" type="slidenum">
+              <a:rPr lang="en-GB" smtClean="0"/>
+              <a:t>2</a:t>
+            </a:fld>
+            <a:endParaRPr lang="en-GB"/>
           </a:p>
         </p:txBody>
       </p:sp>
@@ -17933,6 +18282,35 @@
           </a:xfrm>
         </p:spPr>
       </p:pic>
+      <p:sp>
+        <p:nvSpPr>
+          <p:cNvPr id="3" name="Slide Number Placeholder 2">
+            <a:extLst>
+              <a:ext uri="{FF2B5EF4-FFF2-40B4-BE49-F238E27FC236}">
+                <a16:creationId xmlns:a16="http://schemas.microsoft.com/office/drawing/2014/main" id="{95B9B0B1-B987-47E1-943B-B391C635A36C}"/>
+              </a:ext>
+            </a:extLst>
+          </p:cNvPr>
+          <p:cNvSpPr>
+            <a:spLocks noGrp="1"/>
+          </p:cNvSpPr>
+          <p:nvPr>
+            <p:ph type="sldNum" sz="quarter" idx="12"/>
+          </p:nvPr>
+        </p:nvSpPr>
+        <p:spPr/>
+        <p:txBody>
+          <a:bodyPr/>
+          <a:lstStyle/>
+          <a:p>
+            <a:fld id="{558F8992-8396-4A3F-A09F-D0B391125C2B}" type="slidenum">
+              <a:rPr lang="en-GB" smtClean="0"/>
+              <a:t>20</a:t>
+            </a:fld>
+            <a:endParaRPr lang="en-GB"/>
+          </a:p>
+        </p:txBody>
+      </p:sp>
     </p:spTree>
     <p:extLst>
       <p:ext uri="{BB962C8B-B14F-4D97-AF65-F5344CB8AC3E}">
@@ -18167,6 +18545,35 @@
               <a:rPr lang="en-GB" dirty="0"/>
               <a:t>(13 * 40) + (9 * 8) + 6 = 520 + 72 + 6 = 602 hours logged on Jira</a:t>
             </a:r>
+          </a:p>
+        </p:txBody>
+      </p:sp>
+      <p:sp>
+        <p:nvSpPr>
+          <p:cNvPr id="3" name="Slide Number Placeholder 2">
+            <a:extLst>
+              <a:ext uri="{FF2B5EF4-FFF2-40B4-BE49-F238E27FC236}">
+                <a16:creationId xmlns:a16="http://schemas.microsoft.com/office/drawing/2014/main" id="{23C4B5E9-18BB-4D33-B24C-D50E401FF524}"/>
+              </a:ext>
+            </a:extLst>
+          </p:cNvPr>
+          <p:cNvSpPr>
+            <a:spLocks noGrp="1"/>
+          </p:cNvSpPr>
+          <p:nvPr>
+            <p:ph type="sldNum" sz="quarter" idx="12"/>
+          </p:nvPr>
+        </p:nvSpPr>
+        <p:spPr/>
+        <p:txBody>
+          <a:bodyPr/>
+          <a:lstStyle/>
+          <a:p>
+            <a:fld id="{558F8992-8396-4A3F-A09F-D0B391125C2B}" type="slidenum">
+              <a:rPr lang="en-GB" smtClean="0"/>
+              <a:t>21</a:t>
+            </a:fld>
+            <a:endParaRPr lang="en-GB"/>
           </a:p>
         </p:txBody>
       </p:sp>
@@ -18514,6 +18921,35 @@
           </a:p>
         </p:txBody>
       </p:sp>
+      <p:sp>
+        <p:nvSpPr>
+          <p:cNvPr id="4" name="Slide Number Placeholder 3">
+            <a:extLst>
+              <a:ext uri="{FF2B5EF4-FFF2-40B4-BE49-F238E27FC236}">
+                <a16:creationId xmlns:a16="http://schemas.microsoft.com/office/drawing/2014/main" id="{5ADC57A8-366B-4097-B0A4-B6160455BDB5}"/>
+              </a:ext>
+            </a:extLst>
+          </p:cNvPr>
+          <p:cNvSpPr>
+            <a:spLocks noGrp="1"/>
+          </p:cNvSpPr>
+          <p:nvPr>
+            <p:ph type="sldNum" sz="quarter" idx="12"/>
+          </p:nvPr>
+        </p:nvSpPr>
+        <p:spPr/>
+        <p:txBody>
+          <a:bodyPr/>
+          <a:lstStyle/>
+          <a:p>
+            <a:fld id="{558F8992-8396-4A3F-A09F-D0B391125C2B}" type="slidenum">
+              <a:rPr lang="en-GB" smtClean="0"/>
+              <a:t>22</a:t>
+            </a:fld>
+            <a:endParaRPr lang="en-GB"/>
+          </a:p>
+        </p:txBody>
+      </p:sp>
     </p:spTree>
     <p:extLst>
       <p:ext uri="{BB962C8B-B14F-4D97-AF65-F5344CB8AC3E}">
@@ -18597,6 +19033,35 @@
               <a:rPr lang="en-GB" dirty="0"/>
               <a:t>Ask away!</a:t>
             </a:r>
+          </a:p>
+        </p:txBody>
+      </p:sp>
+      <p:sp>
+        <p:nvSpPr>
+          <p:cNvPr id="4" name="Slide Number Placeholder 3">
+            <a:extLst>
+              <a:ext uri="{FF2B5EF4-FFF2-40B4-BE49-F238E27FC236}">
+                <a16:creationId xmlns:a16="http://schemas.microsoft.com/office/drawing/2014/main" id="{3156D5E5-F3A3-44C6-8141-7B730B2E744F}"/>
+              </a:ext>
+            </a:extLst>
+          </p:cNvPr>
+          <p:cNvSpPr>
+            <a:spLocks noGrp="1"/>
+          </p:cNvSpPr>
+          <p:nvPr>
+            <p:ph type="sldNum" sz="quarter" idx="12"/>
+          </p:nvPr>
+        </p:nvSpPr>
+        <p:spPr/>
+        <p:txBody>
+          <a:bodyPr/>
+          <a:lstStyle/>
+          <a:p>
+            <a:fld id="{558F8992-8396-4A3F-A09F-D0B391125C2B}" type="slidenum">
+              <a:rPr lang="en-GB" smtClean="0"/>
+              <a:t>23</a:t>
+            </a:fld>
+            <a:endParaRPr lang="en-GB"/>
           </a:p>
         </p:txBody>
       </p:sp>
@@ -18863,6 +19328,35 @@
           </a:p>
         </p:txBody>
       </p:sp>
+      <p:sp>
+        <p:nvSpPr>
+          <p:cNvPr id="3" name="Slide Number Placeholder 2">
+            <a:extLst>
+              <a:ext uri="{FF2B5EF4-FFF2-40B4-BE49-F238E27FC236}">
+                <a16:creationId xmlns:a16="http://schemas.microsoft.com/office/drawing/2014/main" id="{7DE76D93-D592-4569-927A-E106B46C0704}"/>
+              </a:ext>
+            </a:extLst>
+          </p:cNvPr>
+          <p:cNvSpPr>
+            <a:spLocks noGrp="1"/>
+          </p:cNvSpPr>
+          <p:nvPr>
+            <p:ph type="sldNum" sz="quarter" idx="12"/>
+          </p:nvPr>
+        </p:nvSpPr>
+        <p:spPr/>
+        <p:txBody>
+          <a:bodyPr/>
+          <a:lstStyle/>
+          <a:p>
+            <a:fld id="{558F8992-8396-4A3F-A09F-D0B391125C2B}" type="slidenum">
+              <a:rPr lang="en-GB" smtClean="0"/>
+              <a:t>24</a:t>
+            </a:fld>
+            <a:endParaRPr lang="en-GB"/>
+          </a:p>
+        </p:txBody>
+      </p:sp>
     </p:spTree>
     <p:extLst>
       <p:ext uri="{BB962C8B-B14F-4D97-AF65-F5344CB8AC3E}">
@@ -19064,6 +19558,35 @@
               <a:rPr lang="en-GB" dirty="0"/>
               <a:t>Completely refactored that out, simply using event handling.</a:t>
             </a:r>
+          </a:p>
+        </p:txBody>
+      </p:sp>
+      <p:sp>
+        <p:nvSpPr>
+          <p:cNvPr id="7" name="Slide Number Placeholder 6">
+            <a:extLst>
+              <a:ext uri="{FF2B5EF4-FFF2-40B4-BE49-F238E27FC236}">
+                <a16:creationId xmlns:a16="http://schemas.microsoft.com/office/drawing/2014/main" id="{ABF90842-DE33-4BE5-AD67-07BE97DC3F4D}"/>
+              </a:ext>
+            </a:extLst>
+          </p:cNvPr>
+          <p:cNvSpPr>
+            <a:spLocks noGrp="1"/>
+          </p:cNvSpPr>
+          <p:nvPr>
+            <p:ph type="sldNum" sz="quarter" idx="12"/>
+          </p:nvPr>
+        </p:nvSpPr>
+        <p:spPr/>
+        <p:txBody>
+          <a:bodyPr/>
+          <a:lstStyle/>
+          <a:p>
+            <a:fld id="{558F8992-8396-4A3F-A09F-D0B391125C2B}" type="slidenum">
+              <a:rPr lang="en-GB" smtClean="0"/>
+              <a:t>25</a:t>
+            </a:fld>
+            <a:endParaRPr lang="en-GB"/>
           </a:p>
         </p:txBody>
       </p:sp>
@@ -19204,6 +19727,35 @@
           </a:p>
         </p:txBody>
       </p:sp>
+      <p:sp>
+        <p:nvSpPr>
+          <p:cNvPr id="4" name="Slide Number Placeholder 3">
+            <a:extLst>
+              <a:ext uri="{FF2B5EF4-FFF2-40B4-BE49-F238E27FC236}">
+                <a16:creationId xmlns:a16="http://schemas.microsoft.com/office/drawing/2014/main" id="{7BBAD719-2CBE-4DC7-A5B7-A91060987D59}"/>
+              </a:ext>
+            </a:extLst>
+          </p:cNvPr>
+          <p:cNvSpPr>
+            <a:spLocks noGrp="1"/>
+          </p:cNvSpPr>
+          <p:nvPr>
+            <p:ph type="sldNum" sz="quarter" idx="12"/>
+          </p:nvPr>
+        </p:nvSpPr>
+        <p:spPr/>
+        <p:txBody>
+          <a:bodyPr/>
+          <a:lstStyle/>
+          <a:p>
+            <a:fld id="{558F8992-8396-4A3F-A09F-D0B391125C2B}" type="slidenum">
+              <a:rPr lang="en-GB" smtClean="0"/>
+              <a:t>26</a:t>
+            </a:fld>
+            <a:endParaRPr lang="en-GB"/>
+          </a:p>
+        </p:txBody>
+      </p:sp>
     </p:spTree>
     <p:extLst>
       <p:ext uri="{BB962C8B-B14F-4D97-AF65-F5344CB8AC3E}">
@@ -19370,6 +19922,35 @@
           </a:graphicData>
         </a:graphic>
       </p:graphicFrame>
+      <p:sp>
+        <p:nvSpPr>
+          <p:cNvPr id="4" name="Slide Number Placeholder 3">
+            <a:extLst>
+              <a:ext uri="{FF2B5EF4-FFF2-40B4-BE49-F238E27FC236}">
+                <a16:creationId xmlns:a16="http://schemas.microsoft.com/office/drawing/2014/main" id="{E3B3B5E2-13AF-4505-B728-FB3AE120ED48}"/>
+              </a:ext>
+            </a:extLst>
+          </p:cNvPr>
+          <p:cNvSpPr>
+            <a:spLocks noGrp="1"/>
+          </p:cNvSpPr>
+          <p:nvPr>
+            <p:ph type="sldNum" sz="quarter" idx="12"/>
+          </p:nvPr>
+        </p:nvSpPr>
+        <p:spPr/>
+        <p:txBody>
+          <a:bodyPr/>
+          <a:lstStyle/>
+          <a:p>
+            <a:fld id="{558F8992-8396-4A3F-A09F-D0B391125C2B}" type="slidenum">
+              <a:rPr lang="en-GB" smtClean="0"/>
+              <a:t>3</a:t>
+            </a:fld>
+            <a:endParaRPr lang="en-GB"/>
+          </a:p>
+        </p:txBody>
+      </p:sp>
     </p:spTree>
     <p:extLst>
       <p:ext uri="{BB962C8B-B14F-4D97-AF65-F5344CB8AC3E}">
@@ -19833,6 +20414,35 @@
           </a:p>
         </p:txBody>
       </p:sp>
+      <p:sp>
+        <p:nvSpPr>
+          <p:cNvPr id="4" name="Slide Number Placeholder 3">
+            <a:extLst>
+              <a:ext uri="{FF2B5EF4-FFF2-40B4-BE49-F238E27FC236}">
+                <a16:creationId xmlns:a16="http://schemas.microsoft.com/office/drawing/2014/main" id="{59613284-1EFE-4056-A8D1-6FAC13C8E6C1}"/>
+              </a:ext>
+            </a:extLst>
+          </p:cNvPr>
+          <p:cNvSpPr>
+            <a:spLocks noGrp="1"/>
+          </p:cNvSpPr>
+          <p:nvPr>
+            <p:ph type="sldNum" sz="quarter" idx="12"/>
+          </p:nvPr>
+        </p:nvSpPr>
+        <p:spPr/>
+        <p:txBody>
+          <a:bodyPr/>
+          <a:lstStyle/>
+          <a:p>
+            <a:fld id="{558F8992-8396-4A3F-A09F-D0B391125C2B}" type="slidenum">
+              <a:rPr lang="en-GB" smtClean="0"/>
+              <a:t>4</a:t>
+            </a:fld>
+            <a:endParaRPr lang="en-GB"/>
+          </a:p>
+        </p:txBody>
+      </p:sp>
     </p:spTree>
     <p:extLst>
       <p:ext uri="{BB962C8B-B14F-4D97-AF65-F5344CB8AC3E}">
@@ -20236,6 +20846,35 @@
           </a:p>
           <a:p>
             <a:endParaRPr lang="en-GB" dirty="0"/>
+          </a:p>
+        </p:txBody>
+      </p:sp>
+      <p:sp>
+        <p:nvSpPr>
+          <p:cNvPr id="7" name="Slide Number Placeholder 6">
+            <a:extLst>
+              <a:ext uri="{FF2B5EF4-FFF2-40B4-BE49-F238E27FC236}">
+                <a16:creationId xmlns:a16="http://schemas.microsoft.com/office/drawing/2014/main" id="{10588F5E-F734-4027-8C8B-BFA5311231CC}"/>
+              </a:ext>
+            </a:extLst>
+          </p:cNvPr>
+          <p:cNvSpPr>
+            <a:spLocks noGrp="1"/>
+          </p:cNvSpPr>
+          <p:nvPr>
+            <p:ph type="sldNum" sz="quarter" idx="12"/>
+          </p:nvPr>
+        </p:nvSpPr>
+        <p:spPr/>
+        <p:txBody>
+          <a:bodyPr/>
+          <a:lstStyle/>
+          <a:p>
+            <a:fld id="{558F8992-8396-4A3F-A09F-D0B391125C2B}" type="slidenum">
+              <a:rPr lang="en-GB" smtClean="0"/>
+              <a:t>5</a:t>
+            </a:fld>
+            <a:endParaRPr lang="en-GB"/>
           </a:p>
         </p:txBody>
       </p:sp>
@@ -21017,6 +21656,35 @@
           </a:p>
         </p:txBody>
       </p:sp>
+      <p:sp>
+        <p:nvSpPr>
+          <p:cNvPr id="3" name="Slide Number Placeholder 2">
+            <a:extLst>
+              <a:ext uri="{FF2B5EF4-FFF2-40B4-BE49-F238E27FC236}">
+                <a16:creationId xmlns:a16="http://schemas.microsoft.com/office/drawing/2014/main" id="{C834BF6B-3A00-4B06-9A40-1D4691B30E58}"/>
+              </a:ext>
+            </a:extLst>
+          </p:cNvPr>
+          <p:cNvSpPr>
+            <a:spLocks noGrp="1"/>
+          </p:cNvSpPr>
+          <p:nvPr>
+            <p:ph type="sldNum" sz="quarter" idx="12"/>
+          </p:nvPr>
+        </p:nvSpPr>
+        <p:spPr/>
+        <p:txBody>
+          <a:bodyPr/>
+          <a:lstStyle/>
+          <a:p>
+            <a:fld id="{558F8992-8396-4A3F-A09F-D0B391125C2B}" type="slidenum">
+              <a:rPr lang="en-GB" smtClean="0"/>
+              <a:t>6</a:t>
+            </a:fld>
+            <a:endParaRPr lang="en-GB"/>
+          </a:p>
+        </p:txBody>
+      </p:sp>
     </p:spTree>
     <p:extLst>
       <p:ext uri="{BB962C8B-B14F-4D97-AF65-F5344CB8AC3E}">
@@ -21540,6 +22208,35 @@
               <a:rPr lang="en-GB" dirty="0"/>
               <a:t>Combining OH-HECC and HECC-UP into one utility</a:t>
             </a:r>
+          </a:p>
+        </p:txBody>
+      </p:sp>
+      <p:sp>
+        <p:nvSpPr>
+          <p:cNvPr id="4" name="Slide Number Placeholder 3">
+            <a:extLst>
+              <a:ext uri="{FF2B5EF4-FFF2-40B4-BE49-F238E27FC236}">
+                <a16:creationId xmlns:a16="http://schemas.microsoft.com/office/drawing/2014/main" id="{C5EF0C1D-EF58-40A2-B735-0420C68053CD}"/>
+              </a:ext>
+            </a:extLst>
+          </p:cNvPr>
+          <p:cNvSpPr>
+            <a:spLocks noGrp="1"/>
+          </p:cNvSpPr>
+          <p:nvPr>
+            <p:ph type="sldNum" sz="quarter" idx="12"/>
+          </p:nvPr>
+        </p:nvSpPr>
+        <p:spPr/>
+        <p:txBody>
+          <a:bodyPr/>
+          <a:lstStyle/>
+          <a:p>
+            <a:fld id="{558F8992-8396-4A3F-A09F-D0B391125C2B}" type="slidenum">
+              <a:rPr lang="en-GB" smtClean="0"/>
+              <a:t>7</a:t>
+            </a:fld>
+            <a:endParaRPr lang="en-GB"/>
           </a:p>
         </p:txBody>
       </p:sp>
@@ -22315,6 +23012,35 @@
               <a:rPr lang="en-GB" dirty="0"/>
               <a:t>Currently implemented via eval (ab)use.</a:t>
             </a:r>
+          </a:p>
+        </p:txBody>
+      </p:sp>
+      <p:sp>
+        <p:nvSpPr>
+          <p:cNvPr id="7" name="Slide Number Placeholder 6">
+            <a:extLst>
+              <a:ext uri="{FF2B5EF4-FFF2-40B4-BE49-F238E27FC236}">
+                <a16:creationId xmlns:a16="http://schemas.microsoft.com/office/drawing/2014/main" id="{6D6FA331-882A-41FA-9B6A-54596D1452B1}"/>
+              </a:ext>
+            </a:extLst>
+          </p:cNvPr>
+          <p:cNvSpPr>
+            <a:spLocks noGrp="1"/>
+          </p:cNvSpPr>
+          <p:nvPr>
+            <p:ph type="sldNum" sz="quarter" idx="12"/>
+          </p:nvPr>
+        </p:nvSpPr>
+        <p:spPr/>
+        <p:txBody>
+          <a:bodyPr/>
+          <a:lstStyle/>
+          <a:p>
+            <a:fld id="{558F8992-8396-4A3F-A09F-D0B391125C2B}" type="slidenum">
+              <a:rPr lang="en-GB" smtClean="0"/>
+              <a:t>8</a:t>
+            </a:fld>
+            <a:endParaRPr lang="en-GB"/>
           </a:p>
         </p:txBody>
       </p:sp>
@@ -23139,6 +23865,35 @@
               <a:rPr lang="en-GB" dirty="0"/>
               <a:t> in the GUI.</a:t>
             </a:r>
+          </a:p>
+        </p:txBody>
+      </p:sp>
+      <p:sp>
+        <p:nvSpPr>
+          <p:cNvPr id="7" name="Slide Number Placeholder 6">
+            <a:extLst>
+              <a:ext uri="{FF2B5EF4-FFF2-40B4-BE49-F238E27FC236}">
+                <a16:creationId xmlns:a16="http://schemas.microsoft.com/office/drawing/2014/main" id="{D8679E39-782A-42AE-BA65-F769984A5CA9}"/>
+              </a:ext>
+            </a:extLst>
+          </p:cNvPr>
+          <p:cNvSpPr>
+            <a:spLocks noGrp="1"/>
+          </p:cNvSpPr>
+          <p:nvPr>
+            <p:ph type="sldNum" sz="quarter" idx="12"/>
+          </p:nvPr>
+        </p:nvSpPr>
+        <p:spPr/>
+        <p:txBody>
+          <a:bodyPr/>
+          <a:lstStyle/>
+          <a:p>
+            <a:fld id="{558F8992-8396-4A3F-A09F-D0B391125C2B}" type="slidenum">
+              <a:rPr lang="en-GB" smtClean="0"/>
+              <a:t>9</a:t>
+            </a:fld>
+            <a:endParaRPr lang="en-GB"/>
           </a:p>
         </p:txBody>
       </p:sp>

--- a/Reports n such/PDO presentation.pptx
+++ b/Reports n such/PDO presentation.pptx
@@ -7023,7 +7023,7 @@
           <a:p>
             <a:fld id="{129EA2B3-CDAF-40E0-ACDB-8B1419F9CD92}" type="datetimeFigureOut">
               <a:rPr lang="en-GB" smtClean="0"/>
-              <a:t>12/05/2021</a:t>
+              <a:t>24/06/2021</a:t>
             </a:fld>
             <a:endParaRPr lang="en-GB"/>
           </a:p>
@@ -8874,7 +8874,7 @@
           <a:p>
             <a:fld id="{854A0C49-5D98-4030-92B6-DEEF33393558}" type="datetime1">
               <a:rPr lang="en-GB" smtClean="0"/>
-              <a:t>12/05/2021</a:t>
+              <a:t>24/06/2021</a:t>
             </a:fld>
             <a:endParaRPr lang="en-GB"/>
           </a:p>
@@ -9044,7 +9044,7 @@
           <a:p>
             <a:fld id="{33860AD5-15A8-4E3F-AAC0-407356EE0B3F}" type="datetime1">
               <a:rPr lang="en-GB" smtClean="0"/>
-              <a:t>12/05/2021</a:t>
+              <a:t>24/06/2021</a:t>
             </a:fld>
             <a:endParaRPr lang="en-GB"/>
           </a:p>
@@ -9224,7 +9224,7 @@
           <a:p>
             <a:fld id="{FA415F42-1E12-4458-9C4B-1645D5087A24}" type="datetime1">
               <a:rPr lang="en-GB" smtClean="0"/>
-              <a:t>12/05/2021</a:t>
+              <a:t>24/06/2021</a:t>
             </a:fld>
             <a:endParaRPr lang="en-GB"/>
           </a:p>
@@ -9394,7 +9394,7 @@
           <a:p>
             <a:fld id="{E3286AE1-E61F-4E3E-85E0-24ED101DD5AA}" type="datetime1">
               <a:rPr lang="en-GB" smtClean="0"/>
-              <a:t>12/05/2021</a:t>
+              <a:t>24/06/2021</a:t>
             </a:fld>
             <a:endParaRPr lang="en-GB"/>
           </a:p>
@@ -9640,7 +9640,7 @@
           <a:p>
             <a:fld id="{FD28560E-8FDE-4FF2-930F-3E0F59E9E007}" type="datetime1">
               <a:rPr lang="en-GB" smtClean="0"/>
-              <a:t>12/05/2021</a:t>
+              <a:t>24/06/2021</a:t>
             </a:fld>
             <a:endParaRPr lang="en-GB"/>
           </a:p>
@@ -9872,7 +9872,7 @@
           <a:p>
             <a:fld id="{DFCAE488-6DC4-4CF7-8AFD-A5DEC2CFEDCA}" type="datetime1">
               <a:rPr lang="en-GB" smtClean="0"/>
-              <a:t>12/05/2021</a:t>
+              <a:t>24/06/2021</a:t>
             </a:fld>
             <a:endParaRPr lang="en-GB"/>
           </a:p>
@@ -10239,7 +10239,7 @@
           <a:p>
             <a:fld id="{8DEE4473-537C-42B8-9F06-5E586F7D9394}" type="datetime1">
               <a:rPr lang="en-GB" smtClean="0"/>
-              <a:t>12/05/2021</a:t>
+              <a:t>24/06/2021</a:t>
             </a:fld>
             <a:endParaRPr lang="en-GB"/>
           </a:p>
@@ -10357,7 +10357,7 @@
           <a:p>
             <a:fld id="{7BB52592-5213-44EB-BEF9-2DEEA1DA2574}" type="datetime1">
               <a:rPr lang="en-GB" smtClean="0"/>
-              <a:t>12/05/2021</a:t>
+              <a:t>24/06/2021</a:t>
             </a:fld>
             <a:endParaRPr lang="en-GB"/>
           </a:p>
@@ -10452,7 +10452,7 @@
           <a:p>
             <a:fld id="{343FD3DF-FFDC-42C1-BA94-6C9A55096188}" type="datetime1">
               <a:rPr lang="en-GB" smtClean="0"/>
-              <a:t>12/05/2021</a:t>
+              <a:t>24/06/2021</a:t>
             </a:fld>
             <a:endParaRPr lang="en-GB"/>
           </a:p>
@@ -10729,7 +10729,7 @@
           <a:p>
             <a:fld id="{2ABB6C17-6394-487A-AB29-05DDC11373A3}" type="datetime1">
               <a:rPr lang="en-GB" smtClean="0"/>
-              <a:t>12/05/2021</a:t>
+              <a:t>24/06/2021</a:t>
             </a:fld>
             <a:endParaRPr lang="en-GB"/>
           </a:p>
@@ -10986,7 +10986,7 @@
           <a:p>
             <a:fld id="{7A331706-BB0F-46FD-BFEA-B43308A86C55}" type="datetime1">
               <a:rPr lang="en-GB" smtClean="0"/>
-              <a:t>12/05/2021</a:t>
+              <a:t>24/06/2021</a:t>
             </a:fld>
             <a:endParaRPr lang="en-GB"/>
           </a:p>
@@ -11199,7 +11199,7 @@
           <a:p>
             <a:fld id="{112B8766-51AF-4BC1-BF53-97452C7EAC50}" type="datetime1">
               <a:rPr lang="en-GB" smtClean="0"/>
-              <a:t>12/05/2021</a:t>
+              <a:t>24/06/2021</a:t>
             </a:fld>
             <a:endParaRPr lang="en-GB"/>
           </a:p>
@@ -11661,7 +11661,7 @@
         <p:spPr/>
         <p:txBody>
           <a:bodyPr>
-            <a:normAutofit lnSpcReduction="10000"/>
+            <a:normAutofit fontScale="92500" lnSpcReduction="10000"/>
           </a:bodyPr>
           <a:lstStyle/>
           <a:p>
@@ -11681,7 +11681,7 @@
               <a:rPr lang="en-GB" dirty="0">
                 <a:hlinkClick r:id="rId2"/>
               </a:rPr>
-              <a:t>https://cseegit.essex.ac.uk/ce301_2020/ce301_lowe_richard_m</a:t>
+              <a:t>https://github.com/11BelowStudio/HECC-IT/</a:t>
             </a:r>
             <a:endParaRPr lang="en-GB" dirty="0"/>
           </a:p>
@@ -23990,9 +23990,9 @@
                                           </p:stCondLst>
                                         </p:cTn>
                                         <p:tgtEl>
-                                          <p:spTgt spid="4">
+                                          <p:spTgt spid="6">
                                             <p:txEl>
-                                              <p:pRg st="1" end="1"/>
+                                              <p:pRg st="0" end="0"/>
                                             </p:txEl>
                                           </p:spTgt>
                                         </p:tgtEl>
@@ -24039,9 +24039,9 @@
                                           </p:stCondLst>
                                         </p:cTn>
                                         <p:tgtEl>
-                                          <p:spTgt spid="6">
+                                          <p:spTgt spid="4">
                                             <p:txEl>
-                                              <p:pRg st="0" end="0"/>
+                                              <p:pRg st="1" end="1"/>
                                             </p:txEl>
                                           </p:spTgt>
                                         </p:tgtEl>
@@ -24088,9 +24088,9 @@
                                           </p:stCondLst>
                                         </p:cTn>
                                         <p:tgtEl>
-                                          <p:spTgt spid="4">
+                                          <p:spTgt spid="6">
                                             <p:txEl>
-                                              <p:pRg st="2" end="2"/>
+                                              <p:pRg st="1" end="1"/>
                                             </p:txEl>
                                           </p:spTgt>
                                         </p:tgtEl>
@@ -24137,9 +24137,9 @@
                                           </p:stCondLst>
                                         </p:cTn>
                                         <p:tgtEl>
-                                          <p:spTgt spid="6">
+                                          <p:spTgt spid="4">
                                             <p:txEl>
-                                              <p:pRg st="1" end="1"/>
+                                              <p:pRg st="2" end="2"/>
                                             </p:txEl>
                                           </p:spTgt>
                                         </p:tgtEl>
